--- a/plclub-2021.pptx
+++ b/plclub-2021.pptx
@@ -25362,7 +25362,12 @@
             <p:ph type="title"/>
           </p:nvPr>
         </p:nvSpPr>
-        <p:spPr/>
+        <p:spPr>
+          <a:xfrm>
+            <a:off x="571501" y="0"/>
+            <a:ext cx="7886700" cy="994172"/>
+          </a:xfrm>
+        </p:spPr>
         <p:txBody>
           <a:bodyPr/>
           <a:lstStyle/>
@@ -25396,7 +25401,7 @@
         </p:nvSpPr>
         <p:spPr>
           <a:xfrm>
-            <a:off x="628651" y="1154563"/>
+            <a:off x="571501" y="1111827"/>
             <a:ext cx="3886200" cy="3263504"/>
           </a:xfrm>
         </p:spPr>
@@ -25487,7 +25492,12 @@
             <p:ph sz="half" idx="2"/>
           </p:nvPr>
         </p:nvSpPr>
-        <p:spPr/>
+        <p:spPr>
+          <a:xfrm>
+            <a:off x="4572001" y="1111827"/>
+            <a:ext cx="3886200" cy="3263504"/>
+          </a:xfrm>
+        </p:spPr>
         <p:txBody>
           <a:bodyPr/>
           <a:lstStyle/>
@@ -25497,7 +25507,7 @@
             </a:pPr>
             <a:r>
               <a:rPr lang="en-US" dirty="0"/>
-              <a:t>These binding implementations involve</a:t>
+              <a:t>These implementations differ in</a:t>
             </a:r>
           </a:p>
           <a:p>
@@ -25608,8 +25618,13 @@
           <a:p>
             <a:r>
               <a:rPr lang="en-US" dirty="0"/>
-              <a:t>Quick implementation of key operations, with confidence</a:t>
-            </a:r>
+              <a:t>Quick implementation of key operations, </a:t>
+            </a:r>
+            <a:r>
+              <a:rPr lang="en-US"/>
+              <a:t>with high confidence</a:t>
+            </a:r>
+            <a:endParaRPr lang="en-US" dirty="0"/>
           </a:p>
           <a:p>
             <a:pPr lvl="1"/>

--- a/plclub-2021.pptx
+++ b/plclub-2021.pptx
@@ -11,26 +11,26 @@
     <p:sldId id="256" r:id="rId2"/>
     <p:sldId id="310" r:id="rId3"/>
     <p:sldId id="362" r:id="rId4"/>
-    <p:sldId id="363" r:id="rId5"/>
-    <p:sldId id="361" r:id="rId6"/>
+    <p:sldId id="370" r:id="rId5"/>
+    <p:sldId id="363" r:id="rId6"/>
     <p:sldId id="364" r:id="rId7"/>
     <p:sldId id="365" r:id="rId8"/>
-    <p:sldId id="366" r:id="rId9"/>
-    <p:sldId id="370" r:id="rId10"/>
-    <p:sldId id="371" r:id="rId11"/>
-    <p:sldId id="369" r:id="rId12"/>
-    <p:sldId id="368" r:id="rId13"/>
-    <p:sldId id="291" r:id="rId14"/>
-    <p:sldId id="360" r:id="rId15"/>
-    <p:sldId id="294" r:id="rId16"/>
-    <p:sldId id="367" r:id="rId17"/>
-    <p:sldId id="372" r:id="rId18"/>
-    <p:sldId id="373" r:id="rId19"/>
-    <p:sldId id="375" r:id="rId20"/>
-    <p:sldId id="376" r:id="rId21"/>
-    <p:sldId id="374" r:id="rId22"/>
-    <p:sldId id="379" r:id="rId23"/>
-    <p:sldId id="377" r:id="rId24"/>
+    <p:sldId id="361" r:id="rId9"/>
+    <p:sldId id="291" r:id="rId10"/>
+    <p:sldId id="360" r:id="rId11"/>
+    <p:sldId id="294" r:id="rId12"/>
+    <p:sldId id="367" r:id="rId13"/>
+    <p:sldId id="372" r:id="rId14"/>
+    <p:sldId id="373" r:id="rId15"/>
+    <p:sldId id="375" r:id="rId16"/>
+    <p:sldId id="376" r:id="rId17"/>
+    <p:sldId id="374" r:id="rId18"/>
+    <p:sldId id="379" r:id="rId19"/>
+    <p:sldId id="377" r:id="rId20"/>
+    <p:sldId id="366" r:id="rId21"/>
+    <p:sldId id="371" r:id="rId22"/>
+    <p:sldId id="369" r:id="rId23"/>
+    <p:sldId id="368" r:id="rId24"/>
     <p:sldId id="378" r:id="rId25"/>
     <p:sldId id="295" r:id="rId26"/>
     <p:sldId id="330" r:id="rId27"/>
@@ -660,7 +660,7 @@
           <a:p>
             <a:fld id="{A180D43F-ACE1-D140-AD95-9AB5F0193656}" type="slidenum">
               <a:rPr lang="en-US" smtClean="0"/>
-              <a:t>19</a:t>
+              <a:t>15</a:t>
             </a:fld>
             <a:endParaRPr lang="en-US"/>
           </a:p>
@@ -744,7 +744,7 @@
           <a:p>
             <a:fld id="{A180D43F-ACE1-D140-AD95-9AB5F0193656}" type="slidenum">
               <a:rPr lang="en-US" smtClean="0"/>
-              <a:t>22</a:t>
+              <a:t>18</a:t>
             </a:fld>
             <a:endParaRPr lang="en-US"/>
           </a:p>
@@ -828,7 +828,7 @@
           <a:p>
             <a:fld id="{A180D43F-ACE1-D140-AD95-9AB5F0193656}" type="slidenum">
               <a:rPr lang="en-US" smtClean="0"/>
-              <a:t>23</a:t>
+              <a:t>19</a:t>
             </a:fld>
             <a:endParaRPr lang="en-US"/>
           </a:p>
@@ -891,10 +891,7 @@
           <a:bodyPr/>
           <a:lstStyle/>
           <a:p>
-            <a:r>
-              <a:rPr lang="en-US" dirty="0"/>
-              <a:t>When things get scary, let's just close our eyes. We can ignore the details.</a:t>
-            </a:r>
+            <a:endParaRPr lang="en-US" dirty="0"/>
           </a:p>
         </p:txBody>
       </p:sp>
@@ -915,7 +912,7 @@
           <a:p>
             <a:fld id="{A180D43F-ACE1-D140-AD95-9AB5F0193656}" type="slidenum">
               <a:rPr lang="en-US" smtClean="0"/>
-              <a:t>26</a:t>
+              <a:t>20</a:t>
             </a:fld>
             <a:endParaRPr lang="en-US"/>
           </a:p>
@@ -924,7 +921,7 @@
     </p:spTree>
     <p:extLst>
       <p:ext uri="{BB962C8B-B14F-4D97-AF65-F5344CB8AC3E}">
-        <p14:creationId xmlns:p14="http://schemas.microsoft.com/office/powerpoint/2010/main" val="324349576"/>
+        <p14:creationId xmlns:p14="http://schemas.microsoft.com/office/powerpoint/2010/main" val="3815155402"/>
       </p:ext>
     </p:extLst>
   </p:cSld>
@@ -978,14 +975,6 @@
           <a:bodyPr/>
           <a:lstStyle/>
           <a:p>
-            <a:r>
-              <a:rPr lang="en-US" dirty="0"/>
-              <a:t>Find and apply the leftmost beta-</a:t>
-            </a:r>
-            <a:r>
-              <a:rPr lang="en-US" dirty="0" err="1"/>
-              <a:t>redex</a:t>
-            </a:r>
             <a:endParaRPr lang="en-US" dirty="0"/>
           </a:p>
         </p:txBody>
@@ -1007,7 +996,7 @@
           <a:p>
             <a:fld id="{A180D43F-ACE1-D140-AD95-9AB5F0193656}" type="slidenum">
               <a:rPr lang="en-US" smtClean="0"/>
-              <a:t>27</a:t>
+              <a:t>22</a:t>
             </a:fld>
             <a:endParaRPr lang="en-US"/>
           </a:p>
@@ -1016,7 +1005,7 @@
     </p:spTree>
     <p:extLst>
       <p:ext uri="{BB962C8B-B14F-4D97-AF65-F5344CB8AC3E}">
-        <p14:creationId xmlns:p14="http://schemas.microsoft.com/office/powerpoint/2010/main" val="2487119654"/>
+        <p14:creationId xmlns:p14="http://schemas.microsoft.com/office/powerpoint/2010/main" val="228543287"/>
       </p:ext>
     </p:extLst>
   </p:cSld>
@@ -1094,7 +1083,7 @@
           <a:p>
             <a:fld id="{A180D43F-ACE1-D140-AD95-9AB5F0193656}" type="slidenum">
               <a:rPr lang="en-US" smtClean="0"/>
-              <a:t>29</a:t>
+              <a:t>26</a:t>
             </a:fld>
             <a:endParaRPr lang="en-US"/>
           </a:p>
@@ -1103,7 +1092,7 @@
     </p:spTree>
     <p:extLst>
       <p:ext uri="{BB962C8B-B14F-4D97-AF65-F5344CB8AC3E}">
-        <p14:creationId xmlns:p14="http://schemas.microsoft.com/office/powerpoint/2010/main" val="1248448253"/>
+        <p14:creationId xmlns:p14="http://schemas.microsoft.com/office/powerpoint/2010/main" val="324349576"/>
       </p:ext>
     </p:extLst>
   </p:cSld>
@@ -1157,197 +1146,15 @@
           <a:bodyPr/>
           <a:lstStyle/>
           <a:p>
-            <a:pPr marL="0" marR="0" lvl="0" indent="0" algn="l" defTabSz="685800" rtl="0" eaLnBrk="1" fontAlgn="auto" latinLnBrk="0" hangingPunct="1">
-              <a:lnSpc>
-                <a:spcPct val="100000"/>
-              </a:lnSpc>
-              <a:spcBef>
-                <a:spcPts val="0"/>
-              </a:spcBef>
-              <a:spcAft>
-                <a:spcPts val="0"/>
-              </a:spcAft>
-              <a:buClrTx/>
-              <a:buSzTx/>
-              <a:buFontTx/>
-              <a:buNone/>
-              <a:tabLst/>
-              <a:defRPr/>
-            </a:pPr>
-            <a:r>
-              <a:rPr lang="en-US" sz="900" i="1" dirty="0">
-                <a:solidFill>
-                  <a:srgbClr val="333333"/>
-                </a:solidFill>
-              </a:rPr>
-              <a:t>S</a:t>
-            </a:r>
-            <a:r>
-              <a:rPr lang="en-US" sz="900" dirty="0">
-                <a:solidFill>
-                  <a:srgbClr val="333333"/>
-                </a:solidFill>
-              </a:rPr>
-              <a:t>ubstitution affects multiple indices, so view as a function from indices to expressions </a:t>
-            </a:r>
-          </a:p>
-          <a:p>
-            <a:pPr marL="0" marR="0" lvl="0" indent="0" algn="l" defTabSz="685800" rtl="0" eaLnBrk="1" fontAlgn="auto" latinLnBrk="0" hangingPunct="1">
-              <a:lnSpc>
-                <a:spcPct val="100000"/>
-              </a:lnSpc>
-              <a:spcBef>
-                <a:spcPts val="0"/>
-              </a:spcBef>
-              <a:spcAft>
-                <a:spcPts val="0"/>
-              </a:spcAft>
-              <a:buClrTx/>
-              <a:buSzTx/>
-              <a:buFontTx/>
-              <a:buNone/>
-              <a:tabLst/>
-              <a:defRPr/>
-            </a:pPr>
-            <a:endParaRPr lang="en-US" sz="900" dirty="0">
-              <a:solidFill>
-                <a:srgbClr val="333333"/>
-              </a:solidFill>
-            </a:endParaRPr>
-          </a:p>
-          <a:p>
-            <a:pPr marL="0" marR="0" lvl="0" indent="0" algn="l" defTabSz="685800" rtl="0" eaLnBrk="1" fontAlgn="auto" latinLnBrk="0" hangingPunct="1">
-              <a:lnSpc>
-                <a:spcPct val="100000"/>
-              </a:lnSpc>
-              <a:spcBef>
-                <a:spcPts val="0"/>
-              </a:spcBef>
-              <a:spcAft>
-                <a:spcPts val="0"/>
-              </a:spcAft>
-              <a:buClrTx/>
-              <a:buSzTx/>
-              <a:buFontTx/>
-              <a:buNone/>
-              <a:tabLst/>
-              <a:defRPr/>
-            </a:pPr>
-            <a:r>
-              <a:rPr lang="en-US" sz="900" dirty="0">
-                <a:solidFill>
-                  <a:srgbClr val="333333"/>
-                </a:solidFill>
-              </a:rPr>
-              <a:t>What do you want -</a:t>
-            </a:r>
-            <a:r>
-              <a:rPr lang="en-US" sz="900" dirty="0">
-                <a:solidFill>
-                  <a:srgbClr val="333333"/>
-                </a:solidFill>
-                <a:sym typeface="Wingdings" pitchFamily="2" charset="2"/>
-              </a:rPr>
-              <a:t> what to do for variables, and what to do at binders.</a:t>
-            </a:r>
-          </a:p>
-          <a:p>
-            <a:pPr marL="0" marR="0" lvl="0" indent="0" algn="l" defTabSz="685800" rtl="0" eaLnBrk="1" fontAlgn="auto" latinLnBrk="0" hangingPunct="1">
-              <a:lnSpc>
-                <a:spcPct val="100000"/>
-              </a:lnSpc>
-              <a:spcBef>
-                <a:spcPts val="0"/>
-              </a:spcBef>
-              <a:spcAft>
-                <a:spcPts val="0"/>
-              </a:spcAft>
-              <a:buClrTx/>
-              <a:buSzTx/>
-              <a:buFontTx/>
-              <a:buNone/>
-              <a:tabLst/>
-              <a:defRPr/>
-            </a:pPr>
-            <a:endParaRPr lang="en-US" sz="900" dirty="0">
-              <a:solidFill>
-                <a:srgbClr val="333333"/>
-              </a:solidFill>
-              <a:sym typeface="Wingdings" pitchFamily="2" charset="2"/>
-            </a:endParaRPr>
-          </a:p>
-          <a:p>
-            <a:pPr marL="0" marR="0" lvl="0" indent="0" algn="l" defTabSz="685800" rtl="0" eaLnBrk="1" fontAlgn="auto" latinLnBrk="0" hangingPunct="1">
-              <a:lnSpc>
-                <a:spcPct val="100000"/>
-              </a:lnSpc>
-              <a:spcBef>
-                <a:spcPts val="0"/>
-              </a:spcBef>
-              <a:spcAft>
-                <a:spcPts val="0"/>
-              </a:spcAft>
-              <a:buClrTx/>
-              <a:buSzTx/>
-              <a:buFontTx/>
-              <a:buNone/>
-              <a:tabLst/>
-              <a:defRPr/>
-            </a:pPr>
-            <a:endParaRPr lang="en-US" sz="900" dirty="0">
-              <a:solidFill>
-                <a:srgbClr val="333333"/>
-              </a:solidFill>
-              <a:sym typeface="Wingdings" pitchFamily="2" charset="2"/>
-            </a:endParaRPr>
-          </a:p>
-          <a:p>
-            <a:pPr marL="0" marR="0" lvl="0" indent="0" algn="l" defTabSz="685800" rtl="0" eaLnBrk="1" fontAlgn="auto" latinLnBrk="0" hangingPunct="1">
-              <a:lnSpc>
-                <a:spcPct val="100000"/>
-              </a:lnSpc>
-              <a:spcBef>
-                <a:spcPts val="0"/>
-              </a:spcBef>
-              <a:spcAft>
-                <a:spcPts val="0"/>
-              </a:spcAft>
-              <a:buClrTx/>
-              <a:buSzTx/>
-              <a:buFontTx/>
-              <a:buNone/>
-              <a:tabLst/>
-              <a:defRPr/>
-            </a:pPr>
-            <a:r>
-              <a:rPr lang="en-US" sz="900" dirty="0" err="1">
-                <a:solidFill>
-                  <a:srgbClr val="333333"/>
-                </a:solidFill>
-                <a:sym typeface="Wingdings" pitchFamily="2" charset="2"/>
-              </a:rPr>
-              <a:t>applySub</a:t>
-            </a:r>
-            <a:r>
-              <a:rPr lang="en-US" sz="900" dirty="0">
-                <a:solidFill>
-                  <a:srgbClr val="333333"/>
-                </a:solidFill>
-                <a:sym typeface="Wingdings" pitchFamily="2" charset="2"/>
-              </a:rPr>
-              <a:t> needs to replace "0", but also decrement free variables</a:t>
-            </a:r>
-            <a:endParaRPr lang="en-US" sz="900" dirty="0">
-              <a:solidFill>
-                <a:srgbClr val="333333"/>
-              </a:solidFill>
-            </a:endParaRPr>
-          </a:p>
-          <a:p>
             <a:r>
               <a:rPr lang="en-US" dirty="0"/>
-              <a:t>lift needs to shift the free variables in the range of the substitution</a:t>
-            </a:r>
+              <a:t>Find and apply the leftmost beta-</a:t>
+            </a:r>
+            <a:r>
+              <a:rPr lang="en-US" dirty="0" err="1"/>
+              <a:t>redex</a:t>
+            </a:r>
+            <a:endParaRPr lang="en-US" dirty="0"/>
           </a:p>
         </p:txBody>
       </p:sp>
@@ -1368,7 +1175,7 @@
           <a:p>
             <a:fld id="{A180D43F-ACE1-D140-AD95-9AB5F0193656}" type="slidenum">
               <a:rPr lang="en-US" smtClean="0"/>
-              <a:t>30</a:t>
+              <a:t>27</a:t>
             </a:fld>
             <a:endParaRPr lang="en-US"/>
           </a:p>
@@ -1377,7 +1184,7 @@
     </p:spTree>
     <p:extLst>
       <p:ext uri="{BB962C8B-B14F-4D97-AF65-F5344CB8AC3E}">
-        <p14:creationId xmlns:p14="http://schemas.microsoft.com/office/powerpoint/2010/main" val="1420529238"/>
+        <p14:creationId xmlns:p14="http://schemas.microsoft.com/office/powerpoint/2010/main" val="2487119654"/>
       </p:ext>
     </p:extLst>
   </p:cSld>
@@ -1431,7 +1238,10 @@
           <a:bodyPr/>
           <a:lstStyle/>
           <a:p>
-            <a:endParaRPr lang="en-US" dirty="0"/>
+            <a:r>
+              <a:rPr lang="en-US" dirty="0"/>
+              <a:t>When things get scary, let's just close our eyes. We can ignore the details.</a:t>
+            </a:r>
           </a:p>
         </p:txBody>
       </p:sp>
@@ -1452,7 +1262,7 @@
           <a:p>
             <a:fld id="{A180D43F-ACE1-D140-AD95-9AB5F0193656}" type="slidenum">
               <a:rPr lang="en-US" smtClean="0"/>
-              <a:t>31</a:t>
+              <a:t>29</a:t>
             </a:fld>
             <a:endParaRPr lang="en-US"/>
           </a:p>
@@ -1461,7 +1271,7 @@
     </p:spTree>
     <p:extLst>
       <p:ext uri="{BB962C8B-B14F-4D97-AF65-F5344CB8AC3E}">
-        <p14:creationId xmlns:p14="http://schemas.microsoft.com/office/powerpoint/2010/main" val="2664821952"/>
+        <p14:creationId xmlns:p14="http://schemas.microsoft.com/office/powerpoint/2010/main" val="1248448253"/>
       </p:ext>
     </p:extLst>
   </p:cSld>
@@ -1515,9 +1325,196 @@
           <a:bodyPr/>
           <a:lstStyle/>
           <a:p>
+            <a:pPr marL="0" marR="0" lvl="0" indent="0" algn="l" defTabSz="685800" rtl="0" eaLnBrk="1" fontAlgn="auto" latinLnBrk="0" hangingPunct="1">
+              <a:lnSpc>
+                <a:spcPct val="100000"/>
+              </a:lnSpc>
+              <a:spcBef>
+                <a:spcPts val="0"/>
+              </a:spcBef>
+              <a:spcAft>
+                <a:spcPts val="0"/>
+              </a:spcAft>
+              <a:buClrTx/>
+              <a:buSzTx/>
+              <a:buFontTx/>
+              <a:buNone/>
+              <a:tabLst/>
+              <a:defRPr/>
+            </a:pPr>
+            <a:r>
+              <a:rPr lang="en-US" sz="900" i="1" dirty="0">
+                <a:solidFill>
+                  <a:srgbClr val="333333"/>
+                </a:solidFill>
+              </a:rPr>
+              <a:t>S</a:t>
+            </a:r>
+            <a:r>
+              <a:rPr lang="en-US" sz="900" dirty="0">
+                <a:solidFill>
+                  <a:srgbClr val="333333"/>
+                </a:solidFill>
+              </a:rPr>
+              <a:t>ubstitution affects multiple indices, so view as a function from indices to expressions </a:t>
+            </a:r>
+          </a:p>
+          <a:p>
+            <a:pPr marL="0" marR="0" lvl="0" indent="0" algn="l" defTabSz="685800" rtl="0" eaLnBrk="1" fontAlgn="auto" latinLnBrk="0" hangingPunct="1">
+              <a:lnSpc>
+                <a:spcPct val="100000"/>
+              </a:lnSpc>
+              <a:spcBef>
+                <a:spcPts val="0"/>
+              </a:spcBef>
+              <a:spcAft>
+                <a:spcPts val="0"/>
+              </a:spcAft>
+              <a:buClrTx/>
+              <a:buSzTx/>
+              <a:buFontTx/>
+              <a:buNone/>
+              <a:tabLst/>
+              <a:defRPr/>
+            </a:pPr>
+            <a:endParaRPr lang="en-US" sz="900" dirty="0">
+              <a:solidFill>
+                <a:srgbClr val="333333"/>
+              </a:solidFill>
+            </a:endParaRPr>
+          </a:p>
+          <a:p>
+            <a:pPr marL="0" marR="0" lvl="0" indent="0" algn="l" defTabSz="685800" rtl="0" eaLnBrk="1" fontAlgn="auto" latinLnBrk="0" hangingPunct="1">
+              <a:lnSpc>
+                <a:spcPct val="100000"/>
+              </a:lnSpc>
+              <a:spcBef>
+                <a:spcPts val="0"/>
+              </a:spcBef>
+              <a:spcAft>
+                <a:spcPts val="0"/>
+              </a:spcAft>
+              <a:buClrTx/>
+              <a:buSzTx/>
+              <a:buFontTx/>
+              <a:buNone/>
+              <a:tabLst/>
+              <a:defRPr/>
+            </a:pPr>
+            <a:r>
+              <a:rPr lang="en-US" sz="900" dirty="0">
+                <a:solidFill>
+                  <a:srgbClr val="333333"/>
+                </a:solidFill>
+              </a:rPr>
+              <a:t>What do you want -</a:t>
+            </a:r>
+            <a:r>
+              <a:rPr lang="en-US" sz="900" dirty="0">
+                <a:solidFill>
+                  <a:srgbClr val="333333"/>
+                </a:solidFill>
+                <a:sym typeface="Wingdings" pitchFamily="2" charset="2"/>
+              </a:rPr>
+              <a:t> what to do for variables, and what to do at binders.</a:t>
+            </a:r>
+          </a:p>
+          <a:p>
+            <a:pPr marL="0" marR="0" lvl="0" indent="0" algn="l" defTabSz="685800" rtl="0" eaLnBrk="1" fontAlgn="auto" latinLnBrk="0" hangingPunct="1">
+              <a:lnSpc>
+                <a:spcPct val="100000"/>
+              </a:lnSpc>
+              <a:spcBef>
+                <a:spcPts val="0"/>
+              </a:spcBef>
+              <a:spcAft>
+                <a:spcPts val="0"/>
+              </a:spcAft>
+              <a:buClrTx/>
+              <a:buSzTx/>
+              <a:buFontTx/>
+              <a:buNone/>
+              <a:tabLst/>
+              <a:defRPr/>
+            </a:pPr>
+            <a:endParaRPr lang="en-US" sz="900" dirty="0">
+              <a:solidFill>
+                <a:srgbClr val="333333"/>
+              </a:solidFill>
+              <a:sym typeface="Wingdings" pitchFamily="2" charset="2"/>
+            </a:endParaRPr>
+          </a:p>
+          <a:p>
+            <a:pPr marL="0" marR="0" lvl="0" indent="0" algn="l" defTabSz="685800" rtl="0" eaLnBrk="1" fontAlgn="auto" latinLnBrk="0" hangingPunct="1">
+              <a:lnSpc>
+                <a:spcPct val="100000"/>
+              </a:lnSpc>
+              <a:spcBef>
+                <a:spcPts val="0"/>
+              </a:spcBef>
+              <a:spcAft>
+                <a:spcPts val="0"/>
+              </a:spcAft>
+              <a:buClrTx/>
+              <a:buSzTx/>
+              <a:buFontTx/>
+              <a:buNone/>
+              <a:tabLst/>
+              <a:defRPr/>
+            </a:pPr>
+            <a:endParaRPr lang="en-US" sz="900" dirty="0">
+              <a:solidFill>
+                <a:srgbClr val="333333"/>
+              </a:solidFill>
+              <a:sym typeface="Wingdings" pitchFamily="2" charset="2"/>
+            </a:endParaRPr>
+          </a:p>
+          <a:p>
+            <a:pPr marL="0" marR="0" lvl="0" indent="0" algn="l" defTabSz="685800" rtl="0" eaLnBrk="1" fontAlgn="auto" latinLnBrk="0" hangingPunct="1">
+              <a:lnSpc>
+                <a:spcPct val="100000"/>
+              </a:lnSpc>
+              <a:spcBef>
+                <a:spcPts val="0"/>
+              </a:spcBef>
+              <a:spcAft>
+                <a:spcPts val="0"/>
+              </a:spcAft>
+              <a:buClrTx/>
+              <a:buSzTx/>
+              <a:buFontTx/>
+              <a:buNone/>
+              <a:tabLst/>
+              <a:defRPr/>
+            </a:pPr>
+            <a:r>
+              <a:rPr lang="en-US" sz="900" dirty="0" err="1">
+                <a:solidFill>
+                  <a:srgbClr val="333333"/>
+                </a:solidFill>
+                <a:sym typeface="Wingdings" pitchFamily="2" charset="2"/>
+              </a:rPr>
+              <a:t>applySub</a:t>
+            </a:r>
+            <a:r>
+              <a:rPr lang="en-US" sz="900" dirty="0">
+                <a:solidFill>
+                  <a:srgbClr val="333333"/>
+                </a:solidFill>
+                <a:sym typeface="Wingdings" pitchFamily="2" charset="2"/>
+              </a:rPr>
+              <a:t> needs to replace "0", but also decrement free variables</a:t>
+            </a:r>
+            <a:endParaRPr lang="en-US" sz="900" dirty="0">
+              <a:solidFill>
+                <a:srgbClr val="333333"/>
+              </a:solidFill>
+            </a:endParaRPr>
+          </a:p>
+          <a:p>
             <a:r>
               <a:rPr lang="en-US" dirty="0"/>
-              <a:t>I've gotten my wish...</a:t>
+              <a:t>lift needs to shift the free variables in the range of the substitution</a:t>
             </a:r>
           </a:p>
         </p:txBody>
@@ -1539,7 +1536,7 @@
           <a:p>
             <a:fld id="{A180D43F-ACE1-D140-AD95-9AB5F0193656}" type="slidenum">
               <a:rPr lang="en-US" smtClean="0"/>
-              <a:t>32</a:t>
+              <a:t>30</a:t>
             </a:fld>
             <a:endParaRPr lang="en-US"/>
           </a:p>
@@ -1548,7 +1545,7 @@
     </p:spTree>
     <p:extLst>
       <p:ext uri="{BB962C8B-B14F-4D97-AF65-F5344CB8AC3E}">
-        <p14:creationId xmlns:p14="http://schemas.microsoft.com/office/powerpoint/2010/main" val="1371099720"/>
+        <p14:creationId xmlns:p14="http://schemas.microsoft.com/office/powerpoint/2010/main" val="1420529238"/>
       </p:ext>
     </p:extLst>
   </p:cSld>
@@ -1602,14 +1599,6 @@
           <a:bodyPr/>
           <a:lstStyle/>
           <a:p>
-            <a:r>
-              <a:rPr lang="en-US" dirty="0"/>
-              <a:t>Find and apply the leftmost beta-</a:t>
-            </a:r>
-            <a:r>
-              <a:rPr lang="en-US" dirty="0" err="1"/>
-              <a:t>redex</a:t>
-            </a:r>
             <a:endParaRPr lang="en-US" dirty="0"/>
           </a:p>
         </p:txBody>
@@ -1631,7 +1620,7 @@
           <a:p>
             <a:fld id="{A180D43F-ACE1-D140-AD95-9AB5F0193656}" type="slidenum">
               <a:rPr lang="en-US" smtClean="0"/>
-              <a:t>34</a:t>
+              <a:t>31</a:t>
             </a:fld>
             <a:endParaRPr lang="en-US"/>
           </a:p>
@@ -1640,7 +1629,7 @@
     </p:spTree>
     <p:extLst>
       <p:ext uri="{BB962C8B-B14F-4D97-AF65-F5344CB8AC3E}">
-        <p14:creationId xmlns:p14="http://schemas.microsoft.com/office/powerpoint/2010/main" val="2564530169"/>
+        <p14:creationId xmlns:p14="http://schemas.microsoft.com/office/powerpoint/2010/main" val="2664821952"/>
       </p:ext>
     </p:extLst>
   </p:cSld>
@@ -1778,7 +1767,10 @@
           <a:bodyPr/>
           <a:lstStyle/>
           <a:p>
-            <a:endParaRPr lang="en-US" dirty="0"/>
+            <a:r>
+              <a:rPr lang="en-US" dirty="0"/>
+              <a:t>I've gotten my wish...</a:t>
+            </a:r>
           </a:p>
         </p:txBody>
       </p:sp>
@@ -1799,6 +1791,182 @@
           <a:p>
             <a:fld id="{A180D43F-ACE1-D140-AD95-9AB5F0193656}" type="slidenum">
               <a:rPr lang="en-US" smtClean="0"/>
+              <a:t>32</a:t>
+            </a:fld>
+            <a:endParaRPr lang="en-US"/>
+          </a:p>
+        </p:txBody>
+      </p:sp>
+    </p:spTree>
+    <p:extLst>
+      <p:ext uri="{BB962C8B-B14F-4D97-AF65-F5344CB8AC3E}">
+        <p14:creationId xmlns:p14="http://schemas.microsoft.com/office/powerpoint/2010/main" val="1371099720"/>
+      </p:ext>
+    </p:extLst>
+  </p:cSld>
+  <p:clrMapOvr>
+    <a:masterClrMapping/>
+  </p:clrMapOvr>
+</p:notes>
+</file>
+
+<file path=ppt/notesSlides/notesSlide21.xml><?xml version="1.0" encoding="utf-8"?>
+<p:notes xmlns:a="http://schemas.openxmlformats.org/drawingml/2006/main" xmlns:r="http://schemas.openxmlformats.org/officeDocument/2006/relationships" xmlns:p="http://schemas.openxmlformats.org/presentationml/2006/main">
+  <p:cSld>
+    <p:spTree>
+      <p:nvGrpSpPr>
+        <p:cNvPr id="1" name=""/>
+        <p:cNvGrpSpPr/>
+        <p:nvPr/>
+      </p:nvGrpSpPr>
+      <p:grpSpPr>
+        <a:xfrm>
+          <a:off x="0" y="0"/>
+          <a:ext cx="0" cy="0"/>
+          <a:chOff x="0" y="0"/>
+          <a:chExt cx="0" cy="0"/>
+        </a:xfrm>
+      </p:grpSpPr>
+      <p:sp>
+        <p:nvSpPr>
+          <p:cNvPr id="2" name="Slide Image Placeholder 1"/>
+          <p:cNvSpPr>
+            <a:spLocks noGrp="1" noRot="1" noChangeAspect="1"/>
+          </p:cNvSpPr>
+          <p:nvPr>
+            <p:ph type="sldImg"/>
+          </p:nvPr>
+        </p:nvSpPr>
+        <p:spPr/>
+      </p:sp>
+      <p:sp>
+        <p:nvSpPr>
+          <p:cNvPr id="3" name="Notes Placeholder 2"/>
+          <p:cNvSpPr>
+            <a:spLocks noGrp="1"/>
+          </p:cNvSpPr>
+          <p:nvPr>
+            <p:ph type="body" idx="1"/>
+          </p:nvPr>
+        </p:nvSpPr>
+        <p:spPr/>
+        <p:txBody>
+          <a:bodyPr/>
+          <a:lstStyle/>
+          <a:p>
+            <a:r>
+              <a:rPr lang="en-US" dirty="0"/>
+              <a:t>Find and apply the leftmost beta-</a:t>
+            </a:r>
+            <a:r>
+              <a:rPr lang="en-US" dirty="0" err="1"/>
+              <a:t>redex</a:t>
+            </a:r>
+            <a:endParaRPr lang="en-US" dirty="0"/>
+          </a:p>
+        </p:txBody>
+      </p:sp>
+      <p:sp>
+        <p:nvSpPr>
+          <p:cNvPr id="4" name="Slide Number Placeholder 3"/>
+          <p:cNvSpPr>
+            <a:spLocks noGrp="1"/>
+          </p:cNvSpPr>
+          <p:nvPr>
+            <p:ph type="sldNum" sz="quarter" idx="5"/>
+          </p:nvPr>
+        </p:nvSpPr>
+        <p:spPr/>
+        <p:txBody>
+          <a:bodyPr/>
+          <a:lstStyle/>
+          <a:p>
+            <a:fld id="{A180D43F-ACE1-D140-AD95-9AB5F0193656}" type="slidenum">
+              <a:rPr lang="en-US" smtClean="0"/>
+              <a:t>34</a:t>
+            </a:fld>
+            <a:endParaRPr lang="en-US"/>
+          </a:p>
+        </p:txBody>
+      </p:sp>
+    </p:spTree>
+    <p:extLst>
+      <p:ext uri="{BB962C8B-B14F-4D97-AF65-F5344CB8AC3E}">
+        <p14:creationId xmlns:p14="http://schemas.microsoft.com/office/powerpoint/2010/main" val="2564530169"/>
+      </p:ext>
+    </p:extLst>
+  </p:cSld>
+  <p:clrMapOvr>
+    <a:masterClrMapping/>
+  </p:clrMapOvr>
+</p:notes>
+</file>
+
+<file path=ppt/notesSlides/notesSlide22.xml><?xml version="1.0" encoding="utf-8"?>
+<p:notes xmlns:a="http://schemas.openxmlformats.org/drawingml/2006/main" xmlns:r="http://schemas.openxmlformats.org/officeDocument/2006/relationships" xmlns:p="http://schemas.openxmlformats.org/presentationml/2006/main">
+  <p:cSld>
+    <p:spTree>
+      <p:nvGrpSpPr>
+        <p:cNvPr id="1" name=""/>
+        <p:cNvGrpSpPr/>
+        <p:nvPr/>
+      </p:nvGrpSpPr>
+      <p:grpSpPr>
+        <a:xfrm>
+          <a:off x="0" y="0"/>
+          <a:ext cx="0" cy="0"/>
+          <a:chOff x="0" y="0"/>
+          <a:chExt cx="0" cy="0"/>
+        </a:xfrm>
+      </p:grpSpPr>
+      <p:sp>
+        <p:nvSpPr>
+          <p:cNvPr id="2" name="Slide Image Placeholder 1"/>
+          <p:cNvSpPr>
+            <a:spLocks noGrp="1" noRot="1" noChangeAspect="1"/>
+          </p:cNvSpPr>
+          <p:nvPr>
+            <p:ph type="sldImg"/>
+          </p:nvPr>
+        </p:nvSpPr>
+        <p:spPr/>
+      </p:sp>
+      <p:sp>
+        <p:nvSpPr>
+          <p:cNvPr id="3" name="Notes Placeholder 2"/>
+          <p:cNvSpPr>
+            <a:spLocks noGrp="1"/>
+          </p:cNvSpPr>
+          <p:nvPr>
+            <p:ph type="body" idx="1"/>
+          </p:nvPr>
+        </p:nvSpPr>
+        <p:spPr/>
+        <p:txBody>
+          <a:bodyPr/>
+          <a:lstStyle/>
+          <a:p>
+            <a:endParaRPr lang="en-US" dirty="0"/>
+          </a:p>
+        </p:txBody>
+      </p:sp>
+      <p:sp>
+        <p:nvSpPr>
+          <p:cNvPr id="4" name="Slide Number Placeholder 3"/>
+          <p:cNvSpPr>
+            <a:spLocks noGrp="1"/>
+          </p:cNvSpPr>
+          <p:nvPr>
+            <p:ph type="sldNum" sz="quarter" idx="5"/>
+          </p:nvPr>
+        </p:nvSpPr>
+        <p:spPr/>
+        <p:txBody>
+          <a:bodyPr/>
+          <a:lstStyle/>
+          <a:p>
+            <a:fld id="{A180D43F-ACE1-D140-AD95-9AB5F0193656}" type="slidenum">
+              <a:rPr lang="en-US" smtClean="0"/>
               <a:t>35</a:t>
             </a:fld>
             <a:endParaRPr lang="en-US"/>
@@ -1818,7 +1986,7 @@
 </p:notes>
 </file>
 
-<file path=ppt/notesSlides/notesSlide21.xml><?xml version="1.0" encoding="utf-8"?>
+<file path=ppt/notesSlides/notesSlide23.xml><?xml version="1.0" encoding="utf-8"?>
 <p:notes xmlns:a="http://schemas.openxmlformats.org/drawingml/2006/main" xmlns:r="http://schemas.openxmlformats.org/officeDocument/2006/relationships" xmlns:p="http://schemas.openxmlformats.org/presentationml/2006/main">
   <p:cSld>
     <p:spTree>
@@ -1967,7 +2135,7 @@
           <a:p>
             <a:fld id="{A180D43F-ACE1-D140-AD95-9AB5F0193656}" type="slidenum">
               <a:rPr lang="en-US" smtClean="0"/>
-              <a:t>4</a:t>
+              <a:t>5</a:t>
             </a:fld>
             <a:endParaRPr lang="en-US"/>
           </a:p>
@@ -2051,7 +2219,7 @@
           <a:p>
             <a:fld id="{A180D43F-ACE1-D140-AD95-9AB5F0193656}" type="slidenum">
               <a:rPr lang="en-US" smtClean="0"/>
-              <a:t>11</a:t>
+              <a:t>6</a:t>
             </a:fld>
             <a:endParaRPr lang="en-US"/>
           </a:p>
@@ -2060,7 +2228,7 @@
     </p:spTree>
     <p:extLst>
       <p:ext uri="{BB962C8B-B14F-4D97-AF65-F5344CB8AC3E}">
-        <p14:creationId xmlns:p14="http://schemas.microsoft.com/office/powerpoint/2010/main" val="228543287"/>
+        <p14:creationId xmlns:p14="http://schemas.microsoft.com/office/powerpoint/2010/main" val="1637183021"/>
       </p:ext>
     </p:extLst>
   </p:cSld>
@@ -2135,7 +2303,7 @@
           <a:p>
             <a:fld id="{A180D43F-ACE1-D140-AD95-9AB5F0193656}" type="slidenum">
               <a:rPr lang="en-US" smtClean="0"/>
-              <a:t>13</a:t>
+              <a:t>9</a:t>
             </a:fld>
             <a:endParaRPr lang="en-US"/>
           </a:p>
@@ -2227,7 +2395,7 @@
           <a:p>
             <a:fld id="{A180D43F-ACE1-D140-AD95-9AB5F0193656}" type="slidenum">
               <a:rPr lang="en-US" smtClean="0"/>
-              <a:t>14</a:t>
+              <a:t>10</a:t>
             </a:fld>
             <a:endParaRPr lang="en-US"/>
           </a:p>
@@ -2319,7 +2487,7 @@
           <a:p>
             <a:fld id="{A180D43F-ACE1-D140-AD95-9AB5F0193656}" type="slidenum">
               <a:rPr lang="en-US" smtClean="0"/>
-              <a:t>15</a:t>
+              <a:t>11</a:t>
             </a:fld>
             <a:endParaRPr lang="en-US"/>
           </a:p>
@@ -2411,7 +2579,7 @@
           <a:p>
             <a:fld id="{A180D43F-ACE1-D140-AD95-9AB5F0193656}" type="slidenum">
               <a:rPr lang="en-US" smtClean="0"/>
-              <a:t>16</a:t>
+              <a:t>12</a:t>
             </a:fld>
             <a:endParaRPr lang="en-US"/>
           </a:p>
@@ -2495,7 +2663,7 @@
           <a:p>
             <a:fld id="{A180D43F-ACE1-D140-AD95-9AB5F0193656}" type="slidenum">
               <a:rPr lang="en-US" smtClean="0"/>
-              <a:t>17</a:t>
+              <a:t>13</a:t>
             </a:fld>
             <a:endParaRPr lang="en-US"/>
           </a:p>
@@ -5648,1823 +5816,6 @@
 </file>
 
 <file path=ppt/slides/slide10.xml><?xml version="1.0" encoding="utf-8"?>
-<p:sld xmlns:a="http://schemas.openxmlformats.org/drawingml/2006/main" xmlns:r="http://schemas.openxmlformats.org/officeDocument/2006/relationships" xmlns:p="http://schemas.openxmlformats.org/presentationml/2006/main">
-  <p:cSld>
-    <p:spTree>
-      <p:nvGrpSpPr>
-        <p:cNvPr id="1" name=""/>
-        <p:cNvGrpSpPr/>
-        <p:nvPr/>
-      </p:nvGrpSpPr>
-      <p:grpSpPr>
-        <a:xfrm>
-          <a:off x="0" y="0"/>
-          <a:ext cx="0" cy="0"/>
-          <a:chOff x="0" y="0"/>
-          <a:chExt cx="0" cy="0"/>
-        </a:xfrm>
-      </p:grpSpPr>
-      <p:sp>
-        <p:nvSpPr>
-          <p:cNvPr id="2" name="Title 1">
-            <a:extLst>
-              <a:ext uri="{FF2B5EF4-FFF2-40B4-BE49-F238E27FC236}">
-                <a16:creationId xmlns:a16="http://schemas.microsoft.com/office/drawing/2014/main" id="{31CE90A3-F3ED-8A4B-BE9B-89C47878CF3C}"/>
-              </a:ext>
-            </a:extLst>
-          </p:cNvPr>
-          <p:cNvSpPr>
-            <a:spLocks noGrp="1"/>
-          </p:cNvSpPr>
-          <p:nvPr>
-            <p:ph type="title"/>
-          </p:nvPr>
-        </p:nvSpPr>
-        <p:spPr/>
-        <p:txBody>
-          <a:bodyPr/>
-          <a:lstStyle/>
-          <a:p>
-            <a:r>
-              <a:rPr lang="en-US" dirty="0"/>
-              <a:t>Normal-order evaluation</a:t>
-            </a:r>
-          </a:p>
-        </p:txBody>
-      </p:sp>
-      <p:sp>
-        <p:nvSpPr>
-          <p:cNvPr id="3" name="Content Placeholder 2">
-            <a:extLst>
-              <a:ext uri="{FF2B5EF4-FFF2-40B4-BE49-F238E27FC236}">
-                <a16:creationId xmlns:a16="http://schemas.microsoft.com/office/drawing/2014/main" id="{BAA6846D-76C8-AC41-ABB4-89529BF5892C}"/>
-              </a:ext>
-            </a:extLst>
-          </p:cNvPr>
-          <p:cNvSpPr>
-            <a:spLocks noGrp="1"/>
-          </p:cNvSpPr>
-          <p:nvPr>
-            <p:ph idx="1"/>
-          </p:nvPr>
-        </p:nvSpPr>
-        <p:spPr/>
-        <p:txBody>
-          <a:bodyPr/>
-          <a:lstStyle/>
-          <a:p>
-            <a:r>
-              <a:rPr lang="en-US" dirty="0"/>
-              <a:t>Always reduce the leftmost outermost </a:t>
-            </a:r>
-            <a:r>
-              <a:rPr lang="en-US" dirty="0" err="1"/>
-              <a:t>redex</a:t>
-            </a:r>
-            <a:r>
-              <a:rPr lang="en-US" dirty="0"/>
-              <a:t> at each step.</a:t>
-            </a:r>
-          </a:p>
-          <a:p>
-            <a:r>
-              <a:rPr lang="en-US" dirty="0"/>
-              <a:t>Whenever possible the arguments are substituted into the body of an abstraction </a:t>
-            </a:r>
-            <a:r>
-              <a:rPr lang="en-US" i="1" dirty="0"/>
-              <a:t>before</a:t>
-            </a:r>
-            <a:r>
-              <a:rPr lang="en-US" dirty="0"/>
-              <a:t> the arguments are reduced.</a:t>
-            </a:r>
-          </a:p>
-          <a:p>
-            <a:r>
-              <a:rPr lang="en-US" dirty="0"/>
-              <a:t>If an expression has a normal form, then normal order evaluation will always find it.</a:t>
-            </a:r>
-          </a:p>
-          <a:p>
-            <a:endParaRPr lang="en-US" dirty="0"/>
-          </a:p>
-          <a:p>
-            <a:r>
-              <a:rPr lang="en-US" dirty="0"/>
-              <a:t>Some expressions terminate under normal-order reduction, but not under applicative-order. For example, this expression: (</a:t>
-            </a:r>
-            <a:r>
-              <a:rPr lang="el-GR" dirty="0"/>
-              <a:t>λ</a:t>
-            </a:r>
-            <a:r>
-              <a:rPr lang="en-US" dirty="0"/>
-              <a:t>x. y) ((</a:t>
-            </a:r>
-            <a:r>
-              <a:rPr lang="el-GR" dirty="0"/>
-              <a:t>λ</a:t>
-            </a:r>
-            <a:r>
-              <a:rPr lang="en-US" dirty="0"/>
-              <a:t>x. x x) (</a:t>
-            </a:r>
-            <a:r>
-              <a:rPr lang="el-GR" dirty="0"/>
-              <a:t>λ</a:t>
-            </a:r>
-            <a:r>
-              <a:rPr lang="en-US" dirty="0"/>
-              <a:t>x. x x)) has two </a:t>
-            </a:r>
-            <a:r>
-              <a:rPr lang="en-US" dirty="0" err="1"/>
-              <a:t>redexes</a:t>
-            </a:r>
-            <a:r>
-              <a:rPr lang="en-US" dirty="0"/>
-              <a:t>. If we choose the right-most one (applicative-order), it will not terminate. But if we choose the left-most one, it will reduce in one step to the expression y.</a:t>
-            </a:r>
-          </a:p>
-        </p:txBody>
-      </p:sp>
-    </p:spTree>
-    <p:extLst>
-      <p:ext uri="{BB962C8B-B14F-4D97-AF65-F5344CB8AC3E}">
-        <p14:creationId xmlns:p14="http://schemas.microsoft.com/office/powerpoint/2010/main" val="715104113"/>
-      </p:ext>
-    </p:extLst>
-  </p:cSld>
-  <p:clrMapOvr>
-    <a:masterClrMapping/>
-  </p:clrMapOvr>
-</p:sld>
-</file>
-
-<file path=ppt/slides/slide11.xml><?xml version="1.0" encoding="utf-8"?>
-<p:sld xmlns:a="http://schemas.openxmlformats.org/drawingml/2006/main" xmlns:r="http://schemas.openxmlformats.org/officeDocument/2006/relationships" xmlns:p="http://schemas.openxmlformats.org/presentationml/2006/main">
-  <p:cSld>
-    <p:spTree>
-      <p:nvGrpSpPr>
-        <p:cNvPr id="1" name=""/>
-        <p:cNvGrpSpPr/>
-        <p:nvPr/>
-      </p:nvGrpSpPr>
-      <p:grpSpPr>
-        <a:xfrm>
-          <a:off x="0" y="0"/>
-          <a:ext cx="0" cy="0"/>
-          <a:chOff x="0" y="0"/>
-          <a:chExt cx="0" cy="0"/>
-        </a:xfrm>
-      </p:grpSpPr>
-      <p:sp>
-        <p:nvSpPr>
-          <p:cNvPr id="2" name="Title 1">
-            <a:extLst>
-              <a:ext uri="{FF2B5EF4-FFF2-40B4-BE49-F238E27FC236}">
-                <a16:creationId xmlns:a16="http://schemas.microsoft.com/office/drawing/2014/main" id="{F8A82A16-C2E0-F44B-B173-6A53DBB62D99}"/>
-              </a:ext>
-            </a:extLst>
-          </p:cNvPr>
-          <p:cNvSpPr>
-            <a:spLocks noGrp="1"/>
-          </p:cNvSpPr>
-          <p:nvPr>
-            <p:ph type="title"/>
-          </p:nvPr>
-        </p:nvSpPr>
-        <p:spPr>
-          <a:xfrm>
-            <a:off x="477925" y="129778"/>
-            <a:ext cx="7886700" cy="994172"/>
-          </a:xfrm>
-        </p:spPr>
-        <p:txBody>
-          <a:bodyPr/>
-          <a:lstStyle/>
-          <a:p>
-            <a:r>
-              <a:rPr lang="en-US" dirty="0"/>
-              <a:t>Normal order evaluation</a:t>
-            </a:r>
-          </a:p>
-        </p:txBody>
-      </p:sp>
-      <p:sp>
-        <p:nvSpPr>
-          <p:cNvPr id="3" name="Content Placeholder 2">
-            <a:extLst>
-              <a:ext uri="{FF2B5EF4-FFF2-40B4-BE49-F238E27FC236}">
-                <a16:creationId xmlns:a16="http://schemas.microsoft.com/office/drawing/2014/main" id="{CA4DC282-9CD0-9D44-9D0B-D233CDEF34F5}"/>
-              </a:ext>
-            </a:extLst>
-          </p:cNvPr>
-          <p:cNvSpPr>
-            <a:spLocks noGrp="1"/>
-          </p:cNvSpPr>
-          <p:nvPr>
-            <p:ph sz="half" idx="1"/>
-          </p:nvPr>
-        </p:nvSpPr>
-        <p:spPr>
-          <a:xfrm>
-            <a:off x="628650" y="1123950"/>
-            <a:ext cx="6123132" cy="3263504"/>
-          </a:xfrm>
-        </p:spPr>
-        <p:txBody>
-          <a:bodyPr/>
-          <a:lstStyle/>
-          <a:p>
-            <a:pPr marL="0" indent="0">
-              <a:buNone/>
-            </a:pPr>
-            <a:r>
-              <a:rPr lang="en-US" sz="1800" b="1" dirty="0" err="1">
-                <a:latin typeface="Menlo" panose="020B0609030804020204" pitchFamily="49" charset="0"/>
-                <a:ea typeface="Menlo" panose="020B0609030804020204" pitchFamily="49" charset="0"/>
-                <a:cs typeface="Menlo" panose="020B0609030804020204" pitchFamily="49" charset="0"/>
-              </a:rPr>
-              <a:t>nf</a:t>
-            </a:r>
-            <a:r>
-              <a:rPr lang="en-US" sz="1800" dirty="0">
-                <a:latin typeface="Menlo" panose="020B0609030804020204" pitchFamily="49" charset="0"/>
-                <a:ea typeface="Menlo" panose="020B0609030804020204" pitchFamily="49" charset="0"/>
-                <a:cs typeface="Menlo" panose="020B0609030804020204" pitchFamily="49" charset="0"/>
-              </a:rPr>
-              <a:t> :: Exp -&gt; Exp</a:t>
-            </a:r>
-          </a:p>
-          <a:p>
-            <a:pPr marL="0" indent="0">
-              <a:buNone/>
-            </a:pPr>
-            <a:r>
-              <a:rPr lang="en-US" sz="1800" dirty="0" err="1">
-                <a:latin typeface="Menlo" panose="020B0609030804020204" pitchFamily="49" charset="0"/>
-                <a:ea typeface="Menlo" panose="020B0609030804020204" pitchFamily="49" charset="0"/>
-                <a:cs typeface="Menlo" panose="020B0609030804020204" pitchFamily="49" charset="0"/>
-              </a:rPr>
-              <a:t>nf</a:t>
-            </a:r>
-            <a:r>
-              <a:rPr lang="en-US" sz="1800" dirty="0">
-                <a:latin typeface="Menlo" panose="020B0609030804020204" pitchFamily="49" charset="0"/>
-                <a:ea typeface="Menlo" panose="020B0609030804020204" pitchFamily="49" charset="0"/>
-                <a:cs typeface="Menlo" panose="020B0609030804020204" pitchFamily="49" charset="0"/>
-              </a:rPr>
-              <a:t> e@(Var _) = e</a:t>
-            </a:r>
-          </a:p>
-          <a:p>
-            <a:pPr marL="0" indent="0">
-              <a:buNone/>
-            </a:pPr>
-            <a:r>
-              <a:rPr lang="en-US" sz="1800" dirty="0" err="1">
-                <a:latin typeface="Menlo" panose="020B0609030804020204" pitchFamily="49" charset="0"/>
-                <a:ea typeface="Menlo" panose="020B0609030804020204" pitchFamily="49" charset="0"/>
-                <a:cs typeface="Menlo" panose="020B0609030804020204" pitchFamily="49" charset="0"/>
-              </a:rPr>
-              <a:t>nf</a:t>
-            </a:r>
-            <a:r>
-              <a:rPr lang="en-US" sz="1800" dirty="0">
-                <a:latin typeface="Menlo" panose="020B0609030804020204" pitchFamily="49" charset="0"/>
-                <a:ea typeface="Menlo" panose="020B0609030804020204" pitchFamily="49" charset="0"/>
-                <a:cs typeface="Menlo" panose="020B0609030804020204" pitchFamily="49" charset="0"/>
-              </a:rPr>
-              <a:t> (Lam e) = Lam (</a:t>
-            </a:r>
-            <a:r>
-              <a:rPr lang="en-US" sz="1800" b="1" dirty="0" err="1">
-                <a:latin typeface="Menlo" panose="020B0609030804020204" pitchFamily="49" charset="0"/>
-                <a:ea typeface="Menlo" panose="020B0609030804020204" pitchFamily="49" charset="0"/>
-                <a:cs typeface="Menlo" panose="020B0609030804020204" pitchFamily="49" charset="0"/>
-              </a:rPr>
-              <a:t>nfb</a:t>
-            </a:r>
-            <a:r>
-              <a:rPr lang="en-US" sz="1800" dirty="0">
-                <a:latin typeface="Menlo" panose="020B0609030804020204" pitchFamily="49" charset="0"/>
-                <a:ea typeface="Menlo" panose="020B0609030804020204" pitchFamily="49" charset="0"/>
-                <a:cs typeface="Menlo" panose="020B0609030804020204" pitchFamily="49" charset="0"/>
-              </a:rPr>
-              <a:t> e)</a:t>
-            </a:r>
-          </a:p>
-          <a:p>
-            <a:pPr marL="0" indent="0">
-              <a:buNone/>
-            </a:pPr>
-            <a:r>
-              <a:rPr lang="en-US" sz="1800" dirty="0" err="1">
-                <a:latin typeface="Menlo" panose="020B0609030804020204" pitchFamily="49" charset="0"/>
-                <a:ea typeface="Menlo" panose="020B0609030804020204" pitchFamily="49" charset="0"/>
-                <a:cs typeface="Menlo" panose="020B0609030804020204" pitchFamily="49" charset="0"/>
-              </a:rPr>
-              <a:t>nf</a:t>
-            </a:r>
-            <a:r>
-              <a:rPr lang="en-US" sz="1800" dirty="0">
-                <a:latin typeface="Menlo" panose="020B0609030804020204" pitchFamily="49" charset="0"/>
-                <a:ea typeface="Menlo" panose="020B0609030804020204" pitchFamily="49" charset="0"/>
-                <a:cs typeface="Menlo" panose="020B0609030804020204" pitchFamily="49" charset="0"/>
-              </a:rPr>
-              <a:t> (App f a) =</a:t>
-            </a:r>
-          </a:p>
-          <a:p>
-            <a:pPr marL="0" indent="0">
-              <a:buNone/>
-            </a:pPr>
-            <a:r>
-              <a:rPr lang="en-US" sz="1800" dirty="0">
-                <a:latin typeface="Menlo" panose="020B0609030804020204" pitchFamily="49" charset="0"/>
-                <a:ea typeface="Menlo" panose="020B0609030804020204" pitchFamily="49" charset="0"/>
-                <a:cs typeface="Menlo" panose="020B0609030804020204" pitchFamily="49" charset="0"/>
-              </a:rPr>
-              <a:t>case </a:t>
-            </a:r>
-            <a:r>
-              <a:rPr lang="en-US" sz="1800" dirty="0" err="1">
-                <a:latin typeface="Menlo" panose="020B0609030804020204" pitchFamily="49" charset="0"/>
-                <a:ea typeface="Menlo" panose="020B0609030804020204" pitchFamily="49" charset="0"/>
-                <a:cs typeface="Menlo" panose="020B0609030804020204" pitchFamily="49" charset="0"/>
-              </a:rPr>
-              <a:t>whnf</a:t>
-            </a:r>
-            <a:r>
-              <a:rPr lang="en-US" sz="1800" dirty="0">
-                <a:latin typeface="Menlo" panose="020B0609030804020204" pitchFamily="49" charset="0"/>
-                <a:ea typeface="Menlo" panose="020B0609030804020204" pitchFamily="49" charset="0"/>
-                <a:cs typeface="Menlo" panose="020B0609030804020204" pitchFamily="49" charset="0"/>
-              </a:rPr>
-              <a:t> f of</a:t>
-            </a:r>
-          </a:p>
-          <a:p>
-            <a:pPr marL="0" indent="0">
-              <a:buNone/>
-            </a:pPr>
-            <a:r>
-              <a:rPr lang="en-US" sz="1800" dirty="0">
-                <a:latin typeface="Menlo" panose="020B0609030804020204" pitchFamily="49" charset="0"/>
-                <a:ea typeface="Menlo" panose="020B0609030804020204" pitchFamily="49" charset="0"/>
-                <a:cs typeface="Menlo" panose="020B0609030804020204" pitchFamily="49" charset="0"/>
-              </a:rPr>
-              <a:t>  Lam b -&gt; </a:t>
-            </a:r>
-          </a:p>
-          <a:p>
-            <a:pPr marL="0" indent="0">
-              <a:buNone/>
-            </a:pPr>
-            <a:r>
-              <a:rPr lang="en-US" sz="1800" dirty="0">
-                <a:latin typeface="Menlo" panose="020B0609030804020204" pitchFamily="49" charset="0"/>
-                <a:ea typeface="Menlo" panose="020B0609030804020204" pitchFamily="49" charset="0"/>
-                <a:cs typeface="Menlo" panose="020B0609030804020204" pitchFamily="49" charset="0"/>
-              </a:rPr>
-              <a:t>     </a:t>
-            </a:r>
-            <a:r>
-              <a:rPr lang="en-US" sz="1800" dirty="0" err="1">
-                <a:latin typeface="Menlo" panose="020B0609030804020204" pitchFamily="49" charset="0"/>
-                <a:ea typeface="Menlo" panose="020B0609030804020204" pitchFamily="49" charset="0"/>
-                <a:cs typeface="Menlo" panose="020B0609030804020204" pitchFamily="49" charset="0"/>
-              </a:rPr>
-              <a:t>nf</a:t>
-            </a:r>
-            <a:r>
-              <a:rPr lang="en-US" sz="1800" dirty="0">
-                <a:latin typeface="Menlo" panose="020B0609030804020204" pitchFamily="49" charset="0"/>
-                <a:ea typeface="Menlo" panose="020B0609030804020204" pitchFamily="49" charset="0"/>
-                <a:cs typeface="Menlo" panose="020B0609030804020204" pitchFamily="49" charset="0"/>
-              </a:rPr>
-              <a:t> (instantiate b a)</a:t>
-            </a:r>
-          </a:p>
-          <a:p>
-            <a:pPr marL="0" indent="0">
-              <a:buNone/>
-            </a:pPr>
-            <a:r>
-              <a:rPr lang="en-US" sz="1800" dirty="0">
-                <a:latin typeface="Menlo" panose="020B0609030804020204" pitchFamily="49" charset="0"/>
-                <a:ea typeface="Menlo" panose="020B0609030804020204" pitchFamily="49" charset="0"/>
-                <a:cs typeface="Menlo" panose="020B0609030804020204" pitchFamily="49" charset="0"/>
-              </a:rPr>
-              <a:t>  f' -&gt; App (</a:t>
-            </a:r>
-            <a:r>
-              <a:rPr lang="en-US" sz="1800" b="1" dirty="0" err="1">
-                <a:latin typeface="Menlo" panose="020B0609030804020204" pitchFamily="49" charset="0"/>
-                <a:ea typeface="Menlo" panose="020B0609030804020204" pitchFamily="49" charset="0"/>
-                <a:cs typeface="Menlo" panose="020B0609030804020204" pitchFamily="49" charset="0"/>
-              </a:rPr>
-              <a:t>nf</a:t>
-            </a:r>
-            <a:r>
-              <a:rPr lang="en-US" sz="1800" dirty="0">
-                <a:latin typeface="Menlo" panose="020B0609030804020204" pitchFamily="49" charset="0"/>
-                <a:ea typeface="Menlo" panose="020B0609030804020204" pitchFamily="49" charset="0"/>
-                <a:cs typeface="Menlo" panose="020B0609030804020204" pitchFamily="49" charset="0"/>
-              </a:rPr>
-              <a:t> f') (</a:t>
-            </a:r>
-            <a:r>
-              <a:rPr lang="en-US" sz="1800" b="1" dirty="0" err="1">
-                <a:latin typeface="Menlo" panose="020B0609030804020204" pitchFamily="49" charset="0"/>
-                <a:ea typeface="Menlo" panose="020B0609030804020204" pitchFamily="49" charset="0"/>
-                <a:cs typeface="Menlo" panose="020B0609030804020204" pitchFamily="49" charset="0"/>
-              </a:rPr>
-              <a:t>nf</a:t>
-            </a:r>
-            <a:r>
-              <a:rPr lang="en-US" sz="1800" dirty="0">
-                <a:latin typeface="Menlo" panose="020B0609030804020204" pitchFamily="49" charset="0"/>
-                <a:ea typeface="Menlo" panose="020B0609030804020204" pitchFamily="49" charset="0"/>
-                <a:cs typeface="Menlo" panose="020B0609030804020204" pitchFamily="49" charset="0"/>
-              </a:rPr>
-              <a:t> a)</a:t>
-            </a:r>
-          </a:p>
-          <a:p>
-            <a:pPr marL="0" indent="0">
-              <a:buNone/>
-            </a:pPr>
-            <a:endParaRPr lang="en-US" sz="1800" dirty="0">
-              <a:latin typeface="Menlo" panose="020B0609030804020204" pitchFamily="49" charset="0"/>
-              <a:ea typeface="Menlo" panose="020B0609030804020204" pitchFamily="49" charset="0"/>
-              <a:cs typeface="Menlo" panose="020B0609030804020204" pitchFamily="49" charset="0"/>
-            </a:endParaRPr>
-          </a:p>
-          <a:p>
-            <a:pPr marL="0" indent="0">
-              <a:buNone/>
-            </a:pPr>
-            <a:r>
-              <a:rPr lang="en-US" sz="1800" b="1" dirty="0" err="1">
-                <a:latin typeface="Menlo" panose="020B0609030804020204" pitchFamily="49" charset="0"/>
-                <a:ea typeface="Menlo" panose="020B0609030804020204" pitchFamily="49" charset="0"/>
-                <a:cs typeface="Menlo" panose="020B0609030804020204" pitchFamily="49" charset="0"/>
-              </a:rPr>
-              <a:t>nfb</a:t>
-            </a:r>
-            <a:r>
-              <a:rPr lang="en-US" sz="1800" dirty="0">
-                <a:latin typeface="Menlo" panose="020B0609030804020204" pitchFamily="49" charset="0"/>
-                <a:ea typeface="Menlo" panose="020B0609030804020204" pitchFamily="49" charset="0"/>
-                <a:cs typeface="Menlo" panose="020B0609030804020204" pitchFamily="49" charset="0"/>
-              </a:rPr>
-              <a:t> :: Bind Exp -&gt; Bind Exp</a:t>
-            </a:r>
-          </a:p>
-          <a:p>
-            <a:pPr marL="0" indent="0">
-              <a:buNone/>
-            </a:pPr>
-            <a:r>
-              <a:rPr lang="en-US" sz="1800" b="1" dirty="0">
-                <a:latin typeface="Menlo" panose="020B0609030804020204" pitchFamily="49" charset="0"/>
-                <a:ea typeface="Menlo" panose="020B0609030804020204" pitchFamily="49" charset="0"/>
-                <a:cs typeface="Menlo" panose="020B0609030804020204" pitchFamily="49" charset="0"/>
-              </a:rPr>
-              <a:t>instantiate</a:t>
-            </a:r>
-            <a:r>
-              <a:rPr lang="en-US" sz="1800" dirty="0">
-                <a:latin typeface="Menlo" panose="020B0609030804020204" pitchFamily="49" charset="0"/>
-                <a:ea typeface="Menlo" panose="020B0609030804020204" pitchFamily="49" charset="0"/>
-                <a:cs typeface="Menlo" panose="020B0609030804020204" pitchFamily="49" charset="0"/>
-              </a:rPr>
-              <a:t> :: Bind Exp -&gt; Exp -&gt; Exp</a:t>
-            </a:r>
-            <a:br>
-              <a:rPr lang="en-US" dirty="0"/>
-            </a:br>
-            <a:endParaRPr lang="en-US" dirty="0"/>
-          </a:p>
-        </p:txBody>
-      </p:sp>
-      <p:sp>
-        <p:nvSpPr>
-          <p:cNvPr id="4" name="Content Placeholder 3">
-            <a:extLst>
-              <a:ext uri="{FF2B5EF4-FFF2-40B4-BE49-F238E27FC236}">
-                <a16:creationId xmlns:a16="http://schemas.microsoft.com/office/drawing/2014/main" id="{DD4F2267-3EDB-0448-B997-C7466131E6D9}"/>
-              </a:ext>
-            </a:extLst>
-          </p:cNvPr>
-          <p:cNvSpPr>
-            <a:spLocks noGrp="1"/>
-          </p:cNvSpPr>
-          <p:nvPr>
-            <p:ph sz="half" idx="2"/>
-          </p:nvPr>
-        </p:nvSpPr>
-        <p:spPr>
-          <a:xfrm>
-            <a:off x="4572000" y="1123950"/>
-            <a:ext cx="4394777" cy="3263504"/>
-          </a:xfrm>
-        </p:spPr>
-        <p:txBody>
-          <a:bodyPr/>
-          <a:lstStyle/>
-          <a:p>
-            <a:pPr marL="0" indent="0">
-              <a:buNone/>
-            </a:pPr>
-            <a:r>
-              <a:rPr lang="en-US" sz="1800" b="1" dirty="0" err="1">
-                <a:latin typeface="Menlo" panose="020B0609030804020204" pitchFamily="49" charset="0"/>
-                <a:ea typeface="Menlo" panose="020B0609030804020204" pitchFamily="49" charset="0"/>
-                <a:cs typeface="Menlo" panose="020B0609030804020204" pitchFamily="49" charset="0"/>
-              </a:rPr>
-              <a:t>whnf</a:t>
-            </a:r>
-            <a:r>
-              <a:rPr lang="en-US" sz="1800" dirty="0">
-                <a:latin typeface="Menlo" panose="020B0609030804020204" pitchFamily="49" charset="0"/>
-                <a:ea typeface="Menlo" panose="020B0609030804020204" pitchFamily="49" charset="0"/>
-                <a:cs typeface="Menlo" panose="020B0609030804020204" pitchFamily="49" charset="0"/>
-              </a:rPr>
-              <a:t> :: Exp -&gt; Exp</a:t>
-            </a:r>
-          </a:p>
-          <a:p>
-            <a:pPr marL="0" indent="0">
-              <a:buNone/>
-            </a:pPr>
-            <a:r>
-              <a:rPr lang="en-US" sz="1800" dirty="0" err="1">
-                <a:latin typeface="Menlo" panose="020B0609030804020204" pitchFamily="49" charset="0"/>
-                <a:ea typeface="Menlo" panose="020B0609030804020204" pitchFamily="49" charset="0"/>
-                <a:cs typeface="Menlo" panose="020B0609030804020204" pitchFamily="49" charset="0"/>
-              </a:rPr>
-              <a:t>whnf</a:t>
-            </a:r>
-            <a:r>
-              <a:rPr lang="en-US" sz="1800" dirty="0">
-                <a:latin typeface="Menlo" panose="020B0609030804020204" pitchFamily="49" charset="0"/>
-                <a:ea typeface="Menlo" panose="020B0609030804020204" pitchFamily="49" charset="0"/>
-                <a:cs typeface="Menlo" panose="020B0609030804020204" pitchFamily="49" charset="0"/>
-              </a:rPr>
-              <a:t> e@(Var _) = e</a:t>
-            </a:r>
-          </a:p>
-          <a:p>
-            <a:pPr marL="0" indent="0">
-              <a:buNone/>
-            </a:pPr>
-            <a:r>
-              <a:rPr lang="en-US" sz="1800" dirty="0" err="1">
-                <a:latin typeface="Menlo" panose="020B0609030804020204" pitchFamily="49" charset="0"/>
-                <a:ea typeface="Menlo" panose="020B0609030804020204" pitchFamily="49" charset="0"/>
-                <a:cs typeface="Menlo" panose="020B0609030804020204" pitchFamily="49" charset="0"/>
-              </a:rPr>
-              <a:t>whnf</a:t>
-            </a:r>
-            <a:r>
-              <a:rPr lang="en-US" sz="1800" dirty="0">
-                <a:latin typeface="Menlo" panose="020B0609030804020204" pitchFamily="49" charset="0"/>
-                <a:ea typeface="Menlo" panose="020B0609030804020204" pitchFamily="49" charset="0"/>
-                <a:cs typeface="Menlo" panose="020B0609030804020204" pitchFamily="49" charset="0"/>
-              </a:rPr>
-              <a:t> e@(Lam _) = e</a:t>
-            </a:r>
-          </a:p>
-          <a:p>
-            <a:pPr marL="0" indent="0">
-              <a:buNone/>
-            </a:pPr>
-            <a:r>
-              <a:rPr lang="en-US" sz="1800" dirty="0" err="1">
-                <a:latin typeface="Menlo" panose="020B0609030804020204" pitchFamily="49" charset="0"/>
-                <a:ea typeface="Menlo" panose="020B0609030804020204" pitchFamily="49" charset="0"/>
-                <a:cs typeface="Menlo" panose="020B0609030804020204" pitchFamily="49" charset="0"/>
-              </a:rPr>
-              <a:t>whnf</a:t>
-            </a:r>
-            <a:r>
-              <a:rPr lang="en-US" sz="1800" dirty="0">
-                <a:latin typeface="Menlo" panose="020B0609030804020204" pitchFamily="49" charset="0"/>
-                <a:ea typeface="Menlo" panose="020B0609030804020204" pitchFamily="49" charset="0"/>
-                <a:cs typeface="Menlo" panose="020B0609030804020204" pitchFamily="49" charset="0"/>
-              </a:rPr>
-              <a:t> (App f a) =</a:t>
-            </a:r>
-          </a:p>
-          <a:p>
-            <a:pPr marL="0" indent="0">
-              <a:buNone/>
-            </a:pPr>
-            <a:r>
-              <a:rPr lang="en-US" sz="1800" dirty="0">
-                <a:latin typeface="Menlo" panose="020B0609030804020204" pitchFamily="49" charset="0"/>
-                <a:ea typeface="Menlo" panose="020B0609030804020204" pitchFamily="49" charset="0"/>
-                <a:cs typeface="Menlo" panose="020B0609030804020204" pitchFamily="49" charset="0"/>
-              </a:rPr>
-              <a:t>  case </a:t>
-            </a:r>
-            <a:r>
-              <a:rPr lang="en-US" sz="1800" dirty="0" err="1">
-                <a:latin typeface="Menlo" panose="020B0609030804020204" pitchFamily="49" charset="0"/>
-                <a:ea typeface="Menlo" panose="020B0609030804020204" pitchFamily="49" charset="0"/>
-                <a:cs typeface="Menlo" panose="020B0609030804020204" pitchFamily="49" charset="0"/>
-              </a:rPr>
-              <a:t>whnf</a:t>
-            </a:r>
-            <a:r>
-              <a:rPr lang="en-US" sz="1800" dirty="0">
-                <a:latin typeface="Menlo" panose="020B0609030804020204" pitchFamily="49" charset="0"/>
-                <a:ea typeface="Menlo" panose="020B0609030804020204" pitchFamily="49" charset="0"/>
-                <a:cs typeface="Menlo" panose="020B0609030804020204" pitchFamily="49" charset="0"/>
-              </a:rPr>
-              <a:t> f of</a:t>
-            </a:r>
-          </a:p>
-          <a:p>
-            <a:pPr marL="0" indent="0">
-              <a:buNone/>
-            </a:pPr>
-            <a:r>
-              <a:rPr lang="en-US" sz="1800" dirty="0">
-                <a:latin typeface="Menlo" panose="020B0609030804020204" pitchFamily="49" charset="0"/>
-                <a:ea typeface="Menlo" panose="020B0609030804020204" pitchFamily="49" charset="0"/>
-                <a:cs typeface="Menlo" panose="020B0609030804020204" pitchFamily="49" charset="0"/>
-              </a:rPr>
-              <a:t>    Lam b -&gt; </a:t>
-            </a:r>
-          </a:p>
-          <a:p>
-            <a:pPr marL="0" indent="0">
-              <a:buNone/>
-            </a:pPr>
-            <a:r>
-              <a:rPr lang="en-US" sz="1800" dirty="0">
-                <a:latin typeface="Menlo" panose="020B0609030804020204" pitchFamily="49" charset="0"/>
-                <a:ea typeface="Menlo" panose="020B0609030804020204" pitchFamily="49" charset="0"/>
-                <a:cs typeface="Menlo" panose="020B0609030804020204" pitchFamily="49" charset="0"/>
-              </a:rPr>
-              <a:t>	 </a:t>
-            </a:r>
-            <a:r>
-              <a:rPr lang="en-US" sz="1800" dirty="0" err="1">
-                <a:latin typeface="Menlo" panose="020B0609030804020204" pitchFamily="49" charset="0"/>
-                <a:ea typeface="Menlo" panose="020B0609030804020204" pitchFamily="49" charset="0"/>
-                <a:cs typeface="Menlo" panose="020B0609030804020204" pitchFamily="49" charset="0"/>
-              </a:rPr>
-              <a:t>whnf</a:t>
-            </a:r>
-            <a:r>
-              <a:rPr lang="en-US" sz="1800" dirty="0">
-                <a:latin typeface="Menlo" panose="020B0609030804020204" pitchFamily="49" charset="0"/>
-                <a:ea typeface="Menlo" panose="020B0609030804020204" pitchFamily="49" charset="0"/>
-                <a:cs typeface="Menlo" panose="020B0609030804020204" pitchFamily="49" charset="0"/>
-              </a:rPr>
-              <a:t> (instantiate b a)</a:t>
-            </a:r>
-          </a:p>
-          <a:p>
-            <a:pPr marL="0" indent="0">
-              <a:buNone/>
-            </a:pPr>
-            <a:r>
-              <a:rPr lang="en-US" sz="1800" dirty="0">
-                <a:latin typeface="Menlo" panose="020B0609030804020204" pitchFamily="49" charset="0"/>
-                <a:ea typeface="Menlo" panose="020B0609030804020204" pitchFamily="49" charset="0"/>
-                <a:cs typeface="Menlo" panose="020B0609030804020204" pitchFamily="49" charset="0"/>
-              </a:rPr>
-              <a:t>    f' -&gt; App f' a</a:t>
-            </a:r>
-          </a:p>
-          <a:p>
-            <a:endParaRPr lang="en-US" dirty="0"/>
-          </a:p>
-        </p:txBody>
-      </p:sp>
-    </p:spTree>
-    <p:extLst>
-      <p:ext uri="{BB962C8B-B14F-4D97-AF65-F5344CB8AC3E}">
-        <p14:creationId xmlns:p14="http://schemas.microsoft.com/office/powerpoint/2010/main" val="1976404851"/>
-      </p:ext>
-    </p:extLst>
-  </p:cSld>
-  <p:clrMapOvr>
-    <a:masterClrMapping/>
-  </p:clrMapOvr>
-</p:sld>
-</file>
-
-<file path=ppt/slides/slide12.xml><?xml version="1.0" encoding="utf-8"?>
-<p:sld xmlns:a="http://schemas.openxmlformats.org/drawingml/2006/main" xmlns:r="http://schemas.openxmlformats.org/officeDocument/2006/relationships" xmlns:p="http://schemas.openxmlformats.org/presentationml/2006/main">
-  <p:cSld>
-    <p:spTree>
-      <p:nvGrpSpPr>
-        <p:cNvPr id="1" name=""/>
-        <p:cNvGrpSpPr/>
-        <p:nvPr/>
-      </p:nvGrpSpPr>
-      <p:grpSpPr>
-        <a:xfrm>
-          <a:off x="0" y="0"/>
-          <a:ext cx="0" cy="0"/>
-          <a:chOff x="0" y="0"/>
-          <a:chExt cx="0" cy="0"/>
-        </a:xfrm>
-      </p:grpSpPr>
-      <p:sp>
-        <p:nvSpPr>
-          <p:cNvPr id="2" name="Title 1">
-            <a:extLst>
-              <a:ext uri="{FF2B5EF4-FFF2-40B4-BE49-F238E27FC236}">
-                <a16:creationId xmlns:a16="http://schemas.microsoft.com/office/drawing/2014/main" id="{8F129ADA-FFF5-C342-B3B4-8ED1C8571C3F}"/>
-              </a:ext>
-            </a:extLst>
-          </p:cNvPr>
-          <p:cNvSpPr>
-            <a:spLocks noGrp="1"/>
-          </p:cNvSpPr>
-          <p:nvPr>
-            <p:ph type="title"/>
-          </p:nvPr>
-        </p:nvSpPr>
-        <p:spPr/>
-        <p:txBody>
-          <a:bodyPr>
-            <a:normAutofit/>
-          </a:bodyPr>
-          <a:lstStyle/>
-          <a:p>
-            <a:r>
-              <a:rPr lang="en-US" dirty="0"/>
-              <a:t>Lennart's term</a:t>
-            </a:r>
-          </a:p>
-        </p:txBody>
-      </p:sp>
-      <p:sp>
-        <p:nvSpPr>
-          <p:cNvPr id="3" name="Content Placeholder 2">
-            <a:extLst>
-              <a:ext uri="{FF2B5EF4-FFF2-40B4-BE49-F238E27FC236}">
-                <a16:creationId xmlns:a16="http://schemas.microsoft.com/office/drawing/2014/main" id="{3B7E089C-E95B-F142-8CDD-7D5D2F0D840A}"/>
-              </a:ext>
-            </a:extLst>
-          </p:cNvPr>
-          <p:cNvSpPr>
-            <a:spLocks noGrp="1"/>
-          </p:cNvSpPr>
-          <p:nvPr>
-            <p:ph idx="1"/>
-          </p:nvPr>
-        </p:nvSpPr>
-        <p:spPr/>
-        <p:txBody>
-          <a:bodyPr/>
-          <a:lstStyle/>
-          <a:p>
-            <a:r>
-              <a:rPr lang="en-US" dirty="0"/>
-              <a:t>Benchmark from "Lambda Calculus Cooked 4 Ways"</a:t>
-            </a:r>
-          </a:p>
-          <a:p>
-            <a:r>
-              <a:rPr lang="en-US" dirty="0"/>
-              <a:t>Church encoding of: </a:t>
-            </a:r>
-          </a:p>
-          <a:p>
-            <a:pPr marL="342900" lvl="1" indent="0">
-              <a:buNone/>
-            </a:pPr>
-            <a:r>
-              <a:rPr lang="en-US" dirty="0"/>
-              <a:t>6! == sum [1 .. 37] + ((3 + 3) + ((3 + 3) + (2 + 3))</a:t>
-            </a:r>
-          </a:p>
-          <a:p>
-            <a:pPr marL="342900" lvl="1" indent="0">
-              <a:buNone/>
-            </a:pPr>
-            <a:r>
-              <a:rPr lang="en-US" dirty="0"/>
-              <a:t>i.e.  720 == 719</a:t>
-            </a:r>
-          </a:p>
-          <a:p>
-            <a:pPr marL="342900" lvl="1" indent="0">
-              <a:buNone/>
-            </a:pPr>
-            <a:r>
-              <a:rPr lang="en-US" dirty="0"/>
-              <a:t>i.e.  False</a:t>
-            </a:r>
-          </a:p>
-          <a:p>
-            <a:r>
-              <a:rPr lang="en-US" dirty="0"/>
-              <a:t>bind depth: 25</a:t>
-            </a:r>
-          </a:p>
-          <a:p>
-            <a:r>
-              <a:rPr lang="en-US" dirty="0"/>
-              <a:t>depth: 53</a:t>
-            </a:r>
-          </a:p>
-          <a:p>
-            <a:r>
-              <a:rPr lang="en-US" dirty="0"/>
-              <a:t>num </a:t>
-            </a:r>
-            <a:r>
-              <a:rPr lang="en-US" dirty="0" err="1"/>
-              <a:t>substs</a:t>
-            </a:r>
-            <a:r>
-              <a:rPr lang="en-US" dirty="0"/>
-              <a:t> required for normalization: 119,697</a:t>
-            </a:r>
-          </a:p>
-          <a:p>
-            <a:r>
-              <a:rPr lang="en-US" dirty="0" err="1"/>
-              <a:t>subst</a:t>
-            </a:r>
-            <a:r>
-              <a:rPr lang="en-US" dirty="0"/>
-              <a:t>  b { a / x }  averages </a:t>
-            </a:r>
-            <a:br>
-              <a:rPr lang="en-US" dirty="0"/>
-            </a:br>
-            <a:r>
-              <a:rPr lang="en-US" dirty="0"/>
-              <a:t>occurrences of x in a = 1.15,  |a| = 300,  |b| = 362</a:t>
-            </a:r>
-          </a:p>
-        </p:txBody>
-      </p:sp>
-    </p:spTree>
-    <p:extLst>
-      <p:ext uri="{BB962C8B-B14F-4D97-AF65-F5344CB8AC3E}">
-        <p14:creationId xmlns:p14="http://schemas.microsoft.com/office/powerpoint/2010/main" val="1604477744"/>
-      </p:ext>
-    </p:extLst>
-  </p:cSld>
-  <p:clrMapOvr>
-    <a:masterClrMapping/>
-  </p:clrMapOvr>
-</p:sld>
-</file>
-
-<file path=ppt/slides/slide13.xml><?xml version="1.0" encoding="utf-8"?>
-<p:sld xmlns:a="http://schemas.openxmlformats.org/drawingml/2006/main" xmlns:r="http://schemas.openxmlformats.org/officeDocument/2006/relationships" xmlns:p="http://schemas.openxmlformats.org/presentationml/2006/main">
-  <p:cSld>
-    <p:spTree>
-      <p:nvGrpSpPr>
-        <p:cNvPr id="1" name=""/>
-        <p:cNvGrpSpPr/>
-        <p:nvPr/>
-      </p:nvGrpSpPr>
-      <p:grpSpPr>
-        <a:xfrm>
-          <a:off x="0" y="0"/>
-          <a:ext cx="0" cy="0"/>
-          <a:chOff x="0" y="0"/>
-          <a:chExt cx="0" cy="0"/>
-        </a:xfrm>
-      </p:grpSpPr>
-      <p:sp>
-        <p:nvSpPr>
-          <p:cNvPr id="4" name="Rectangle 3">
-            <a:extLst>
-              <a:ext uri="{FF2B5EF4-FFF2-40B4-BE49-F238E27FC236}">
-                <a16:creationId xmlns:a16="http://schemas.microsoft.com/office/drawing/2014/main" id="{6B3F4FAE-19D2-DA47-9236-0FABB005904C}"/>
-              </a:ext>
-            </a:extLst>
-          </p:cNvPr>
-          <p:cNvSpPr/>
-          <p:nvPr/>
-        </p:nvSpPr>
-        <p:spPr>
-          <a:xfrm>
-            <a:off x="375152" y="1123950"/>
-            <a:ext cx="8473284" cy="2352780"/>
-          </a:xfrm>
-          <a:prstGeom prst="rect">
-            <a:avLst/>
-          </a:prstGeom>
-          <a:solidFill>
-            <a:schemeClr val="accent1">
-              <a:lumMod val="20000"/>
-              <a:lumOff val="80000"/>
-            </a:schemeClr>
-          </a:solidFill>
-          <a:ln>
-            <a:noFill/>
-          </a:ln>
-        </p:spPr>
-        <p:style>
-          <a:lnRef idx="2">
-            <a:schemeClr val="accent1">
-              <a:shade val="50000"/>
-            </a:schemeClr>
-          </a:lnRef>
-          <a:fillRef idx="1">
-            <a:schemeClr val="accent1"/>
-          </a:fillRef>
-          <a:effectRef idx="0">
-            <a:schemeClr val="accent1"/>
-          </a:effectRef>
-          <a:fontRef idx="minor">
-            <a:schemeClr val="lt1"/>
-          </a:fontRef>
-        </p:style>
-        <p:txBody>
-          <a:bodyPr rtlCol="0" anchor="ctr"/>
-          <a:lstStyle/>
-          <a:p>
-            <a:pPr algn="ctr"/>
-            <a:r>
-              <a:rPr lang="en-US" dirty="0"/>
-              <a:t> </a:t>
-            </a:r>
-          </a:p>
-        </p:txBody>
-      </p:sp>
-      <p:sp>
-        <p:nvSpPr>
-          <p:cNvPr id="2" name="Title 1">
-            <a:extLst>
-              <a:ext uri="{FF2B5EF4-FFF2-40B4-BE49-F238E27FC236}">
-                <a16:creationId xmlns:a16="http://schemas.microsoft.com/office/drawing/2014/main" id="{268DEB66-8E44-A74C-8209-8B66DAA8E8AC}"/>
-              </a:ext>
-            </a:extLst>
-          </p:cNvPr>
-          <p:cNvSpPr>
-            <a:spLocks noGrp="1"/>
-          </p:cNvSpPr>
-          <p:nvPr>
-            <p:ph type="title"/>
-          </p:nvPr>
-        </p:nvSpPr>
-        <p:spPr/>
-        <p:txBody>
-          <a:bodyPr/>
-          <a:lstStyle/>
-          <a:p>
-            <a:r>
-              <a:rPr lang="en-US" dirty="0"/>
-              <a:t>15 different de Bruijn implementations?</a:t>
-            </a:r>
-          </a:p>
-        </p:txBody>
-      </p:sp>
-      <p:sp>
-        <p:nvSpPr>
-          <p:cNvPr id="3" name="Content Placeholder 2">
-            <a:extLst>
-              <a:ext uri="{FF2B5EF4-FFF2-40B4-BE49-F238E27FC236}">
-                <a16:creationId xmlns:a16="http://schemas.microsoft.com/office/drawing/2014/main" id="{7061582F-65C4-7F40-A366-C68B938232E4}"/>
-              </a:ext>
-            </a:extLst>
-          </p:cNvPr>
-          <p:cNvSpPr>
-            <a:spLocks noGrp="1"/>
-          </p:cNvSpPr>
-          <p:nvPr>
-            <p:ph idx="1"/>
-          </p:nvPr>
-        </p:nvSpPr>
-        <p:spPr>
-          <a:xfrm>
-            <a:off x="387929" y="1123950"/>
-            <a:ext cx="8768848" cy="3463799"/>
-          </a:xfrm>
-        </p:spPr>
-        <p:txBody>
-          <a:bodyPr>
-            <a:normAutofit/>
-          </a:bodyPr>
-          <a:lstStyle/>
-          <a:p>
-            <a:pPr marL="0" indent="0">
-              <a:spcBef>
-                <a:spcPts val="300"/>
-              </a:spcBef>
-              <a:buNone/>
-            </a:pPr>
-            <a:r>
-              <a:rPr lang="en-US" dirty="0">
-                <a:solidFill>
-                  <a:srgbClr val="4B69C6"/>
-                </a:solidFill>
-                <a:latin typeface="Menlo" panose="020B0609030804020204" pitchFamily="49" charset="0"/>
-              </a:rPr>
-              <a:t>data</a:t>
-            </a:r>
-            <a:r>
-              <a:rPr lang="en-US" dirty="0">
-                <a:solidFill>
-                  <a:srgbClr val="333333"/>
-                </a:solidFill>
-                <a:latin typeface="Menlo" panose="020B0609030804020204" pitchFamily="49" charset="0"/>
-              </a:rPr>
-              <a:t> </a:t>
-            </a:r>
-            <a:r>
-              <a:rPr lang="en-US" dirty="0">
-                <a:solidFill>
-                  <a:srgbClr val="7A3E9D"/>
-                </a:solidFill>
-                <a:latin typeface="Menlo" panose="020B0609030804020204" pitchFamily="49" charset="0"/>
-              </a:rPr>
-              <a:t>Exp</a:t>
-            </a:r>
-            <a:r>
-              <a:rPr lang="en-US" dirty="0">
-                <a:solidFill>
-                  <a:srgbClr val="333333"/>
-                </a:solidFill>
-                <a:latin typeface="Menlo" panose="020B0609030804020204" pitchFamily="49" charset="0"/>
-              </a:rPr>
-              <a:t> = Var Var </a:t>
-            </a:r>
-          </a:p>
-          <a:p>
-            <a:pPr marL="0" indent="0">
-              <a:spcBef>
-                <a:spcPts val="300"/>
-              </a:spcBef>
-              <a:buNone/>
-            </a:pPr>
-            <a:r>
-              <a:rPr lang="en-US" dirty="0">
-                <a:solidFill>
-                  <a:srgbClr val="333333"/>
-                </a:solidFill>
-                <a:latin typeface="Menlo" panose="020B0609030804020204" pitchFamily="49" charset="0"/>
-              </a:rPr>
-              <a:t>         | Lam (Bind Exp) </a:t>
-            </a:r>
-          </a:p>
-          <a:p>
-            <a:pPr marL="0" indent="0">
-              <a:spcBef>
-                <a:spcPts val="300"/>
-              </a:spcBef>
-              <a:buNone/>
-            </a:pPr>
-            <a:r>
-              <a:rPr lang="en-US" dirty="0">
-                <a:solidFill>
-                  <a:srgbClr val="333333"/>
-                </a:solidFill>
-                <a:latin typeface="Menlo" panose="020B0609030804020204" pitchFamily="49" charset="0"/>
-              </a:rPr>
-              <a:t>         | App Exp Exp</a:t>
-            </a:r>
-          </a:p>
-          <a:p>
-            <a:pPr marL="0" indent="0">
-              <a:spcBef>
-                <a:spcPts val="300"/>
-              </a:spcBef>
-              <a:buNone/>
-            </a:pPr>
-            <a:r>
-              <a:rPr lang="en-US" dirty="0">
-                <a:solidFill>
-                  <a:srgbClr val="333333"/>
-                </a:solidFill>
-                <a:latin typeface="Menlo" panose="020B0609030804020204" pitchFamily="49" charset="0"/>
-              </a:rPr>
-              <a:t>	deriving (Eq)</a:t>
-            </a:r>
-          </a:p>
-          <a:p>
-            <a:pPr marL="0" indent="0">
-              <a:spcBef>
-                <a:spcPts val="300"/>
-              </a:spcBef>
-              <a:buNone/>
-            </a:pPr>
-            <a:endParaRPr lang="en-US" dirty="0">
-              <a:solidFill>
-                <a:srgbClr val="333333"/>
-              </a:solidFill>
-              <a:latin typeface="Menlo" panose="020B0609030804020204" pitchFamily="49" charset="0"/>
-            </a:endParaRPr>
-          </a:p>
-          <a:p>
-            <a:pPr marL="0" indent="0">
-              <a:spcBef>
-                <a:spcPts val="300"/>
-              </a:spcBef>
-              <a:buNone/>
-            </a:pPr>
-            <a:r>
-              <a:rPr lang="en-US" dirty="0">
-                <a:solidFill>
-                  <a:srgbClr val="4B69C6"/>
-                </a:solidFill>
-                <a:latin typeface="Menlo" panose="020B0609030804020204" pitchFamily="49" charset="0"/>
-              </a:rPr>
-              <a:t>type</a:t>
-            </a:r>
-            <a:r>
-              <a:rPr lang="en-US" dirty="0">
-                <a:solidFill>
-                  <a:srgbClr val="333333"/>
-                </a:solidFill>
-                <a:latin typeface="Menlo" panose="020B0609030804020204" pitchFamily="49" charset="0"/>
-              </a:rPr>
-              <a:t> Var = Int      -- variables are indices</a:t>
-            </a:r>
-            <a:br>
-              <a:rPr lang="en-US" dirty="0">
-                <a:solidFill>
-                  <a:srgbClr val="333333"/>
-                </a:solidFill>
-                <a:latin typeface="Menlo" panose="020B0609030804020204" pitchFamily="49" charset="0"/>
-              </a:rPr>
-            </a:br>
-            <a:r>
-              <a:rPr lang="en-US" dirty="0">
-                <a:solidFill>
-                  <a:srgbClr val="4B69C6"/>
-                </a:solidFill>
-                <a:latin typeface="Menlo" panose="020B0609030804020204" pitchFamily="49" charset="0"/>
-              </a:rPr>
-              <a:t>type </a:t>
-            </a:r>
-            <a:r>
-              <a:rPr lang="en-US" dirty="0">
-                <a:solidFill>
-                  <a:srgbClr val="333333"/>
-                </a:solidFill>
-                <a:latin typeface="Menlo" panose="020B0609030804020204" pitchFamily="49" charset="0"/>
-              </a:rPr>
-              <a:t>Bind t = t     -- no info at binders</a:t>
-            </a:r>
-          </a:p>
-          <a:p>
-            <a:pPr marL="0" indent="0">
-              <a:spcBef>
-                <a:spcPts val="300"/>
-              </a:spcBef>
-              <a:buNone/>
-            </a:pPr>
-            <a:endParaRPr lang="en-US" dirty="0">
-              <a:solidFill>
-                <a:srgbClr val="333333"/>
-              </a:solidFill>
-              <a:latin typeface="Menlo" panose="020B0609030804020204" pitchFamily="49" charset="0"/>
-            </a:endParaRPr>
-          </a:p>
-          <a:p>
-            <a:pPr marL="0" indent="0">
-              <a:spcBef>
-                <a:spcPts val="300"/>
-              </a:spcBef>
-              <a:buNone/>
-            </a:pPr>
-            <a:endParaRPr lang="en-US" dirty="0">
-              <a:solidFill>
-                <a:srgbClr val="002060"/>
-              </a:solidFill>
-              <a:latin typeface="Menlo" panose="020B0609030804020204" pitchFamily="49" charset="0"/>
-            </a:endParaRPr>
-          </a:p>
-          <a:p>
-            <a:pPr marL="0" indent="0">
-              <a:buNone/>
-            </a:pPr>
-            <a:r>
-              <a:rPr lang="en-US" dirty="0">
-                <a:solidFill>
-                  <a:srgbClr val="002060"/>
-                </a:solidFill>
-                <a:latin typeface="Menlo" panose="020B0609030804020204" pitchFamily="49" charset="0"/>
-              </a:rPr>
-              <a:t>\x -&gt; </a:t>
-            </a:r>
-            <a:r>
-              <a:rPr lang="en-US" dirty="0">
-                <a:solidFill>
-                  <a:srgbClr val="FF0000"/>
-                </a:solidFill>
-                <a:latin typeface="Menlo" panose="020B0609030804020204" pitchFamily="49" charset="0"/>
-              </a:rPr>
-              <a:t>x</a:t>
-            </a:r>
-            <a:r>
-              <a:rPr lang="en-US" dirty="0">
-                <a:solidFill>
-                  <a:srgbClr val="002060"/>
-                </a:solidFill>
-                <a:latin typeface="Menlo" panose="020B0609030804020204" pitchFamily="49" charset="0"/>
-              </a:rPr>
-              <a:t> </a:t>
-            </a:r>
-            <a:r>
-              <a:rPr lang="en-US" dirty="0">
-                <a:solidFill>
-                  <a:srgbClr val="0070C0"/>
-                </a:solidFill>
-                <a:latin typeface="Menlo" panose="020B0609030804020204" pitchFamily="49" charset="0"/>
-              </a:rPr>
-              <a:t>(</a:t>
-            </a:r>
-            <a:r>
-              <a:rPr lang="en-US" dirty="0">
-                <a:solidFill>
-                  <a:srgbClr val="00B0F0"/>
-                </a:solidFill>
-                <a:latin typeface="Menlo" panose="020B0609030804020204" pitchFamily="49" charset="0"/>
-              </a:rPr>
-              <a:t>\y -&gt;</a:t>
-            </a:r>
-            <a:r>
-              <a:rPr lang="en-US" dirty="0">
-                <a:solidFill>
-                  <a:srgbClr val="9C5D27"/>
-                </a:solidFill>
-                <a:latin typeface="Menlo" panose="020B0609030804020204" pitchFamily="49" charset="0"/>
-              </a:rPr>
-              <a:t> </a:t>
-            </a:r>
-            <a:r>
-              <a:rPr lang="en-US" dirty="0">
-                <a:solidFill>
-                  <a:srgbClr val="00B050"/>
-                </a:solidFill>
-                <a:latin typeface="Menlo" panose="020B0609030804020204" pitchFamily="49" charset="0"/>
-              </a:rPr>
-              <a:t>x</a:t>
-            </a:r>
-            <a:r>
-              <a:rPr lang="en-US" dirty="0">
-                <a:solidFill>
-                  <a:srgbClr val="9C5D27"/>
-                </a:solidFill>
-                <a:latin typeface="Menlo" panose="020B0609030804020204" pitchFamily="49" charset="0"/>
-              </a:rPr>
-              <a:t> </a:t>
-            </a:r>
-            <a:r>
-              <a:rPr lang="en-US" dirty="0">
-                <a:solidFill>
-                  <a:schemeClr val="accent2"/>
-                </a:solidFill>
-                <a:latin typeface="Menlo" panose="020B0609030804020204" pitchFamily="49" charset="0"/>
-              </a:rPr>
-              <a:t>y</a:t>
-            </a:r>
-            <a:r>
-              <a:rPr lang="en-US" dirty="0">
-                <a:solidFill>
-                  <a:srgbClr val="0070C0"/>
-                </a:solidFill>
-                <a:latin typeface="Menlo" panose="020B0609030804020204" pitchFamily="49" charset="0"/>
-              </a:rPr>
-              <a:t>)</a:t>
-            </a:r>
-            <a:r>
-              <a:rPr lang="en-US" dirty="0">
-                <a:solidFill>
-                  <a:srgbClr val="9C5D27"/>
-                </a:solidFill>
-                <a:latin typeface="Menlo" panose="020B0609030804020204" pitchFamily="49" charset="0"/>
-              </a:rPr>
-              <a:t> </a:t>
-            </a:r>
-          </a:p>
-          <a:p>
-            <a:pPr marL="0" indent="0">
-              <a:buNone/>
-            </a:pPr>
-            <a:r>
-              <a:rPr lang="en-US" sz="1800" dirty="0">
-                <a:solidFill>
-                  <a:srgbClr val="002060"/>
-                </a:solidFill>
-                <a:latin typeface="Menlo" panose="020B0609030804020204" pitchFamily="49" charset="0"/>
-              </a:rPr>
-              <a:t>Lam </a:t>
-            </a:r>
-            <a:r>
-              <a:rPr lang="en-US" sz="1800" dirty="0">
-                <a:solidFill>
-                  <a:srgbClr val="0070C0"/>
-                </a:solidFill>
-                <a:latin typeface="Menlo" panose="020B0609030804020204" pitchFamily="49" charset="0"/>
-              </a:rPr>
-              <a:t>(</a:t>
-            </a:r>
-            <a:r>
-              <a:rPr lang="en-US" sz="1800" dirty="0">
-                <a:solidFill>
-                  <a:srgbClr val="9C5D27"/>
-                </a:solidFill>
-                <a:latin typeface="Menlo" panose="020B0609030804020204" pitchFamily="49" charset="0"/>
-              </a:rPr>
-              <a:t>App</a:t>
-            </a:r>
-            <a:r>
-              <a:rPr lang="en-US" sz="1800" dirty="0">
-                <a:solidFill>
-                  <a:srgbClr val="0070C0"/>
-                </a:solidFill>
-                <a:latin typeface="Menlo" panose="020B0609030804020204" pitchFamily="49" charset="0"/>
-              </a:rPr>
-              <a:t> </a:t>
-            </a:r>
-            <a:r>
-              <a:rPr lang="en-US" sz="1800" dirty="0">
-                <a:solidFill>
-                  <a:srgbClr val="FF0000"/>
-                </a:solidFill>
-                <a:latin typeface="Menlo" panose="020B0609030804020204" pitchFamily="49" charset="0"/>
-              </a:rPr>
-              <a:t>(Var 0) </a:t>
-            </a:r>
-            <a:r>
-              <a:rPr lang="en-US" sz="1800" dirty="0">
-                <a:solidFill>
-                  <a:srgbClr val="0070C0"/>
-                </a:solidFill>
-                <a:latin typeface="Menlo" panose="020B0609030804020204" pitchFamily="49" charset="0"/>
-              </a:rPr>
-              <a:t>(</a:t>
-            </a:r>
-            <a:r>
-              <a:rPr lang="en-US" sz="1800" dirty="0">
-                <a:solidFill>
-                  <a:srgbClr val="00B0F0"/>
-                </a:solidFill>
-                <a:latin typeface="Menlo" panose="020B0609030804020204" pitchFamily="49" charset="0"/>
-              </a:rPr>
-              <a:t>Lam </a:t>
-            </a:r>
-            <a:r>
-              <a:rPr lang="en-US" sz="1800" dirty="0">
-                <a:solidFill>
-                  <a:srgbClr val="777777"/>
-                </a:solidFill>
-                <a:latin typeface="Menlo" panose="020B0609030804020204" pitchFamily="49" charset="0"/>
-              </a:rPr>
-              <a:t>(</a:t>
-            </a:r>
-            <a:r>
-              <a:rPr lang="en-US" sz="1800" dirty="0">
-                <a:solidFill>
-                  <a:srgbClr val="9C5D27"/>
-                </a:solidFill>
-                <a:latin typeface="Menlo" panose="020B0609030804020204" pitchFamily="49" charset="0"/>
-              </a:rPr>
-              <a:t>App</a:t>
-            </a:r>
-            <a:r>
-              <a:rPr lang="en-US" sz="1800" dirty="0">
-                <a:solidFill>
-                  <a:srgbClr val="333333"/>
-                </a:solidFill>
-                <a:latin typeface="Menlo" panose="020B0609030804020204" pitchFamily="49" charset="0"/>
-              </a:rPr>
-              <a:t> </a:t>
-            </a:r>
-            <a:r>
-              <a:rPr lang="en-US" sz="1800" dirty="0">
-                <a:solidFill>
-                  <a:srgbClr val="00B050"/>
-                </a:solidFill>
-                <a:latin typeface="Menlo" panose="020B0609030804020204" pitchFamily="49" charset="0"/>
-              </a:rPr>
-              <a:t>(Var 1)</a:t>
-            </a:r>
-            <a:r>
-              <a:rPr lang="en-US" sz="1800" dirty="0">
-                <a:solidFill>
-                  <a:srgbClr val="333333"/>
-                </a:solidFill>
-                <a:latin typeface="Menlo" panose="020B0609030804020204" pitchFamily="49" charset="0"/>
-              </a:rPr>
-              <a:t> </a:t>
-            </a:r>
-            <a:r>
-              <a:rPr lang="en-US" sz="1800" dirty="0">
-                <a:solidFill>
-                  <a:schemeClr val="accent2"/>
-                </a:solidFill>
-                <a:latin typeface="Menlo" panose="020B0609030804020204" pitchFamily="49" charset="0"/>
-              </a:rPr>
-              <a:t>(Var 0)</a:t>
-            </a:r>
-            <a:r>
-              <a:rPr lang="en-US" sz="1800" dirty="0">
-                <a:solidFill>
-                  <a:srgbClr val="777777"/>
-                </a:solidFill>
-                <a:latin typeface="Menlo" panose="020B0609030804020204" pitchFamily="49" charset="0"/>
-              </a:rPr>
-              <a:t>)</a:t>
-            </a:r>
-            <a:r>
-              <a:rPr lang="en-US" sz="1800" dirty="0">
-                <a:solidFill>
-                  <a:srgbClr val="0070C0"/>
-                </a:solidFill>
-                <a:latin typeface="Menlo" panose="020B0609030804020204" pitchFamily="49" charset="0"/>
-              </a:rPr>
-              <a:t>))</a:t>
-            </a:r>
-          </a:p>
-          <a:p>
-            <a:pPr marL="0" indent="0">
-              <a:buNone/>
-            </a:pPr>
-            <a:endParaRPr lang="en-US" dirty="0">
-              <a:solidFill>
-                <a:srgbClr val="333333"/>
-              </a:solidFill>
-              <a:latin typeface="Menlo" panose="020B0609030804020204" pitchFamily="49" charset="0"/>
-            </a:endParaRPr>
-          </a:p>
-          <a:p>
-            <a:pPr marL="0" indent="0">
-              <a:buNone/>
-            </a:pPr>
-            <a:endParaRPr lang="en-US" dirty="0"/>
-          </a:p>
-        </p:txBody>
-      </p:sp>
-    </p:spTree>
-    <p:extLst>
-      <p:ext uri="{BB962C8B-B14F-4D97-AF65-F5344CB8AC3E}">
-        <p14:creationId xmlns:p14="http://schemas.microsoft.com/office/powerpoint/2010/main" val="2213290743"/>
-      </p:ext>
-    </p:extLst>
-  </p:cSld>
-  <p:clrMapOvr>
-    <a:masterClrMapping/>
-  </p:clrMapOvr>
-  <p:timing>
-    <p:tnLst>
-      <p:par>
-        <p:cTn id="1" dur="indefinite" restart="never" nodeType="tmRoot">
-          <p:childTnLst>
-            <p:seq concurrent="1" nextAc="seek">
-              <p:cTn id="2" dur="indefinite" nodeType="mainSeq">
-                <p:childTnLst>
-                  <p:par>
-                    <p:cTn id="3" fill="hold">
-                      <p:stCondLst>
-                        <p:cond delay="indefinite"/>
-                        <p:cond evt="onBegin" delay="0">
-                          <p:tn val="2"/>
-                        </p:cond>
-                      </p:stCondLst>
-                      <p:childTnLst>
-                        <p:par>
-                          <p:cTn id="4" fill="hold">
-                            <p:stCondLst>
-                              <p:cond delay="0"/>
-                            </p:stCondLst>
-                            <p:childTnLst>
-                              <p:par>
-                                <p:cTn id="5" presetID="1" presetClass="entr" presetSubtype="0" fill="hold" grpId="0" nodeType="withEffect">
-                                  <p:stCondLst>
-                                    <p:cond delay="0"/>
-                                  </p:stCondLst>
-                                  <p:childTnLst>
-                                    <p:set>
-                                      <p:cBhvr>
-                                        <p:cTn id="6" dur="1" fill="hold">
-                                          <p:stCondLst>
-                                            <p:cond delay="0"/>
-                                          </p:stCondLst>
-                                        </p:cTn>
-                                        <p:tgtEl>
-                                          <p:spTgt spid="3">
-                                            <p:txEl>
-                                              <p:pRg st="0" end="0"/>
-                                            </p:txEl>
-                                          </p:spTgt>
-                                        </p:tgtEl>
-                                        <p:attrNameLst>
-                                          <p:attrName>style.visibility</p:attrName>
-                                        </p:attrNameLst>
-                                      </p:cBhvr>
-                                      <p:to>
-                                        <p:strVal val="visible"/>
-                                      </p:to>
-                                    </p:set>
-                                  </p:childTnLst>
-                                </p:cTn>
-                              </p:par>
-                              <p:par>
-                                <p:cTn id="7" presetID="1" presetClass="entr" presetSubtype="0" fill="hold" grpId="0" nodeType="withEffect">
-                                  <p:stCondLst>
-                                    <p:cond delay="0"/>
-                                  </p:stCondLst>
-                                  <p:childTnLst>
-                                    <p:set>
-                                      <p:cBhvr>
-                                        <p:cTn id="8" dur="1" fill="hold">
-                                          <p:stCondLst>
-                                            <p:cond delay="0"/>
-                                          </p:stCondLst>
-                                        </p:cTn>
-                                        <p:tgtEl>
-                                          <p:spTgt spid="3">
-                                            <p:txEl>
-                                              <p:pRg st="1" end="1"/>
-                                            </p:txEl>
-                                          </p:spTgt>
-                                        </p:tgtEl>
-                                        <p:attrNameLst>
-                                          <p:attrName>style.visibility</p:attrName>
-                                        </p:attrNameLst>
-                                      </p:cBhvr>
-                                      <p:to>
-                                        <p:strVal val="visible"/>
-                                      </p:to>
-                                    </p:set>
-                                  </p:childTnLst>
-                                </p:cTn>
-                              </p:par>
-                              <p:par>
-                                <p:cTn id="9" presetID="1" presetClass="entr" presetSubtype="0" fill="hold" grpId="0" nodeType="withEffect">
-                                  <p:stCondLst>
-                                    <p:cond delay="0"/>
-                                  </p:stCondLst>
-                                  <p:childTnLst>
-                                    <p:set>
-                                      <p:cBhvr>
-                                        <p:cTn id="10" dur="1" fill="hold">
-                                          <p:stCondLst>
-                                            <p:cond delay="0"/>
-                                          </p:stCondLst>
-                                        </p:cTn>
-                                        <p:tgtEl>
-                                          <p:spTgt spid="3">
-                                            <p:txEl>
-                                              <p:pRg st="2" end="2"/>
-                                            </p:txEl>
-                                          </p:spTgt>
-                                        </p:tgtEl>
-                                        <p:attrNameLst>
-                                          <p:attrName>style.visibility</p:attrName>
-                                        </p:attrNameLst>
-                                      </p:cBhvr>
-                                      <p:to>
-                                        <p:strVal val="visible"/>
-                                      </p:to>
-                                    </p:set>
-                                  </p:childTnLst>
-                                </p:cTn>
-                              </p:par>
-                            </p:childTnLst>
-                          </p:cTn>
-                        </p:par>
-                      </p:childTnLst>
-                    </p:cTn>
-                  </p:par>
-                  <p:par>
-                    <p:cTn id="11" fill="hold">
-                      <p:stCondLst>
-                        <p:cond delay="indefinite"/>
-                      </p:stCondLst>
-                      <p:childTnLst>
-                        <p:par>
-                          <p:cTn id="12" fill="hold">
-                            <p:stCondLst>
-                              <p:cond delay="0"/>
-                            </p:stCondLst>
-                            <p:childTnLst>
-                              <p:par>
-                                <p:cTn id="13" presetID="1" presetClass="entr" presetSubtype="0" fill="hold" grpId="0" nodeType="clickEffect">
-                                  <p:stCondLst>
-                                    <p:cond delay="0"/>
-                                  </p:stCondLst>
-                                  <p:childTnLst>
-                                    <p:set>
-                                      <p:cBhvr>
-                                        <p:cTn id="14" dur="1" fill="hold">
-                                          <p:stCondLst>
-                                            <p:cond delay="0"/>
-                                          </p:stCondLst>
-                                        </p:cTn>
-                                        <p:tgtEl>
-                                          <p:spTgt spid="3">
-                                            <p:txEl>
-                                              <p:pRg st="3" end="3"/>
-                                            </p:txEl>
-                                          </p:spTgt>
-                                        </p:tgtEl>
-                                        <p:attrNameLst>
-                                          <p:attrName>style.visibility</p:attrName>
-                                        </p:attrNameLst>
-                                      </p:cBhvr>
-                                      <p:to>
-                                        <p:strVal val="visible"/>
-                                      </p:to>
-                                    </p:set>
-                                  </p:childTnLst>
-                                </p:cTn>
-                              </p:par>
-                            </p:childTnLst>
-                          </p:cTn>
-                        </p:par>
-                      </p:childTnLst>
-                    </p:cTn>
-                  </p:par>
-                  <p:par>
-                    <p:cTn id="15" fill="hold">
-                      <p:stCondLst>
-                        <p:cond delay="indefinite"/>
-                      </p:stCondLst>
-                      <p:childTnLst>
-                        <p:par>
-                          <p:cTn id="16" fill="hold">
-                            <p:stCondLst>
-                              <p:cond delay="0"/>
-                            </p:stCondLst>
-                            <p:childTnLst>
-                              <p:par>
-                                <p:cTn id="17" presetID="1" presetClass="entr" presetSubtype="0" fill="hold" grpId="0" nodeType="clickEffect">
-                                  <p:stCondLst>
-                                    <p:cond delay="0"/>
-                                  </p:stCondLst>
-                                  <p:childTnLst>
-                                    <p:set>
-                                      <p:cBhvr>
-                                        <p:cTn id="18" dur="1" fill="hold">
-                                          <p:stCondLst>
-                                            <p:cond delay="0"/>
-                                          </p:stCondLst>
-                                        </p:cTn>
-                                        <p:tgtEl>
-                                          <p:spTgt spid="3">
-                                            <p:txEl>
-                                              <p:pRg st="5" end="5"/>
-                                            </p:txEl>
-                                          </p:spTgt>
-                                        </p:tgtEl>
-                                        <p:attrNameLst>
-                                          <p:attrName>style.visibility</p:attrName>
-                                        </p:attrNameLst>
-                                      </p:cBhvr>
-                                      <p:to>
-                                        <p:strVal val="visible"/>
-                                      </p:to>
-                                    </p:set>
-                                  </p:childTnLst>
-                                </p:cTn>
-                              </p:par>
-                            </p:childTnLst>
-                          </p:cTn>
-                        </p:par>
-                      </p:childTnLst>
-                    </p:cTn>
-                  </p:par>
-                  <p:par>
-                    <p:cTn id="19" fill="hold">
-                      <p:stCondLst>
-                        <p:cond delay="indefinite"/>
-                      </p:stCondLst>
-                      <p:childTnLst>
-                        <p:par>
-                          <p:cTn id="20" fill="hold">
-                            <p:stCondLst>
-                              <p:cond delay="0"/>
-                            </p:stCondLst>
-                            <p:childTnLst>
-                              <p:par>
-                                <p:cTn id="21" presetID="1" presetClass="entr" presetSubtype="0" fill="hold" grpId="0" nodeType="clickEffect">
-                                  <p:stCondLst>
-                                    <p:cond delay="0"/>
-                                  </p:stCondLst>
-                                  <p:childTnLst>
-                                    <p:set>
-                                      <p:cBhvr>
-                                        <p:cTn id="22" dur="1" fill="hold">
-                                          <p:stCondLst>
-                                            <p:cond delay="0"/>
-                                          </p:stCondLst>
-                                        </p:cTn>
-                                        <p:tgtEl>
-                                          <p:spTgt spid="3">
-                                            <p:txEl>
-                                              <p:pRg st="8" end="8"/>
-                                            </p:txEl>
-                                          </p:spTgt>
-                                        </p:tgtEl>
-                                        <p:attrNameLst>
-                                          <p:attrName>style.visibility</p:attrName>
-                                        </p:attrNameLst>
-                                      </p:cBhvr>
-                                      <p:to>
-                                        <p:strVal val="visible"/>
-                                      </p:to>
-                                    </p:set>
-                                  </p:childTnLst>
-                                </p:cTn>
-                              </p:par>
-                            </p:childTnLst>
-                          </p:cTn>
-                        </p:par>
-                      </p:childTnLst>
-                    </p:cTn>
-                  </p:par>
-                  <p:par>
-                    <p:cTn id="23" fill="hold">
-                      <p:stCondLst>
-                        <p:cond delay="indefinite"/>
-                      </p:stCondLst>
-                      <p:childTnLst>
-                        <p:par>
-                          <p:cTn id="24" fill="hold">
-                            <p:stCondLst>
-                              <p:cond delay="0"/>
-                            </p:stCondLst>
-                            <p:childTnLst>
-                              <p:par>
-                                <p:cTn id="25" presetID="1" presetClass="entr" presetSubtype="0" fill="hold" grpId="0" nodeType="clickEffect">
-                                  <p:stCondLst>
-                                    <p:cond delay="0"/>
-                                  </p:stCondLst>
-                                  <p:childTnLst>
-                                    <p:set>
-                                      <p:cBhvr>
-                                        <p:cTn id="26" dur="1" fill="hold">
-                                          <p:stCondLst>
-                                            <p:cond delay="0"/>
-                                          </p:stCondLst>
-                                        </p:cTn>
-                                        <p:tgtEl>
-                                          <p:spTgt spid="3">
-                                            <p:txEl>
-                                              <p:pRg st="9" end="9"/>
-                                            </p:txEl>
-                                          </p:spTgt>
-                                        </p:tgtEl>
-                                        <p:attrNameLst>
-                                          <p:attrName>style.visibility</p:attrName>
-                                        </p:attrNameLst>
-                                      </p:cBhvr>
-                                      <p:to>
-                                        <p:strVal val="visible"/>
-                                      </p:to>
-                                    </p:set>
-                                  </p:childTnLst>
-                                </p:cTn>
-                              </p:par>
-                            </p:childTnLst>
-                          </p:cTn>
-                        </p:par>
-                      </p:childTnLst>
-                    </p:cTn>
-                  </p:par>
-                </p:childTnLst>
-              </p:cTn>
-              <p:prevCondLst>
-                <p:cond evt="onPrev" delay="0">
-                  <p:tgtEl>
-                    <p:sldTgt/>
-                  </p:tgtEl>
-                </p:cond>
-              </p:prevCondLst>
-              <p:nextCondLst>
-                <p:cond evt="onNext" delay="0">
-                  <p:tgtEl>
-                    <p:sldTgt/>
-                  </p:tgtEl>
-                </p:cond>
-              </p:nextCondLst>
-            </p:seq>
-          </p:childTnLst>
-        </p:cTn>
-      </p:par>
-    </p:tnLst>
-    <p:bldLst>
-      <p:bldP spid="3" grpId="0" uiExpand="1" build="p"/>
-    </p:bldLst>
-  </p:timing>
-</p:sld>
-</file>
-
-<file path=ppt/slides/slide14.xml><?xml version="1.0" encoding="utf-8"?>
 <p:sld xmlns:a="http://schemas.openxmlformats.org/drawingml/2006/main" xmlns:r="http://schemas.openxmlformats.org/officeDocument/2006/relationships" xmlns:p="http://schemas.openxmlformats.org/presentationml/2006/main">
   <p:cSld>
     <p:spTree>
@@ -8472,7 +6823,7 @@
 </p:sld>
 </file>
 
-<file path=ppt/slides/slide15.xml><?xml version="1.0" encoding="utf-8"?>
+<file path=ppt/slides/slide11.xml><?xml version="1.0" encoding="utf-8"?>
 <p:sld xmlns:a="http://schemas.openxmlformats.org/drawingml/2006/main" xmlns:r="http://schemas.openxmlformats.org/officeDocument/2006/relationships" xmlns:p="http://schemas.openxmlformats.org/presentationml/2006/main">
   <p:cSld>
     <p:spTree>
@@ -9264,7 +7615,7 @@
 </p:sld>
 </file>
 
-<file path=ppt/slides/slide16.xml><?xml version="1.0" encoding="utf-8"?>
+<file path=ppt/slides/slide12.xml><?xml version="1.0" encoding="utf-8"?>
 <p:sld xmlns:a="http://schemas.openxmlformats.org/drawingml/2006/main" xmlns:r="http://schemas.openxmlformats.org/officeDocument/2006/relationships" xmlns:p="http://schemas.openxmlformats.org/presentationml/2006/main">
   <p:cSld>
     <p:spTree>
@@ -9927,7 +8278,7 @@
 </p:sld>
 </file>
 
-<file path=ppt/slides/slide17.xml><?xml version="1.0" encoding="utf-8"?>
+<file path=ppt/slides/slide13.xml><?xml version="1.0" encoding="utf-8"?>
 <p:sld xmlns:a="http://schemas.openxmlformats.org/drawingml/2006/main" xmlns:r="http://schemas.openxmlformats.org/officeDocument/2006/relationships" xmlns:p="http://schemas.openxmlformats.org/presentationml/2006/main">
   <p:cSld>
     <p:spTree>
@@ -10253,7 +8604,7 @@
 </p:sld>
 </file>
 
-<file path=ppt/slides/slide18.xml><?xml version="1.0" encoding="utf-8"?>
+<file path=ppt/slides/slide14.xml><?xml version="1.0" encoding="utf-8"?>
 <p:sld xmlns:a="http://schemas.openxmlformats.org/drawingml/2006/main" xmlns:r="http://schemas.openxmlformats.org/officeDocument/2006/relationships" xmlns:p="http://schemas.openxmlformats.org/presentationml/2006/main">
   <p:cSld>
     <p:spTree>
@@ -10359,7 +8710,7 @@
 </p:sld>
 </file>
 
-<file path=ppt/slides/slide19.xml><?xml version="1.0" encoding="utf-8"?>
+<file path=ppt/slides/slide15.xml><?xml version="1.0" encoding="utf-8"?>
 <p:sld xmlns:a="http://schemas.openxmlformats.org/drawingml/2006/main" xmlns:r="http://schemas.openxmlformats.org/officeDocument/2006/relationships" xmlns:p="http://schemas.openxmlformats.org/presentationml/2006/main">
   <p:cSld>
     <p:spTree>
@@ -11612,6 +9963,713 @@
     <p:extLst>
       <p:ext uri="{BB962C8B-B14F-4D97-AF65-F5344CB8AC3E}">
         <p14:creationId xmlns:p14="http://schemas.microsoft.com/office/powerpoint/2010/main" val="2959770810"/>
+      </p:ext>
+    </p:extLst>
+  </p:cSld>
+  <p:clrMapOvr>
+    <a:masterClrMapping/>
+  </p:clrMapOvr>
+</p:sld>
+</file>
+
+<file path=ppt/slides/slide16.xml><?xml version="1.0" encoding="utf-8"?>
+<p:sld xmlns:a="http://schemas.openxmlformats.org/drawingml/2006/main" xmlns:r="http://schemas.openxmlformats.org/officeDocument/2006/relationships" xmlns:p="http://schemas.openxmlformats.org/presentationml/2006/main">
+  <p:cSld>
+    <p:spTree>
+      <p:nvGrpSpPr>
+        <p:cNvPr id="1" name=""/>
+        <p:cNvGrpSpPr/>
+        <p:nvPr/>
+      </p:nvGrpSpPr>
+      <p:grpSpPr>
+        <a:xfrm>
+          <a:off x="0" y="0"/>
+          <a:ext cx="0" cy="0"/>
+          <a:chOff x="0" y="0"/>
+          <a:chExt cx="0" cy="0"/>
+        </a:xfrm>
+      </p:grpSpPr>
+      <p:sp>
+        <p:nvSpPr>
+          <p:cNvPr id="2" name="Title 1">
+            <a:extLst>
+              <a:ext uri="{FF2B5EF4-FFF2-40B4-BE49-F238E27FC236}">
+                <a16:creationId xmlns:a16="http://schemas.microsoft.com/office/drawing/2014/main" id="{704660F2-E4FA-414B-886C-A539FB3FBCB9}"/>
+              </a:ext>
+            </a:extLst>
+          </p:cNvPr>
+          <p:cNvSpPr>
+            <a:spLocks noGrp="1"/>
+          </p:cNvSpPr>
+          <p:nvPr>
+            <p:ph type="title"/>
+          </p:nvPr>
+        </p:nvSpPr>
+        <p:spPr/>
+        <p:txBody>
+          <a:bodyPr/>
+          <a:lstStyle/>
+          <a:p>
+            <a:r>
+              <a:rPr lang="en-US" dirty="0"/>
+              <a:t>Parallel substitution variations</a:t>
+            </a:r>
+          </a:p>
+        </p:txBody>
+      </p:sp>
+      <p:sp>
+        <p:nvSpPr>
+          <p:cNvPr id="3" name="Content Placeholder 2">
+            <a:extLst>
+              <a:ext uri="{FF2B5EF4-FFF2-40B4-BE49-F238E27FC236}">
+                <a16:creationId xmlns:a16="http://schemas.microsoft.com/office/drawing/2014/main" id="{B4D2CDAE-7A52-9D42-966E-BA0FF5C37333}"/>
+              </a:ext>
+            </a:extLst>
+          </p:cNvPr>
+          <p:cNvSpPr>
+            <a:spLocks noGrp="1"/>
+          </p:cNvSpPr>
+          <p:nvPr>
+            <p:ph idx="1"/>
+          </p:nvPr>
+        </p:nvSpPr>
+        <p:spPr/>
+        <p:txBody>
+          <a:bodyPr/>
+          <a:lstStyle/>
+          <a:p>
+            <a:r>
+              <a:rPr lang="en-US" dirty="0" err="1"/>
+              <a:t>L.hs</a:t>
+            </a:r>
+            <a:r>
+              <a:rPr lang="en-US" dirty="0"/>
+              <a:t> -- infinite lists</a:t>
+            </a:r>
+          </a:p>
+          <a:p>
+            <a:r>
+              <a:rPr lang="en-US" dirty="0" err="1"/>
+              <a:t>F.hs</a:t>
+            </a:r>
+            <a:r>
+              <a:rPr lang="en-US" dirty="0"/>
+              <a:t> -- functions (Nat -&gt; Exp), with an algebra of operations</a:t>
+            </a:r>
+          </a:p>
+          <a:p>
+            <a:r>
+              <a:rPr lang="en-US" dirty="0" err="1"/>
+              <a:t>P.hs</a:t>
+            </a:r>
+            <a:r>
+              <a:rPr lang="en-US" dirty="0"/>
+              <a:t> – defunctionalized</a:t>
+            </a:r>
+          </a:p>
+          <a:p>
+            <a:r>
+              <a:rPr lang="en-US" dirty="0" err="1"/>
+              <a:t>B.hs</a:t>
+            </a:r>
+            <a:r>
+              <a:rPr lang="en-US" dirty="0"/>
+              <a:t> – delay substitutions at binders so that multiple defunctionalized substitutions can be fused</a:t>
+            </a:r>
+          </a:p>
+          <a:p>
+            <a:pPr marL="0" indent="0">
+              <a:buNone/>
+            </a:pPr>
+            <a:r>
+              <a:rPr lang="en-US" dirty="0"/>
+              <a:t>   </a:t>
+            </a:r>
+            <a:endParaRPr lang="en-US" sz="1800" dirty="0"/>
+          </a:p>
+        </p:txBody>
+      </p:sp>
+    </p:spTree>
+    <p:extLst>
+      <p:ext uri="{BB962C8B-B14F-4D97-AF65-F5344CB8AC3E}">
+        <p14:creationId xmlns:p14="http://schemas.microsoft.com/office/powerpoint/2010/main" val="2737170821"/>
+      </p:ext>
+    </p:extLst>
+  </p:cSld>
+  <p:clrMapOvr>
+    <a:masterClrMapping/>
+  </p:clrMapOvr>
+</p:sld>
+</file>
+
+<file path=ppt/slides/slide17.xml><?xml version="1.0" encoding="utf-8"?>
+<p:sld xmlns:a="http://schemas.openxmlformats.org/drawingml/2006/main" xmlns:r="http://schemas.openxmlformats.org/officeDocument/2006/relationships" xmlns:p="http://schemas.openxmlformats.org/presentationml/2006/main">
+  <p:cSld>
+    <p:spTree>
+      <p:nvGrpSpPr>
+        <p:cNvPr id="1" name=""/>
+        <p:cNvGrpSpPr/>
+        <p:nvPr/>
+      </p:nvGrpSpPr>
+      <p:grpSpPr>
+        <a:xfrm>
+          <a:off x="0" y="0"/>
+          <a:ext cx="0" cy="0"/>
+          <a:chOff x="0" y="0"/>
+          <a:chExt cx="0" cy="0"/>
+        </a:xfrm>
+      </p:grpSpPr>
+      <p:sp>
+        <p:nvSpPr>
+          <p:cNvPr id="2" name="Title 1">
+            <a:extLst>
+              <a:ext uri="{FF2B5EF4-FFF2-40B4-BE49-F238E27FC236}">
+                <a16:creationId xmlns:a16="http://schemas.microsoft.com/office/drawing/2014/main" id="{3CD3C96D-A589-8041-A366-2D0197C3FC4A}"/>
+              </a:ext>
+            </a:extLst>
+          </p:cNvPr>
+          <p:cNvSpPr>
+            <a:spLocks noGrp="1"/>
+          </p:cNvSpPr>
+          <p:nvPr>
+            <p:ph type="title"/>
+          </p:nvPr>
+        </p:nvSpPr>
+        <p:spPr/>
+        <p:txBody>
+          <a:bodyPr/>
+          <a:lstStyle/>
+          <a:p>
+            <a:r>
+              <a:rPr lang="en-US" dirty="0"/>
+              <a:t>Variation – Well-Scoped representations</a:t>
+            </a:r>
+          </a:p>
+        </p:txBody>
+      </p:sp>
+      <p:sp>
+        <p:nvSpPr>
+          <p:cNvPr id="3" name="Content Placeholder 2">
+            <a:extLst>
+              <a:ext uri="{FF2B5EF4-FFF2-40B4-BE49-F238E27FC236}">
+                <a16:creationId xmlns:a16="http://schemas.microsoft.com/office/drawing/2014/main" id="{2AD4E71A-62B6-1E47-AF4C-26BF63FEC416}"/>
+              </a:ext>
+            </a:extLst>
+          </p:cNvPr>
+          <p:cNvSpPr>
+            <a:spLocks noGrp="1"/>
+          </p:cNvSpPr>
+          <p:nvPr>
+            <p:ph idx="1"/>
+          </p:nvPr>
+        </p:nvSpPr>
+        <p:spPr/>
+        <p:txBody>
+          <a:bodyPr/>
+          <a:lstStyle/>
+          <a:p>
+            <a:r>
+              <a:rPr lang="en-US" dirty="0"/>
+              <a:t>Difficult interface with de Bruijn indices --- need to remember to shift when terms change scope!</a:t>
+            </a:r>
+          </a:p>
+          <a:p>
+            <a:r>
+              <a:rPr lang="en-US" dirty="0"/>
+              <a:t>Solution: use types to describe the scope</a:t>
+            </a:r>
+          </a:p>
+          <a:p>
+            <a:pPr lvl="1"/>
+            <a:r>
+              <a:rPr lang="en-US" dirty="0"/>
+              <a:t>Nested</a:t>
+            </a:r>
+          </a:p>
+          <a:p>
+            <a:pPr lvl="1"/>
+            <a:r>
+              <a:rPr lang="en-US" dirty="0"/>
+              <a:t>Bound</a:t>
+            </a:r>
+          </a:p>
+          <a:p>
+            <a:pPr lvl="1"/>
+            <a:r>
+              <a:rPr lang="en-US" dirty="0"/>
+              <a:t>CPDT</a:t>
+            </a:r>
+          </a:p>
+          <a:p>
+            <a:pPr lvl="1"/>
+            <a:r>
+              <a:rPr lang="en-US" dirty="0"/>
+              <a:t>Kit </a:t>
+            </a:r>
+          </a:p>
+          <a:p>
+            <a:pPr lvl="1"/>
+            <a:r>
+              <a:rPr lang="en-US" dirty="0"/>
+              <a:t>Scoped</a:t>
+            </a:r>
+          </a:p>
+          <a:p>
+            <a:r>
+              <a:rPr lang="en-US" dirty="0"/>
+              <a:t>In Haskell, these representations can be difficult to work with, but if you get it to type check, you can be confident of the results.</a:t>
+            </a:r>
+          </a:p>
+        </p:txBody>
+      </p:sp>
+    </p:spTree>
+    <p:extLst>
+      <p:ext uri="{BB962C8B-B14F-4D97-AF65-F5344CB8AC3E}">
+        <p14:creationId xmlns:p14="http://schemas.microsoft.com/office/powerpoint/2010/main" val="765534053"/>
+      </p:ext>
+    </p:extLst>
+  </p:cSld>
+  <p:clrMapOvr>
+    <a:masterClrMapping/>
+  </p:clrMapOvr>
+</p:sld>
+</file>
+
+<file path=ppt/slides/slide18.xml><?xml version="1.0" encoding="utf-8"?>
+<p:sld xmlns:a="http://schemas.openxmlformats.org/drawingml/2006/main" xmlns:r="http://schemas.openxmlformats.org/officeDocument/2006/relationships" xmlns:p="http://schemas.openxmlformats.org/presentationml/2006/main">
+  <p:cSld>
+    <p:spTree>
+      <p:nvGrpSpPr>
+        <p:cNvPr id="1" name=""/>
+        <p:cNvGrpSpPr/>
+        <p:nvPr/>
+      </p:nvGrpSpPr>
+      <p:grpSpPr>
+        <a:xfrm>
+          <a:off x="0" y="0"/>
+          <a:ext cx="0" cy="0"/>
+          <a:chOff x="0" y="0"/>
+          <a:chExt cx="0" cy="0"/>
+        </a:xfrm>
+      </p:grpSpPr>
+      <p:sp>
+        <p:nvSpPr>
+          <p:cNvPr id="2" name="Title 1">
+            <a:extLst>
+              <a:ext uri="{FF2B5EF4-FFF2-40B4-BE49-F238E27FC236}">
+                <a16:creationId xmlns:a16="http://schemas.microsoft.com/office/drawing/2014/main" id="{094B1D40-F57D-8844-B21A-8223249DBE44}"/>
+              </a:ext>
+            </a:extLst>
+          </p:cNvPr>
+          <p:cNvSpPr>
+            <a:spLocks noGrp="1"/>
+          </p:cNvSpPr>
+          <p:nvPr>
+            <p:ph type="title"/>
+          </p:nvPr>
+        </p:nvSpPr>
+        <p:spPr/>
+        <p:txBody>
+          <a:bodyPr>
+            <a:normAutofit/>
+          </a:bodyPr>
+          <a:lstStyle/>
+          <a:p>
+            <a:r>
+              <a:rPr lang="en-US" dirty="0"/>
+              <a:t>Stop implementing de Bruijn substitution!</a:t>
+            </a:r>
+          </a:p>
+        </p:txBody>
+      </p:sp>
+      <p:sp>
+        <p:nvSpPr>
+          <p:cNvPr id="3" name="Content Placeholder 2">
+            <a:extLst>
+              <a:ext uri="{FF2B5EF4-FFF2-40B4-BE49-F238E27FC236}">
+                <a16:creationId xmlns:a16="http://schemas.microsoft.com/office/drawing/2014/main" id="{5EF6CF90-9EE3-D243-8BA5-66D6852F7C83}"/>
+              </a:ext>
+            </a:extLst>
+          </p:cNvPr>
+          <p:cNvSpPr>
+            <a:spLocks noGrp="1"/>
+          </p:cNvSpPr>
+          <p:nvPr>
+            <p:ph idx="1"/>
+          </p:nvPr>
+        </p:nvSpPr>
+        <p:spPr>
+          <a:xfrm>
+            <a:off x="375153" y="1168924"/>
+            <a:ext cx="7050580" cy="3463799"/>
+          </a:xfrm>
+        </p:spPr>
+        <p:txBody>
+          <a:bodyPr/>
+          <a:lstStyle/>
+          <a:p>
+            <a:r>
+              <a:rPr lang="en-US" i="1" dirty="0"/>
+              <a:t>All</a:t>
+            </a:r>
+            <a:r>
+              <a:rPr lang="en-US" dirty="0"/>
+              <a:t> implementations amenable to library support</a:t>
+            </a:r>
+          </a:p>
+          <a:p>
+            <a:pPr lvl="1"/>
+            <a:r>
+              <a:rPr lang="en-US" dirty="0"/>
+              <a:t>Alpha-equivalence already for free via derive Eq</a:t>
+            </a:r>
+          </a:p>
+          <a:p>
+            <a:pPr lvl="1"/>
+            <a:r>
+              <a:rPr lang="en-US" dirty="0"/>
+              <a:t>For substitution, users need only implement "</a:t>
+            </a:r>
+            <a:r>
+              <a:rPr lang="en-US" dirty="0" err="1"/>
+              <a:t>tmMap</a:t>
+            </a:r>
+            <a:r>
+              <a:rPr lang="en-US" dirty="0"/>
+              <a:t>" or something similar</a:t>
+            </a:r>
+          </a:p>
+          <a:p>
+            <a:r>
+              <a:rPr lang="en-US" dirty="0"/>
+              <a:t>Bound library</a:t>
+            </a:r>
+          </a:p>
+          <a:p>
+            <a:pPr lvl="1"/>
+            <a:r>
+              <a:rPr lang="en-US" dirty="0"/>
+              <a:t>parameterize exp by type for variables, then can use </a:t>
+            </a:r>
+            <a:r>
+              <a:rPr lang="en-US" dirty="0" err="1"/>
+              <a:t>DeriveFunctor</a:t>
+            </a:r>
+            <a:endParaRPr lang="en-US" dirty="0"/>
+          </a:p>
+          <a:p>
+            <a:pPr lvl="1"/>
+            <a:r>
+              <a:rPr lang="en-US" dirty="0"/>
+              <a:t>cost: only a single variable sort</a:t>
+            </a:r>
+          </a:p>
+          <a:p>
+            <a:r>
+              <a:rPr lang="en-US" dirty="0"/>
+              <a:t>In Coq: </a:t>
+            </a:r>
+            <a:r>
+              <a:rPr lang="en-US" dirty="0" err="1"/>
+              <a:t>Dblib</a:t>
+            </a:r>
+            <a:r>
+              <a:rPr lang="en-US" dirty="0"/>
+              <a:t>, </a:t>
+            </a:r>
+            <a:r>
+              <a:rPr lang="en-US" dirty="0" err="1"/>
+              <a:t>Autosubst</a:t>
+            </a:r>
+            <a:r>
+              <a:rPr lang="en-US" dirty="0"/>
+              <a:t>, Tealeaves </a:t>
+            </a:r>
+          </a:p>
+          <a:p>
+            <a:r>
+              <a:rPr lang="en-US" b="1" dirty="0"/>
+              <a:t>Project</a:t>
+            </a:r>
+            <a:r>
+              <a:rPr lang="en-US" dirty="0"/>
+              <a:t>: Create a library that uses </a:t>
+            </a:r>
+            <a:r>
+              <a:rPr lang="en-US" dirty="0" err="1"/>
+              <a:t>GHC.Generics</a:t>
+            </a:r>
+            <a:r>
+              <a:rPr lang="en-US" dirty="0"/>
+              <a:t> or </a:t>
+            </a:r>
+            <a:r>
+              <a:rPr lang="en-US" dirty="0" err="1"/>
+              <a:t>TemplateHaskell</a:t>
+            </a:r>
+            <a:r>
+              <a:rPr lang="en-US" dirty="0"/>
+              <a:t> to derive the appropriate mapping operation (similar to unbound library)</a:t>
+            </a:r>
+          </a:p>
+        </p:txBody>
+      </p:sp>
+    </p:spTree>
+    <p:extLst>
+      <p:ext uri="{BB962C8B-B14F-4D97-AF65-F5344CB8AC3E}">
+        <p14:creationId xmlns:p14="http://schemas.microsoft.com/office/powerpoint/2010/main" val="2173328265"/>
+      </p:ext>
+    </p:extLst>
+  </p:cSld>
+  <p:clrMapOvr>
+    <a:masterClrMapping/>
+  </p:clrMapOvr>
+</p:sld>
+</file>
+
+<file path=ppt/slides/slide19.xml><?xml version="1.0" encoding="utf-8"?>
+<p:sld xmlns:a="http://schemas.openxmlformats.org/drawingml/2006/main" xmlns:r="http://schemas.openxmlformats.org/officeDocument/2006/relationships" xmlns:p="http://schemas.openxmlformats.org/presentationml/2006/main">
+  <p:cSld>
+    <p:spTree>
+      <p:nvGrpSpPr>
+        <p:cNvPr id="1" name=""/>
+        <p:cNvGrpSpPr/>
+        <p:nvPr/>
+      </p:nvGrpSpPr>
+      <p:grpSpPr>
+        <a:xfrm>
+          <a:off x="0" y="0"/>
+          <a:ext cx="0" cy="0"/>
+          <a:chOff x="0" y="0"/>
+          <a:chExt cx="0" cy="0"/>
+        </a:xfrm>
+      </p:grpSpPr>
+      <p:sp>
+        <p:nvSpPr>
+          <p:cNvPr id="2" name="Title 1">
+            <a:extLst>
+              <a:ext uri="{FF2B5EF4-FFF2-40B4-BE49-F238E27FC236}">
+                <a16:creationId xmlns:a16="http://schemas.microsoft.com/office/drawing/2014/main" id="{AD3D31AE-D610-4844-8B58-4926BBBEA90C}"/>
+              </a:ext>
+            </a:extLst>
+          </p:cNvPr>
+          <p:cNvSpPr>
+            <a:spLocks noGrp="1"/>
+          </p:cNvSpPr>
+          <p:nvPr>
+            <p:ph type="title"/>
+          </p:nvPr>
+        </p:nvSpPr>
+        <p:spPr/>
+        <p:txBody>
+          <a:bodyPr>
+            <a:normAutofit/>
+          </a:bodyPr>
+          <a:lstStyle/>
+          <a:p>
+            <a:r>
+              <a:rPr lang="en-US" dirty="0"/>
+              <a:t>Summary – de Bruijn indices</a:t>
+            </a:r>
+          </a:p>
+        </p:txBody>
+      </p:sp>
+      <p:graphicFrame>
+        <p:nvGraphicFramePr>
+          <p:cNvPr id="4" name="Table 4">
+            <a:extLst>
+              <a:ext uri="{FF2B5EF4-FFF2-40B4-BE49-F238E27FC236}">
+                <a16:creationId xmlns:a16="http://schemas.microsoft.com/office/drawing/2014/main" id="{D94EE6BB-93F9-1A4E-82CD-C9887E123814}"/>
+              </a:ext>
+            </a:extLst>
+          </p:cNvPr>
+          <p:cNvGraphicFramePr>
+            <a:graphicFrameLocks noGrp="1"/>
+          </p:cNvGraphicFramePr>
+          <p:nvPr>
+            <p:extLst>
+              <p:ext uri="{D42A27DB-BD31-4B8C-83A1-F6EECF244321}">
+                <p14:modId xmlns:p14="http://schemas.microsoft.com/office/powerpoint/2010/main" val="4208171352"/>
+              </p:ext>
+            </p:extLst>
+          </p:nvPr>
+        </p:nvGraphicFramePr>
+        <p:xfrm>
+          <a:off x="468922" y="1123950"/>
+          <a:ext cx="7886700" cy="3015972"/>
+        </p:xfrm>
+        <a:graphic>
+          <a:graphicData uri="http://schemas.openxmlformats.org/drawingml/2006/table">
+            <a:tbl>
+              <a:tblPr firstRow="1" firstCol="1" bandRow="1">
+                <a:tableStyleId>{5C22544A-7EE6-4342-B048-85BDC9FD1C3A}</a:tableStyleId>
+              </a:tblPr>
+              <a:tblGrid>
+                <a:gridCol w="2194625">
+                  <a:extLst>
+                    <a:ext uri="{9D8B030D-6E8A-4147-A177-3AD203B41FA5}">
+                      <a16:colId xmlns:a16="http://schemas.microsoft.com/office/drawing/2014/main" val="1170218546"/>
+                    </a:ext>
+                  </a:extLst>
+                </a:gridCol>
+                <a:gridCol w="2641983">
+                  <a:extLst>
+                    <a:ext uri="{9D8B030D-6E8A-4147-A177-3AD203B41FA5}">
+                      <a16:colId xmlns:a16="http://schemas.microsoft.com/office/drawing/2014/main" val="1611866283"/>
+                    </a:ext>
+                  </a:extLst>
+                </a:gridCol>
+                <a:gridCol w="3050092">
+                  <a:extLst>
+                    <a:ext uri="{9D8B030D-6E8A-4147-A177-3AD203B41FA5}">
+                      <a16:colId xmlns:a16="http://schemas.microsoft.com/office/drawing/2014/main" val="1837911558"/>
+                    </a:ext>
+                  </a:extLst>
+                </a:gridCol>
+              </a:tblGrid>
+              <a:tr h="1005324">
+                <a:tc>
+                  <a:txBody>
+                    <a:bodyPr/>
+                    <a:lstStyle/>
+                    <a:p>
+                      <a:endParaRPr lang="en-US" sz="2400" dirty="0"/>
+                    </a:p>
+                  </a:txBody>
+                  <a:tcPr/>
+                </a:tc>
+                <a:tc>
+                  <a:txBody>
+                    <a:bodyPr/>
+                    <a:lstStyle/>
+                    <a:p>
+                      <a:r>
+                        <a:rPr lang="en-US" sz="2400" dirty="0"/>
+                        <a:t>Simply-typed expressions</a:t>
+                      </a:r>
+                    </a:p>
+                  </a:txBody>
+                  <a:tcPr/>
+                </a:tc>
+                <a:tc>
+                  <a:txBody>
+                    <a:bodyPr/>
+                    <a:lstStyle/>
+                    <a:p>
+                      <a:r>
+                        <a:rPr lang="en-US" sz="2400" dirty="0"/>
+                        <a:t>Well-scoped expressions</a:t>
+                      </a:r>
+                    </a:p>
+                  </a:txBody>
+                  <a:tcPr/>
+                </a:tc>
+                <a:extLst>
+                  <a:ext uri="{0D108BD9-81ED-4DB2-BD59-A6C34878D82A}">
+                    <a16:rowId xmlns:a16="http://schemas.microsoft.com/office/drawing/2014/main" val="1255493521"/>
+                  </a:ext>
+                </a:extLst>
+              </a:tr>
+              <a:tr h="1005324">
+                <a:tc>
+                  <a:txBody>
+                    <a:bodyPr/>
+                    <a:lstStyle/>
+                    <a:p>
+                      <a:r>
+                        <a:rPr lang="en-US" sz="2400" dirty="0"/>
+                        <a:t>Single substitutions</a:t>
+                      </a:r>
+                    </a:p>
+                  </a:txBody>
+                  <a:tcPr/>
+                </a:tc>
+                <a:tc>
+                  <a:txBody>
+                    <a:bodyPr/>
+                    <a:lstStyle/>
+                    <a:p>
+                      <a:r>
+                        <a:rPr lang="en-US" sz="2400" dirty="0"/>
+                        <a:t>TAPL, Lennart, Cornell, Lift</a:t>
+                      </a:r>
+                    </a:p>
+                  </a:txBody>
+                  <a:tcPr/>
+                </a:tc>
+                <a:tc>
+                  <a:txBody>
+                    <a:bodyPr/>
+                    <a:lstStyle/>
+                    <a:p>
+                      <a:r>
+                        <a:rPr lang="en-US" sz="2400" dirty="0"/>
+                        <a:t>Nested, Bound, CPDT</a:t>
+                      </a:r>
+                    </a:p>
+                  </a:txBody>
+                  <a:tcPr/>
+                </a:tc>
+                <a:extLst>
+                  <a:ext uri="{0D108BD9-81ED-4DB2-BD59-A6C34878D82A}">
+                    <a16:rowId xmlns:a16="http://schemas.microsoft.com/office/drawing/2014/main" val="333119422"/>
+                  </a:ext>
+                </a:extLst>
+              </a:tr>
+              <a:tr h="1005324">
+                <a:tc>
+                  <a:txBody>
+                    <a:bodyPr/>
+                    <a:lstStyle/>
+                    <a:p>
+                      <a:r>
+                        <a:rPr lang="en-US" sz="2400" dirty="0"/>
+                        <a:t>Parallel substitutions</a:t>
+                      </a:r>
+                    </a:p>
+                  </a:txBody>
+                  <a:tcPr/>
+                </a:tc>
+                <a:tc>
+                  <a:txBody>
+                    <a:bodyPr/>
+                    <a:lstStyle/>
+                    <a:p>
+                      <a:r>
+                        <a:rPr lang="en-US" sz="2400" dirty="0"/>
+                        <a:t>L, F, P, B</a:t>
+                      </a:r>
+                    </a:p>
+                  </a:txBody>
+                  <a:tcPr/>
+                </a:tc>
+                <a:tc>
+                  <a:txBody>
+                    <a:bodyPr/>
+                    <a:lstStyle/>
+                    <a:p>
+                      <a:r>
+                        <a:rPr lang="en-US" sz="2400" dirty="0"/>
+                        <a:t>Kit (like F), Scoped (like B)</a:t>
+                      </a:r>
+                    </a:p>
+                  </a:txBody>
+                  <a:tcPr/>
+                </a:tc>
+                <a:extLst>
+                  <a:ext uri="{0D108BD9-81ED-4DB2-BD59-A6C34878D82A}">
+                    <a16:rowId xmlns:a16="http://schemas.microsoft.com/office/drawing/2014/main" val="2982434139"/>
+                  </a:ext>
+                </a:extLst>
+              </a:tr>
+            </a:tbl>
+          </a:graphicData>
+        </a:graphic>
+      </p:graphicFrame>
+    </p:spTree>
+    <p:extLst>
+      <p:ext uri="{BB962C8B-B14F-4D97-AF65-F5344CB8AC3E}">
+        <p14:creationId xmlns:p14="http://schemas.microsoft.com/office/powerpoint/2010/main" val="3259098118"/>
       </p:ext>
     </p:extLst>
   </p:cSld>
@@ -12437,7 +11495,7 @@
           <p:cNvPr id="2" name="Title 1">
             <a:extLst>
               <a:ext uri="{FF2B5EF4-FFF2-40B4-BE49-F238E27FC236}">
-                <a16:creationId xmlns:a16="http://schemas.microsoft.com/office/drawing/2014/main" id="{704660F2-E4FA-414B-886C-A539FB3FBCB9}"/>
+                <a16:creationId xmlns:a16="http://schemas.microsoft.com/office/drawing/2014/main" id="{7A474519-AB07-354B-89FF-A89A018A4CB5}"/>
               </a:ext>
             </a:extLst>
           </p:cNvPr>
@@ -12455,7 +11513,7 @@
           <a:p>
             <a:r>
               <a:rPr lang="en-US" dirty="0"/>
-              <a:t>Parallel substitution variations</a:t>
+              <a:t>Benchmarks</a:t>
             </a:r>
           </a:p>
         </p:txBody>
@@ -12465,7 +11523,7 @@
           <p:cNvPr id="3" name="Content Placeholder 2">
             <a:extLst>
               <a:ext uri="{FF2B5EF4-FFF2-40B4-BE49-F238E27FC236}">
-                <a16:creationId xmlns:a16="http://schemas.microsoft.com/office/drawing/2014/main" id="{B4D2CDAE-7A52-9D42-966E-BA0FF5C37333}"/>
+                <a16:creationId xmlns:a16="http://schemas.microsoft.com/office/drawing/2014/main" id="{88F9C340-EB43-9B4C-B963-C8EBCA72AA95}"/>
               </a:ext>
             </a:extLst>
           </p:cNvPr>
@@ -12481,44 +11539,38 @@
           <a:bodyPr/>
           <a:lstStyle/>
           <a:p>
-            <a:r>
-              <a:rPr lang="en-US" dirty="0" err="1"/>
-              <a:t>L.hs</a:t>
-            </a:r>
+            <a:pPr marL="0" indent="0">
+              <a:buNone/>
+            </a:pPr>
             <a:r>
               <a:rPr lang="en-US" dirty="0"/>
-              <a:t> -- infinite lists</a:t>
-            </a:r>
-          </a:p>
-          <a:p>
-            <a:r>
-              <a:rPr lang="en-US" dirty="0" err="1"/>
-              <a:t>F.hs</a:t>
-            </a:r>
+              <a:t>Alpha-equivalence</a:t>
+            </a:r>
+          </a:p>
+          <a:p>
+            <a:pPr lvl="1"/>
             <a:r>
               <a:rPr lang="en-US" dirty="0"/>
-              <a:t> -- functions (Nat -&gt; Exp), with an algebra of operations</a:t>
-            </a:r>
-          </a:p>
-          <a:p>
-            <a:r>
-              <a:rPr lang="en-US" dirty="0" err="1"/>
-              <a:t>P.hs</a:t>
-            </a:r>
+              <a:t>compare a large term with itself</a:t>
+            </a:r>
+          </a:p>
+          <a:p>
+            <a:pPr lvl="1"/>
             <a:r>
               <a:rPr lang="en-US" dirty="0"/>
-              <a:t> – defunctionalized</a:t>
-            </a:r>
-          </a:p>
-          <a:p>
-            <a:r>
-              <a:rPr lang="en-US" dirty="0" err="1"/>
-              <a:t>B.hs</a:t>
-            </a:r>
+              <a:t>compare a large term with its "freshened" version</a:t>
+            </a:r>
+          </a:p>
+          <a:p>
+            <a:pPr lvl="1"/>
             <a:r>
               <a:rPr lang="en-US" dirty="0"/>
-              <a:t> – delay substitutions at binders so that multiple defunctionalized substitutions can be fused</a:t>
-            </a:r>
+              <a:t>TODO: compare a large term with a randomly freshened version (what percentage of binders)?</a:t>
+            </a:r>
+          </a:p>
+          <a:p>
+            <a:pPr lvl="1"/>
+            <a:endParaRPr lang="en-US" dirty="0"/>
           </a:p>
           <a:p>
             <a:pPr marL="0" indent="0">
@@ -12526,16 +11578,51 @@
             </a:pPr>
             <a:r>
               <a:rPr lang="en-US" dirty="0"/>
-              <a:t>   </a:t>
-            </a:r>
-            <a:endParaRPr lang="en-US" sz="1800" dirty="0"/>
+              <a:t>Substitution</a:t>
+            </a:r>
+          </a:p>
+          <a:p>
+            <a:r>
+              <a:rPr lang="en-US" dirty="0"/>
+              <a:t>Performance of substitution operation often tangled with "optimal reduction" (a separate problem)</a:t>
+            </a:r>
+          </a:p>
+          <a:p>
+            <a:pPr marL="0" indent="0">
+              <a:buNone/>
+            </a:pPr>
+            <a:r>
+              <a:rPr lang="en-US" dirty="0"/>
+              <a:t> --- use normal-order reduction of terms to generate many calls to substitution operation</a:t>
+            </a:r>
+          </a:p>
+          <a:p>
+            <a:pPr lvl="1"/>
+            <a:r>
+              <a:rPr lang="en-US" dirty="0"/>
+              <a:t>random terms (careful with generation)</a:t>
+            </a:r>
+          </a:p>
+          <a:p>
+            <a:pPr lvl="1"/>
+            <a:r>
+              <a:rPr lang="en-US" dirty="0"/>
+              <a:t>constructed terms (catch linear/quadratic behavior)</a:t>
+            </a:r>
+          </a:p>
+          <a:p>
+            <a:pPr lvl="1"/>
+            <a:r>
+              <a:rPr lang="en-US" dirty="0"/>
+              <a:t>Lennart's term</a:t>
+            </a:r>
           </a:p>
         </p:txBody>
       </p:sp>
     </p:spTree>
     <p:extLst>
       <p:ext uri="{BB962C8B-B14F-4D97-AF65-F5344CB8AC3E}">
-        <p14:creationId xmlns:p14="http://schemas.microsoft.com/office/powerpoint/2010/main" val="2737170821"/>
+        <p14:creationId xmlns:p14="http://schemas.microsoft.com/office/powerpoint/2010/main" val="91782942"/>
       </p:ext>
     </p:extLst>
   </p:cSld>
@@ -12567,7 +11654,7 @@
           <p:cNvPr id="2" name="Title 1">
             <a:extLst>
               <a:ext uri="{FF2B5EF4-FFF2-40B4-BE49-F238E27FC236}">
-                <a16:creationId xmlns:a16="http://schemas.microsoft.com/office/drawing/2014/main" id="{3CD3C96D-A589-8041-A366-2D0197C3FC4A}"/>
+                <a16:creationId xmlns:a16="http://schemas.microsoft.com/office/drawing/2014/main" id="{31CE90A3-F3ED-8A4B-BE9B-89C47878CF3C}"/>
               </a:ext>
             </a:extLst>
           </p:cNvPr>
@@ -12585,7 +11672,7 @@
           <a:p>
             <a:r>
               <a:rPr lang="en-US" dirty="0"/>
-              <a:t>Variation – Well-Scoped representations</a:t>
+              <a:t>Normal-order evaluation</a:t>
             </a:r>
           </a:p>
         </p:txBody>
@@ -12595,7 +11682,7 @@
           <p:cNvPr id="3" name="Content Placeholder 2">
             <a:extLst>
               <a:ext uri="{FF2B5EF4-FFF2-40B4-BE49-F238E27FC236}">
-                <a16:creationId xmlns:a16="http://schemas.microsoft.com/office/drawing/2014/main" id="{2AD4E71A-62B6-1E47-AF4C-26BF63FEC416}"/>
+                <a16:creationId xmlns:a16="http://schemas.microsoft.com/office/drawing/2014/main" id="{BAA6846D-76C8-AC41-ABB4-89529BF5892C}"/>
               </a:ext>
             </a:extLst>
           </p:cNvPr>
@@ -12613,54 +11700,76 @@
           <a:p>
             <a:r>
               <a:rPr lang="en-US" dirty="0"/>
-              <a:t>Difficult interface with de Bruijn indices --- need to remember to shift when terms change scope!</a:t>
-            </a:r>
-          </a:p>
-          <a:p>
+              <a:t>Always reduce the leftmost outermost </a:t>
+            </a:r>
+            <a:r>
+              <a:rPr lang="en-US" dirty="0" err="1"/>
+              <a:t>redex</a:t>
+            </a:r>
             <a:r>
               <a:rPr lang="en-US" dirty="0"/>
-              <a:t>Solution: use types to describe the scope</a:t>
-            </a:r>
-          </a:p>
-          <a:p>
-            <a:pPr lvl="1"/>
+              <a:t> at each step.</a:t>
+            </a:r>
+          </a:p>
+          <a:p>
             <a:r>
               <a:rPr lang="en-US" dirty="0"/>
-              <a:t>Nested</a:t>
-            </a:r>
-          </a:p>
-          <a:p>
-            <a:pPr lvl="1"/>
+              <a:t>Whenever possible the arguments are substituted into the body of an abstraction </a:t>
+            </a:r>
+            <a:r>
+              <a:rPr lang="en-US" i="1" dirty="0"/>
+              <a:t>before</a:t>
+            </a:r>
             <a:r>
               <a:rPr lang="en-US" dirty="0"/>
-              <a:t>Bound</a:t>
-            </a:r>
-          </a:p>
-          <a:p>
-            <a:pPr lvl="1"/>
+              <a:t> the arguments are reduced.</a:t>
+            </a:r>
+          </a:p>
+          <a:p>
             <a:r>
               <a:rPr lang="en-US" dirty="0"/>
-              <a:t>CPDT</a:t>
-            </a:r>
-          </a:p>
-          <a:p>
-            <a:pPr lvl="1"/>
+              <a:t>If an expression has a normal form, then normal order evaluation will always find it.</a:t>
+            </a:r>
+          </a:p>
+          <a:p>
+            <a:endParaRPr lang="en-US" dirty="0"/>
+          </a:p>
+          <a:p>
             <a:r>
               <a:rPr lang="en-US" dirty="0"/>
-              <a:t>Kit </a:t>
-            </a:r>
-          </a:p>
-          <a:p>
-            <a:pPr lvl="1"/>
+              <a:t>Some expressions terminate under normal-order reduction, but not under applicative-order. For example, this expression: (</a:t>
+            </a:r>
+            <a:r>
+              <a:rPr lang="el-GR" dirty="0"/>
+              <a:t>λ</a:t>
+            </a:r>
             <a:r>
               <a:rPr lang="en-US" dirty="0"/>
-              <a:t>Scoped</a:t>
-            </a:r>
-          </a:p>
-          <a:p>
+              <a:t>x. y) ((</a:t>
+            </a:r>
+            <a:r>
+              <a:rPr lang="el-GR" dirty="0"/>
+              <a:t>λ</a:t>
+            </a:r>
             <a:r>
               <a:rPr lang="en-US" dirty="0"/>
-              <a:t>In Haskell, these representations can be difficult to work with, but if you get it to type check, you can be confident of the results.</a:t>
+              <a:t>x. x x) (</a:t>
+            </a:r>
+            <a:r>
+              <a:rPr lang="el-GR" dirty="0"/>
+              <a:t>λ</a:t>
+            </a:r>
+            <a:r>
+              <a:rPr lang="en-US" dirty="0"/>
+              <a:t>x. x x)) has two </a:t>
+            </a:r>
+            <a:r>
+              <a:rPr lang="en-US" dirty="0" err="1"/>
+              <a:t>redexes</a:t>
+            </a:r>
+            <a:r>
+              <a:rPr lang="en-US" dirty="0"/>
+              <a:t>. If we choose the right-most one (applicative-order), it will not terminate. But if we choose the left-most one, it will reduce in one step to the expression y.</a:t>
             </a:r>
           </a:p>
         </p:txBody>
@@ -12668,7 +11777,7 @@
     </p:spTree>
     <p:extLst>
       <p:ext uri="{BB962C8B-B14F-4D97-AF65-F5344CB8AC3E}">
-        <p14:creationId xmlns:p14="http://schemas.microsoft.com/office/powerpoint/2010/main" val="765534053"/>
+        <p14:creationId xmlns:p14="http://schemas.microsoft.com/office/powerpoint/2010/main" val="715104113"/>
       </p:ext>
     </p:extLst>
   </p:cSld>
@@ -12700,7 +11809,7 @@
           <p:cNvPr id="2" name="Title 1">
             <a:extLst>
               <a:ext uri="{FF2B5EF4-FFF2-40B4-BE49-F238E27FC236}">
-                <a16:creationId xmlns:a16="http://schemas.microsoft.com/office/drawing/2014/main" id="{094B1D40-F57D-8844-B21A-8223249DBE44}"/>
+                <a16:creationId xmlns:a16="http://schemas.microsoft.com/office/drawing/2014/main" id="{F8A82A16-C2E0-F44B-B173-6A53DBB62D99}"/>
               </a:ext>
             </a:extLst>
           </p:cNvPr>
@@ -12711,16 +11820,19 @@
             <p:ph type="title"/>
           </p:nvPr>
         </p:nvSpPr>
-        <p:spPr/>
+        <p:spPr>
+          <a:xfrm>
+            <a:off x="477925" y="129778"/>
+            <a:ext cx="7886700" cy="994172"/>
+          </a:xfrm>
+        </p:spPr>
         <p:txBody>
-          <a:bodyPr>
-            <a:normAutofit/>
-          </a:bodyPr>
+          <a:bodyPr/>
           <a:lstStyle/>
           <a:p>
             <a:r>
               <a:rPr lang="en-US" dirty="0"/>
-              <a:t>Stop implementing de Bruijn substitution!</a:t>
+              <a:t>Normal order evaluation</a:t>
             </a:r>
           </a:p>
         </p:txBody>
@@ -12730,7 +11842,7 @@
           <p:cNvPr id="3" name="Content Placeholder 2">
             <a:extLst>
               <a:ext uri="{FF2B5EF4-FFF2-40B4-BE49-F238E27FC236}">
-                <a16:creationId xmlns:a16="http://schemas.microsoft.com/office/drawing/2014/main" id="{5EF6CF90-9EE3-D243-8BA5-66D6852F7C83}"/>
+                <a16:creationId xmlns:a16="http://schemas.microsoft.com/office/drawing/2014/main" id="{CA4DC282-9CD0-9D44-9D0B-D233CDEF34F5}"/>
               </a:ext>
             </a:extLst>
           </p:cNvPr>
@@ -12738,129 +11850,494 @@
             <a:spLocks noGrp="1"/>
           </p:cNvSpPr>
           <p:nvPr>
-            <p:ph idx="1"/>
+            <p:ph sz="half" idx="1"/>
           </p:nvPr>
         </p:nvSpPr>
         <p:spPr>
           <a:xfrm>
-            <a:off x="375153" y="1168924"/>
-            <a:ext cx="7050580" cy="3463799"/>
+            <a:off x="628650" y="1123950"/>
+            <a:ext cx="6123132" cy="3263504"/>
           </a:xfrm>
         </p:spPr>
         <p:txBody>
           <a:bodyPr/>
           <a:lstStyle/>
           <a:p>
-            <a:r>
-              <a:rPr lang="en-US" i="1" dirty="0"/>
-              <a:t>All</a:t>
-            </a:r>
-            <a:r>
+            <a:pPr marL="0" indent="0">
+              <a:buNone/>
+            </a:pPr>
+            <a:r>
+              <a:rPr lang="en-US" sz="1800" b="1" dirty="0" err="1">
+                <a:latin typeface="Menlo" panose="020B0609030804020204" pitchFamily="49" charset="0"/>
+                <a:ea typeface="Menlo" panose="020B0609030804020204" pitchFamily="49" charset="0"/>
+                <a:cs typeface="Menlo" panose="020B0609030804020204" pitchFamily="49" charset="0"/>
+              </a:rPr>
+              <a:t>nf</a:t>
+            </a:r>
+            <a:r>
+              <a:rPr lang="en-US" sz="1800" dirty="0">
+                <a:latin typeface="Menlo" panose="020B0609030804020204" pitchFamily="49" charset="0"/>
+                <a:ea typeface="Menlo" panose="020B0609030804020204" pitchFamily="49" charset="0"/>
+                <a:cs typeface="Menlo" panose="020B0609030804020204" pitchFamily="49" charset="0"/>
+              </a:rPr>
+              <a:t> :: Exp -&gt; Exp</a:t>
+            </a:r>
+          </a:p>
+          <a:p>
+            <a:pPr marL="0" indent="0">
+              <a:buNone/>
+            </a:pPr>
+            <a:r>
+              <a:rPr lang="en-US" sz="1800" dirty="0" err="1">
+                <a:latin typeface="Menlo" panose="020B0609030804020204" pitchFamily="49" charset="0"/>
+                <a:ea typeface="Menlo" panose="020B0609030804020204" pitchFamily="49" charset="0"/>
+                <a:cs typeface="Menlo" panose="020B0609030804020204" pitchFamily="49" charset="0"/>
+              </a:rPr>
+              <a:t>nf</a:t>
+            </a:r>
+            <a:r>
+              <a:rPr lang="en-US" sz="1800" dirty="0">
+                <a:latin typeface="Menlo" panose="020B0609030804020204" pitchFamily="49" charset="0"/>
+                <a:ea typeface="Menlo" panose="020B0609030804020204" pitchFamily="49" charset="0"/>
+                <a:cs typeface="Menlo" panose="020B0609030804020204" pitchFamily="49" charset="0"/>
+              </a:rPr>
+              <a:t> e@(Var _) = e</a:t>
+            </a:r>
+          </a:p>
+          <a:p>
+            <a:pPr marL="0" indent="0">
+              <a:buNone/>
+            </a:pPr>
+            <a:r>
+              <a:rPr lang="en-US" sz="1800" dirty="0" err="1">
+                <a:latin typeface="Menlo" panose="020B0609030804020204" pitchFamily="49" charset="0"/>
+                <a:ea typeface="Menlo" panose="020B0609030804020204" pitchFamily="49" charset="0"/>
+                <a:cs typeface="Menlo" panose="020B0609030804020204" pitchFamily="49" charset="0"/>
+              </a:rPr>
+              <a:t>nf</a:t>
+            </a:r>
+            <a:r>
+              <a:rPr lang="en-US" sz="1800" dirty="0">
+                <a:latin typeface="Menlo" panose="020B0609030804020204" pitchFamily="49" charset="0"/>
+                <a:ea typeface="Menlo" panose="020B0609030804020204" pitchFamily="49" charset="0"/>
+                <a:cs typeface="Menlo" panose="020B0609030804020204" pitchFamily="49" charset="0"/>
+              </a:rPr>
+              <a:t> (Lam e) = Lam (</a:t>
+            </a:r>
+            <a:r>
+              <a:rPr lang="en-US" sz="1800" b="1" dirty="0" err="1">
+                <a:latin typeface="Menlo" panose="020B0609030804020204" pitchFamily="49" charset="0"/>
+                <a:ea typeface="Menlo" panose="020B0609030804020204" pitchFamily="49" charset="0"/>
+                <a:cs typeface="Menlo" panose="020B0609030804020204" pitchFamily="49" charset="0"/>
+              </a:rPr>
+              <a:t>nfb</a:t>
+            </a:r>
+            <a:r>
+              <a:rPr lang="en-US" sz="1800" dirty="0">
+                <a:latin typeface="Menlo" panose="020B0609030804020204" pitchFamily="49" charset="0"/>
+                <a:ea typeface="Menlo" panose="020B0609030804020204" pitchFamily="49" charset="0"/>
+                <a:cs typeface="Menlo" panose="020B0609030804020204" pitchFamily="49" charset="0"/>
+              </a:rPr>
+              <a:t> e)</a:t>
+            </a:r>
+          </a:p>
+          <a:p>
+            <a:pPr marL="0" indent="0">
+              <a:buNone/>
+            </a:pPr>
+            <a:r>
+              <a:rPr lang="en-US" sz="1800" dirty="0" err="1">
+                <a:latin typeface="Menlo" panose="020B0609030804020204" pitchFamily="49" charset="0"/>
+                <a:ea typeface="Menlo" panose="020B0609030804020204" pitchFamily="49" charset="0"/>
+                <a:cs typeface="Menlo" panose="020B0609030804020204" pitchFamily="49" charset="0"/>
+              </a:rPr>
+              <a:t>nf</a:t>
+            </a:r>
+            <a:r>
+              <a:rPr lang="en-US" sz="1800" dirty="0">
+                <a:latin typeface="Menlo" panose="020B0609030804020204" pitchFamily="49" charset="0"/>
+                <a:ea typeface="Menlo" panose="020B0609030804020204" pitchFamily="49" charset="0"/>
+                <a:cs typeface="Menlo" panose="020B0609030804020204" pitchFamily="49" charset="0"/>
+              </a:rPr>
+              <a:t> (App f a) =</a:t>
+            </a:r>
+          </a:p>
+          <a:p>
+            <a:pPr marL="0" indent="0">
+              <a:buNone/>
+            </a:pPr>
+            <a:r>
+              <a:rPr lang="en-US" sz="1800" dirty="0">
+                <a:latin typeface="Menlo" panose="020B0609030804020204" pitchFamily="49" charset="0"/>
+                <a:ea typeface="Menlo" panose="020B0609030804020204" pitchFamily="49" charset="0"/>
+                <a:cs typeface="Menlo" panose="020B0609030804020204" pitchFamily="49" charset="0"/>
+              </a:rPr>
+              <a:t>case </a:t>
+            </a:r>
+            <a:r>
+              <a:rPr lang="en-US" sz="1800" dirty="0" err="1">
+                <a:latin typeface="Menlo" panose="020B0609030804020204" pitchFamily="49" charset="0"/>
+                <a:ea typeface="Menlo" panose="020B0609030804020204" pitchFamily="49" charset="0"/>
+                <a:cs typeface="Menlo" panose="020B0609030804020204" pitchFamily="49" charset="0"/>
+              </a:rPr>
+              <a:t>whnf</a:t>
+            </a:r>
+            <a:r>
+              <a:rPr lang="en-US" sz="1800" dirty="0">
+                <a:latin typeface="Menlo" panose="020B0609030804020204" pitchFamily="49" charset="0"/>
+                <a:ea typeface="Menlo" panose="020B0609030804020204" pitchFamily="49" charset="0"/>
+                <a:cs typeface="Menlo" panose="020B0609030804020204" pitchFamily="49" charset="0"/>
+              </a:rPr>
+              <a:t> f of</a:t>
+            </a:r>
+          </a:p>
+          <a:p>
+            <a:pPr marL="0" indent="0">
+              <a:buNone/>
+            </a:pPr>
+            <a:r>
+              <a:rPr lang="en-US" sz="1800" dirty="0">
+                <a:latin typeface="Menlo" panose="020B0609030804020204" pitchFamily="49" charset="0"/>
+                <a:ea typeface="Menlo" panose="020B0609030804020204" pitchFamily="49" charset="0"/>
+                <a:cs typeface="Menlo" panose="020B0609030804020204" pitchFamily="49" charset="0"/>
+              </a:rPr>
+              <a:t>  Lam b -&gt; </a:t>
+            </a:r>
+          </a:p>
+          <a:p>
+            <a:pPr marL="0" indent="0">
+              <a:buNone/>
+            </a:pPr>
+            <a:r>
+              <a:rPr lang="en-US" sz="1800" dirty="0">
+                <a:latin typeface="Menlo" panose="020B0609030804020204" pitchFamily="49" charset="0"/>
+                <a:ea typeface="Menlo" panose="020B0609030804020204" pitchFamily="49" charset="0"/>
+                <a:cs typeface="Menlo" panose="020B0609030804020204" pitchFamily="49" charset="0"/>
+              </a:rPr>
+              <a:t>     </a:t>
+            </a:r>
+            <a:r>
+              <a:rPr lang="en-US" sz="1800" dirty="0" err="1">
+                <a:latin typeface="Menlo" panose="020B0609030804020204" pitchFamily="49" charset="0"/>
+                <a:ea typeface="Menlo" panose="020B0609030804020204" pitchFamily="49" charset="0"/>
+                <a:cs typeface="Menlo" panose="020B0609030804020204" pitchFamily="49" charset="0"/>
+              </a:rPr>
+              <a:t>nf</a:t>
+            </a:r>
+            <a:r>
+              <a:rPr lang="en-US" sz="1800" dirty="0">
+                <a:latin typeface="Menlo" panose="020B0609030804020204" pitchFamily="49" charset="0"/>
+                <a:ea typeface="Menlo" panose="020B0609030804020204" pitchFamily="49" charset="0"/>
+                <a:cs typeface="Menlo" panose="020B0609030804020204" pitchFamily="49" charset="0"/>
+              </a:rPr>
+              <a:t> (instantiate b a)</a:t>
+            </a:r>
+          </a:p>
+          <a:p>
+            <a:pPr marL="0" indent="0">
+              <a:buNone/>
+            </a:pPr>
+            <a:r>
+              <a:rPr lang="en-US" sz="1800" dirty="0">
+                <a:latin typeface="Menlo" panose="020B0609030804020204" pitchFamily="49" charset="0"/>
+                <a:ea typeface="Menlo" panose="020B0609030804020204" pitchFamily="49" charset="0"/>
+                <a:cs typeface="Menlo" panose="020B0609030804020204" pitchFamily="49" charset="0"/>
+              </a:rPr>
+              <a:t>  f' -&gt; App (</a:t>
+            </a:r>
+            <a:r>
+              <a:rPr lang="en-US" sz="1800" b="1" dirty="0" err="1">
+                <a:latin typeface="Menlo" panose="020B0609030804020204" pitchFamily="49" charset="0"/>
+                <a:ea typeface="Menlo" panose="020B0609030804020204" pitchFamily="49" charset="0"/>
+                <a:cs typeface="Menlo" panose="020B0609030804020204" pitchFamily="49" charset="0"/>
+              </a:rPr>
+              <a:t>nf</a:t>
+            </a:r>
+            <a:r>
+              <a:rPr lang="en-US" sz="1800" dirty="0">
+                <a:latin typeface="Menlo" panose="020B0609030804020204" pitchFamily="49" charset="0"/>
+                <a:ea typeface="Menlo" panose="020B0609030804020204" pitchFamily="49" charset="0"/>
+                <a:cs typeface="Menlo" panose="020B0609030804020204" pitchFamily="49" charset="0"/>
+              </a:rPr>
+              <a:t> f') (</a:t>
+            </a:r>
+            <a:r>
+              <a:rPr lang="en-US" sz="1800" b="1" dirty="0" err="1">
+                <a:latin typeface="Menlo" panose="020B0609030804020204" pitchFamily="49" charset="0"/>
+                <a:ea typeface="Menlo" panose="020B0609030804020204" pitchFamily="49" charset="0"/>
+                <a:cs typeface="Menlo" panose="020B0609030804020204" pitchFamily="49" charset="0"/>
+              </a:rPr>
+              <a:t>nf</a:t>
+            </a:r>
+            <a:r>
+              <a:rPr lang="en-US" sz="1800" dirty="0">
+                <a:latin typeface="Menlo" panose="020B0609030804020204" pitchFamily="49" charset="0"/>
+                <a:ea typeface="Menlo" panose="020B0609030804020204" pitchFamily="49" charset="0"/>
+                <a:cs typeface="Menlo" panose="020B0609030804020204" pitchFamily="49" charset="0"/>
+              </a:rPr>
+              <a:t> a)</a:t>
+            </a:r>
+          </a:p>
+          <a:p>
+            <a:pPr marL="0" indent="0">
+              <a:buNone/>
+            </a:pPr>
+            <a:endParaRPr lang="en-US" sz="1800" dirty="0">
+              <a:latin typeface="Menlo" panose="020B0609030804020204" pitchFamily="49" charset="0"/>
+              <a:ea typeface="Menlo" panose="020B0609030804020204" pitchFamily="49" charset="0"/>
+              <a:cs typeface="Menlo" panose="020B0609030804020204" pitchFamily="49" charset="0"/>
+            </a:endParaRPr>
+          </a:p>
+          <a:p>
+            <a:pPr marL="0" indent="0">
+              <a:buNone/>
+            </a:pPr>
+            <a:r>
+              <a:rPr lang="en-US" sz="1800" b="1" dirty="0" err="1">
+                <a:latin typeface="Menlo" panose="020B0609030804020204" pitchFamily="49" charset="0"/>
+                <a:ea typeface="Menlo" panose="020B0609030804020204" pitchFamily="49" charset="0"/>
+                <a:cs typeface="Menlo" panose="020B0609030804020204" pitchFamily="49" charset="0"/>
+              </a:rPr>
+              <a:t>nfb</a:t>
+            </a:r>
+            <a:r>
+              <a:rPr lang="en-US" sz="1800" dirty="0">
+                <a:latin typeface="Menlo" panose="020B0609030804020204" pitchFamily="49" charset="0"/>
+                <a:ea typeface="Menlo" panose="020B0609030804020204" pitchFamily="49" charset="0"/>
+                <a:cs typeface="Menlo" panose="020B0609030804020204" pitchFamily="49" charset="0"/>
+              </a:rPr>
+              <a:t> :: Bind Exp -&gt; Bind Exp</a:t>
+            </a:r>
+          </a:p>
+          <a:p>
+            <a:pPr marL="0" indent="0">
+              <a:buNone/>
+            </a:pPr>
+            <a:r>
+              <a:rPr lang="en-US" sz="1800" b="1" dirty="0">
+                <a:latin typeface="Menlo" panose="020B0609030804020204" pitchFamily="49" charset="0"/>
+                <a:ea typeface="Menlo" panose="020B0609030804020204" pitchFamily="49" charset="0"/>
+                <a:cs typeface="Menlo" panose="020B0609030804020204" pitchFamily="49" charset="0"/>
+              </a:rPr>
+              <a:t>instantiate</a:t>
+            </a:r>
+            <a:r>
+              <a:rPr lang="en-US" sz="1800" dirty="0">
+                <a:latin typeface="Menlo" panose="020B0609030804020204" pitchFamily="49" charset="0"/>
+                <a:ea typeface="Menlo" panose="020B0609030804020204" pitchFamily="49" charset="0"/>
+                <a:cs typeface="Menlo" panose="020B0609030804020204" pitchFamily="49" charset="0"/>
+              </a:rPr>
+              <a:t> :: Bind Exp -&gt; Exp -&gt; Exp</a:t>
+            </a:r>
+            <a:br>
               <a:rPr lang="en-US" dirty="0"/>
-              <a:t> implementations amenable to library support</a:t>
-            </a:r>
-          </a:p>
-          <a:p>
-            <a:pPr lvl="1"/>
-            <a:r>
-              <a:rPr lang="en-US" dirty="0"/>
-              <a:t>Alpha-equivalence already for free via derive Eq</a:t>
-            </a:r>
-          </a:p>
-          <a:p>
-            <a:pPr lvl="1"/>
-            <a:r>
-              <a:rPr lang="en-US" dirty="0"/>
-              <a:t>For substitution, users need only implement "</a:t>
-            </a:r>
-            <a:r>
-              <a:rPr lang="en-US" dirty="0" err="1"/>
-              <a:t>tmMap</a:t>
-            </a:r>
-            <a:r>
-              <a:rPr lang="en-US" dirty="0"/>
-              <a:t>" or something similar</a:t>
-            </a:r>
-          </a:p>
-          <a:p>
-            <a:r>
-              <a:rPr lang="en-US" dirty="0"/>
-              <a:t>Bound library</a:t>
-            </a:r>
-          </a:p>
-          <a:p>
-            <a:pPr lvl="1"/>
-            <a:r>
-              <a:rPr lang="en-US" dirty="0"/>
-              <a:t>parameterize exp by type for variables, then can use </a:t>
-            </a:r>
-            <a:r>
-              <a:rPr lang="en-US" dirty="0" err="1"/>
-              <a:t>DeriveFunctor</a:t>
-            </a:r>
+            </a:br>
             <a:endParaRPr lang="en-US" dirty="0"/>
           </a:p>
-          <a:p>
-            <a:pPr lvl="1"/>
-            <a:r>
-              <a:rPr lang="en-US" dirty="0"/>
-              <a:t>cost: only a single variable sort</a:t>
-            </a:r>
-          </a:p>
-          <a:p>
-            <a:r>
-              <a:rPr lang="en-US" dirty="0"/>
-              <a:t>In Coq: </a:t>
-            </a:r>
-            <a:r>
-              <a:rPr lang="en-US" dirty="0" err="1"/>
-              <a:t>Dblib</a:t>
-            </a:r>
-            <a:r>
-              <a:rPr lang="en-US" dirty="0"/>
-              <a:t>, </a:t>
-            </a:r>
-            <a:r>
-              <a:rPr lang="en-US" dirty="0" err="1"/>
-              <a:t>Autosubst</a:t>
-            </a:r>
-            <a:r>
-              <a:rPr lang="en-US" dirty="0"/>
-              <a:t>, Tealeaves </a:t>
-            </a:r>
-          </a:p>
-          <a:p>
-            <a:r>
-              <a:rPr lang="en-US" b="1" dirty="0"/>
-              <a:t>Project</a:t>
-            </a:r>
-            <a:r>
-              <a:rPr lang="en-US" dirty="0"/>
-              <a:t>: Create a library that uses </a:t>
-            </a:r>
-            <a:r>
-              <a:rPr lang="en-US" dirty="0" err="1"/>
-              <a:t>GHC.Generics</a:t>
-            </a:r>
-            <a:r>
-              <a:rPr lang="en-US" dirty="0"/>
-              <a:t> or </a:t>
-            </a:r>
-            <a:r>
-              <a:rPr lang="en-US" dirty="0" err="1"/>
-              <a:t>TemplateHaskell</a:t>
-            </a:r>
-            <a:r>
-              <a:rPr lang="en-US" dirty="0"/>
-              <a:t> to derive the appropriate mapping operation (similar to unbound library)</a:t>
-            </a:r>
+        </p:txBody>
+      </p:sp>
+      <p:sp>
+        <p:nvSpPr>
+          <p:cNvPr id="4" name="Content Placeholder 3">
+            <a:extLst>
+              <a:ext uri="{FF2B5EF4-FFF2-40B4-BE49-F238E27FC236}">
+                <a16:creationId xmlns:a16="http://schemas.microsoft.com/office/drawing/2014/main" id="{DD4F2267-3EDB-0448-B997-C7466131E6D9}"/>
+              </a:ext>
+            </a:extLst>
+          </p:cNvPr>
+          <p:cNvSpPr>
+            <a:spLocks noGrp="1"/>
+          </p:cNvSpPr>
+          <p:nvPr>
+            <p:ph sz="half" idx="2"/>
+          </p:nvPr>
+        </p:nvSpPr>
+        <p:spPr>
+          <a:xfrm>
+            <a:off x="4572000" y="1123950"/>
+            <a:ext cx="4394777" cy="3263504"/>
+          </a:xfrm>
+        </p:spPr>
+        <p:txBody>
+          <a:bodyPr/>
+          <a:lstStyle/>
+          <a:p>
+            <a:pPr marL="0" indent="0">
+              <a:buNone/>
+            </a:pPr>
+            <a:r>
+              <a:rPr lang="en-US" sz="1800" b="1" dirty="0" err="1">
+                <a:latin typeface="Menlo" panose="020B0609030804020204" pitchFamily="49" charset="0"/>
+                <a:ea typeface="Menlo" panose="020B0609030804020204" pitchFamily="49" charset="0"/>
+                <a:cs typeface="Menlo" panose="020B0609030804020204" pitchFamily="49" charset="0"/>
+              </a:rPr>
+              <a:t>whnf</a:t>
+            </a:r>
+            <a:r>
+              <a:rPr lang="en-US" sz="1800" dirty="0">
+                <a:latin typeface="Menlo" panose="020B0609030804020204" pitchFamily="49" charset="0"/>
+                <a:ea typeface="Menlo" panose="020B0609030804020204" pitchFamily="49" charset="0"/>
+                <a:cs typeface="Menlo" panose="020B0609030804020204" pitchFamily="49" charset="0"/>
+              </a:rPr>
+              <a:t> :: Exp -&gt; Exp</a:t>
+            </a:r>
+          </a:p>
+          <a:p>
+            <a:pPr marL="0" indent="0">
+              <a:buNone/>
+            </a:pPr>
+            <a:r>
+              <a:rPr lang="en-US" sz="1800" dirty="0" err="1">
+                <a:latin typeface="Menlo" panose="020B0609030804020204" pitchFamily="49" charset="0"/>
+                <a:ea typeface="Menlo" panose="020B0609030804020204" pitchFamily="49" charset="0"/>
+                <a:cs typeface="Menlo" panose="020B0609030804020204" pitchFamily="49" charset="0"/>
+              </a:rPr>
+              <a:t>whnf</a:t>
+            </a:r>
+            <a:r>
+              <a:rPr lang="en-US" sz="1800" dirty="0">
+                <a:latin typeface="Menlo" panose="020B0609030804020204" pitchFamily="49" charset="0"/>
+                <a:ea typeface="Menlo" panose="020B0609030804020204" pitchFamily="49" charset="0"/>
+                <a:cs typeface="Menlo" panose="020B0609030804020204" pitchFamily="49" charset="0"/>
+              </a:rPr>
+              <a:t> e@(Var _) = e</a:t>
+            </a:r>
+          </a:p>
+          <a:p>
+            <a:pPr marL="0" indent="0">
+              <a:buNone/>
+            </a:pPr>
+            <a:r>
+              <a:rPr lang="en-US" sz="1800" dirty="0" err="1">
+                <a:latin typeface="Menlo" panose="020B0609030804020204" pitchFamily="49" charset="0"/>
+                <a:ea typeface="Menlo" panose="020B0609030804020204" pitchFamily="49" charset="0"/>
+                <a:cs typeface="Menlo" panose="020B0609030804020204" pitchFamily="49" charset="0"/>
+              </a:rPr>
+              <a:t>whnf</a:t>
+            </a:r>
+            <a:r>
+              <a:rPr lang="en-US" sz="1800" dirty="0">
+                <a:latin typeface="Menlo" panose="020B0609030804020204" pitchFamily="49" charset="0"/>
+                <a:ea typeface="Menlo" panose="020B0609030804020204" pitchFamily="49" charset="0"/>
+                <a:cs typeface="Menlo" panose="020B0609030804020204" pitchFamily="49" charset="0"/>
+              </a:rPr>
+              <a:t> e@(Lam _) = e</a:t>
+            </a:r>
+          </a:p>
+          <a:p>
+            <a:pPr marL="0" indent="0">
+              <a:buNone/>
+            </a:pPr>
+            <a:r>
+              <a:rPr lang="en-US" sz="1800" dirty="0" err="1">
+                <a:latin typeface="Menlo" panose="020B0609030804020204" pitchFamily="49" charset="0"/>
+                <a:ea typeface="Menlo" panose="020B0609030804020204" pitchFamily="49" charset="0"/>
+                <a:cs typeface="Menlo" panose="020B0609030804020204" pitchFamily="49" charset="0"/>
+              </a:rPr>
+              <a:t>whnf</a:t>
+            </a:r>
+            <a:r>
+              <a:rPr lang="en-US" sz="1800" dirty="0">
+                <a:latin typeface="Menlo" panose="020B0609030804020204" pitchFamily="49" charset="0"/>
+                <a:ea typeface="Menlo" panose="020B0609030804020204" pitchFamily="49" charset="0"/>
+                <a:cs typeface="Menlo" panose="020B0609030804020204" pitchFamily="49" charset="0"/>
+              </a:rPr>
+              <a:t> (App f a) =</a:t>
+            </a:r>
+          </a:p>
+          <a:p>
+            <a:pPr marL="0" indent="0">
+              <a:buNone/>
+            </a:pPr>
+            <a:r>
+              <a:rPr lang="en-US" sz="1800" dirty="0">
+                <a:latin typeface="Menlo" panose="020B0609030804020204" pitchFamily="49" charset="0"/>
+                <a:ea typeface="Menlo" panose="020B0609030804020204" pitchFamily="49" charset="0"/>
+                <a:cs typeface="Menlo" panose="020B0609030804020204" pitchFamily="49" charset="0"/>
+              </a:rPr>
+              <a:t>  case </a:t>
+            </a:r>
+            <a:r>
+              <a:rPr lang="en-US" sz="1800" dirty="0" err="1">
+                <a:latin typeface="Menlo" panose="020B0609030804020204" pitchFamily="49" charset="0"/>
+                <a:ea typeface="Menlo" panose="020B0609030804020204" pitchFamily="49" charset="0"/>
+                <a:cs typeface="Menlo" panose="020B0609030804020204" pitchFamily="49" charset="0"/>
+              </a:rPr>
+              <a:t>whnf</a:t>
+            </a:r>
+            <a:r>
+              <a:rPr lang="en-US" sz="1800" dirty="0">
+                <a:latin typeface="Menlo" panose="020B0609030804020204" pitchFamily="49" charset="0"/>
+                <a:ea typeface="Menlo" panose="020B0609030804020204" pitchFamily="49" charset="0"/>
+                <a:cs typeface="Menlo" panose="020B0609030804020204" pitchFamily="49" charset="0"/>
+              </a:rPr>
+              <a:t> f of</a:t>
+            </a:r>
+          </a:p>
+          <a:p>
+            <a:pPr marL="0" indent="0">
+              <a:buNone/>
+            </a:pPr>
+            <a:r>
+              <a:rPr lang="en-US" sz="1800" dirty="0">
+                <a:latin typeface="Menlo" panose="020B0609030804020204" pitchFamily="49" charset="0"/>
+                <a:ea typeface="Menlo" panose="020B0609030804020204" pitchFamily="49" charset="0"/>
+                <a:cs typeface="Menlo" panose="020B0609030804020204" pitchFamily="49" charset="0"/>
+              </a:rPr>
+              <a:t>    Lam b -&gt; </a:t>
+            </a:r>
+          </a:p>
+          <a:p>
+            <a:pPr marL="0" indent="0">
+              <a:buNone/>
+            </a:pPr>
+            <a:r>
+              <a:rPr lang="en-US" sz="1800" dirty="0">
+                <a:latin typeface="Menlo" panose="020B0609030804020204" pitchFamily="49" charset="0"/>
+                <a:ea typeface="Menlo" panose="020B0609030804020204" pitchFamily="49" charset="0"/>
+                <a:cs typeface="Menlo" panose="020B0609030804020204" pitchFamily="49" charset="0"/>
+              </a:rPr>
+              <a:t>	 </a:t>
+            </a:r>
+            <a:r>
+              <a:rPr lang="en-US" sz="1800" dirty="0" err="1">
+                <a:latin typeface="Menlo" panose="020B0609030804020204" pitchFamily="49" charset="0"/>
+                <a:ea typeface="Menlo" panose="020B0609030804020204" pitchFamily="49" charset="0"/>
+                <a:cs typeface="Menlo" panose="020B0609030804020204" pitchFamily="49" charset="0"/>
+              </a:rPr>
+              <a:t>whnf</a:t>
+            </a:r>
+            <a:r>
+              <a:rPr lang="en-US" sz="1800" dirty="0">
+                <a:latin typeface="Menlo" panose="020B0609030804020204" pitchFamily="49" charset="0"/>
+                <a:ea typeface="Menlo" panose="020B0609030804020204" pitchFamily="49" charset="0"/>
+                <a:cs typeface="Menlo" panose="020B0609030804020204" pitchFamily="49" charset="0"/>
+              </a:rPr>
+              <a:t> (instantiate b a)</a:t>
+            </a:r>
+          </a:p>
+          <a:p>
+            <a:pPr marL="0" indent="0">
+              <a:buNone/>
+            </a:pPr>
+            <a:r>
+              <a:rPr lang="en-US" sz="1800" dirty="0">
+                <a:latin typeface="Menlo" panose="020B0609030804020204" pitchFamily="49" charset="0"/>
+                <a:ea typeface="Menlo" panose="020B0609030804020204" pitchFamily="49" charset="0"/>
+                <a:cs typeface="Menlo" panose="020B0609030804020204" pitchFamily="49" charset="0"/>
+              </a:rPr>
+              <a:t>    f' -&gt; App f' a</a:t>
+            </a:r>
+          </a:p>
+          <a:p>
+            <a:endParaRPr lang="en-US" dirty="0"/>
           </a:p>
         </p:txBody>
       </p:sp>
     </p:spTree>
     <p:extLst>
       <p:ext uri="{BB962C8B-B14F-4D97-AF65-F5344CB8AC3E}">
-        <p14:creationId xmlns:p14="http://schemas.microsoft.com/office/powerpoint/2010/main" val="2173328265"/>
+        <p14:creationId xmlns:p14="http://schemas.microsoft.com/office/powerpoint/2010/main" val="1976404851"/>
       </p:ext>
     </p:extLst>
   </p:cSld>
@@ -12892,7 +12369,7 @@
           <p:cNvPr id="2" name="Title 1">
             <a:extLst>
               <a:ext uri="{FF2B5EF4-FFF2-40B4-BE49-F238E27FC236}">
-                <a16:creationId xmlns:a16="http://schemas.microsoft.com/office/drawing/2014/main" id="{AD3D31AE-D610-4844-8B58-4926BBBEA90C}"/>
+                <a16:creationId xmlns:a16="http://schemas.microsoft.com/office/drawing/2014/main" id="{8F129ADA-FFF5-C342-B3B4-8ED1C8571C3F}"/>
               </a:ext>
             </a:extLst>
           </p:cNvPr>
@@ -12912,207 +12389,119 @@
           <a:p>
             <a:r>
               <a:rPr lang="en-US" dirty="0"/>
-              <a:t>Summary – de Bruijn indices</a:t>
+              <a:t>Lennart's term</a:t>
             </a:r>
           </a:p>
         </p:txBody>
       </p:sp>
-      <p:graphicFrame>
-        <p:nvGraphicFramePr>
-          <p:cNvPr id="4" name="Table 4">
+      <p:sp>
+        <p:nvSpPr>
+          <p:cNvPr id="3" name="Content Placeholder 2">
             <a:extLst>
               <a:ext uri="{FF2B5EF4-FFF2-40B4-BE49-F238E27FC236}">
-                <a16:creationId xmlns:a16="http://schemas.microsoft.com/office/drawing/2014/main" id="{D94EE6BB-93F9-1A4E-82CD-C9887E123814}"/>
+                <a16:creationId xmlns:a16="http://schemas.microsoft.com/office/drawing/2014/main" id="{3B7E089C-E95B-F142-8CDD-7D5D2F0D840A}"/>
               </a:ext>
             </a:extLst>
           </p:cNvPr>
-          <p:cNvGraphicFramePr>
-            <a:graphicFrameLocks noGrp="1"/>
-          </p:cNvGraphicFramePr>
+          <p:cNvSpPr>
+            <a:spLocks noGrp="1"/>
+          </p:cNvSpPr>
           <p:nvPr>
-            <p:extLst>
-              <p:ext uri="{D42A27DB-BD31-4B8C-83A1-F6EECF244321}">
-                <p14:modId xmlns:p14="http://schemas.microsoft.com/office/powerpoint/2010/main" val="4208171352"/>
-              </p:ext>
-            </p:extLst>
+            <p:ph idx="1"/>
           </p:nvPr>
-        </p:nvGraphicFramePr>
-        <p:xfrm>
-          <a:off x="468922" y="1123950"/>
-          <a:ext cx="7886700" cy="3015972"/>
-        </p:xfrm>
-        <a:graphic>
-          <a:graphicData uri="http://schemas.openxmlformats.org/drawingml/2006/table">
-            <a:tbl>
-              <a:tblPr firstRow="1" firstCol="1" bandRow="1">
-                <a:tableStyleId>{5C22544A-7EE6-4342-B048-85BDC9FD1C3A}</a:tableStyleId>
-              </a:tblPr>
-              <a:tblGrid>
-                <a:gridCol w="2194625">
-                  <a:extLst>
-                    <a:ext uri="{9D8B030D-6E8A-4147-A177-3AD203B41FA5}">
-                      <a16:colId xmlns:a16="http://schemas.microsoft.com/office/drawing/2014/main" val="1170218546"/>
-                    </a:ext>
-                  </a:extLst>
-                </a:gridCol>
-                <a:gridCol w="2641983">
-                  <a:extLst>
-                    <a:ext uri="{9D8B030D-6E8A-4147-A177-3AD203B41FA5}">
-                      <a16:colId xmlns:a16="http://schemas.microsoft.com/office/drawing/2014/main" val="1611866283"/>
-                    </a:ext>
-                  </a:extLst>
-                </a:gridCol>
-                <a:gridCol w="3050092">
-                  <a:extLst>
-                    <a:ext uri="{9D8B030D-6E8A-4147-A177-3AD203B41FA5}">
-                      <a16:colId xmlns:a16="http://schemas.microsoft.com/office/drawing/2014/main" val="1837911558"/>
-                    </a:ext>
-                  </a:extLst>
-                </a:gridCol>
-              </a:tblGrid>
-              <a:tr h="1005324">
-                <a:tc>
-                  <a:txBody>
-                    <a:bodyPr/>
-                    <a:lstStyle/>
-                    <a:p>
-                      <a:endParaRPr lang="en-US" sz="2400" dirty="0"/>
-                    </a:p>
-                  </a:txBody>
-                  <a:tcPr/>
-                </a:tc>
-                <a:tc>
-                  <a:txBody>
-                    <a:bodyPr/>
-                    <a:lstStyle/>
-                    <a:p>
-                      <a:r>
-                        <a:rPr lang="en-US" sz="2400" dirty="0"/>
-                        <a:t>Simply-typed expressions</a:t>
-                      </a:r>
-                    </a:p>
-                  </a:txBody>
-                  <a:tcPr/>
-                </a:tc>
-                <a:tc>
-                  <a:txBody>
-                    <a:bodyPr/>
-                    <a:lstStyle/>
-                    <a:p>
-                      <a:r>
-                        <a:rPr lang="en-US" sz="2400" dirty="0"/>
-                        <a:t>Well-scoped expressions</a:t>
-                      </a:r>
-                    </a:p>
-                  </a:txBody>
-                  <a:tcPr/>
-                </a:tc>
-                <a:extLst>
-                  <a:ext uri="{0D108BD9-81ED-4DB2-BD59-A6C34878D82A}">
-                    <a16:rowId xmlns:a16="http://schemas.microsoft.com/office/drawing/2014/main" val="1255493521"/>
-                  </a:ext>
-                </a:extLst>
-              </a:tr>
-              <a:tr h="1005324">
-                <a:tc>
-                  <a:txBody>
-                    <a:bodyPr/>
-                    <a:lstStyle/>
-                    <a:p>
-                      <a:r>
-                        <a:rPr lang="en-US" sz="2400" dirty="0"/>
-                        <a:t>Single substitutions</a:t>
-                      </a:r>
-                    </a:p>
-                  </a:txBody>
-                  <a:tcPr/>
-                </a:tc>
-                <a:tc>
-                  <a:txBody>
-                    <a:bodyPr/>
-                    <a:lstStyle/>
-                    <a:p>
-                      <a:r>
-                        <a:rPr lang="en-US" sz="2400" dirty="0"/>
-                        <a:t>TAPL, Lennart, Cornell, Lift</a:t>
-                      </a:r>
-                    </a:p>
-                  </a:txBody>
-                  <a:tcPr/>
-                </a:tc>
-                <a:tc>
-                  <a:txBody>
-                    <a:bodyPr/>
-                    <a:lstStyle/>
-                    <a:p>
-                      <a:r>
-                        <a:rPr lang="en-US" sz="2400" dirty="0"/>
-                        <a:t>Nested, Bound, CPDT</a:t>
-                      </a:r>
-                    </a:p>
-                  </a:txBody>
-                  <a:tcPr/>
-                </a:tc>
-                <a:extLst>
-                  <a:ext uri="{0D108BD9-81ED-4DB2-BD59-A6C34878D82A}">
-                    <a16:rowId xmlns:a16="http://schemas.microsoft.com/office/drawing/2014/main" val="333119422"/>
-                  </a:ext>
-                </a:extLst>
-              </a:tr>
-              <a:tr h="1005324">
-                <a:tc>
-                  <a:txBody>
-                    <a:bodyPr/>
-                    <a:lstStyle/>
-                    <a:p>
-                      <a:r>
-                        <a:rPr lang="en-US" sz="2400" dirty="0"/>
-                        <a:t>Parallel substitutions</a:t>
-                      </a:r>
-                    </a:p>
-                  </a:txBody>
-                  <a:tcPr/>
-                </a:tc>
-                <a:tc>
-                  <a:txBody>
-                    <a:bodyPr/>
-                    <a:lstStyle/>
-                    <a:p>
-                      <a:r>
-                        <a:rPr lang="en-US" sz="2400" dirty="0"/>
-                        <a:t>L, F, P, B</a:t>
-                      </a:r>
-                    </a:p>
-                  </a:txBody>
-                  <a:tcPr/>
-                </a:tc>
-                <a:tc>
-                  <a:txBody>
-                    <a:bodyPr/>
-                    <a:lstStyle/>
-                    <a:p>
-                      <a:r>
-                        <a:rPr lang="en-US" sz="2400" dirty="0"/>
-                        <a:t>Kit (like F), Scoped (like B)</a:t>
-                      </a:r>
-                    </a:p>
-                  </a:txBody>
-                  <a:tcPr/>
-                </a:tc>
-                <a:extLst>
-                  <a:ext uri="{0D108BD9-81ED-4DB2-BD59-A6C34878D82A}">
-                    <a16:rowId xmlns:a16="http://schemas.microsoft.com/office/drawing/2014/main" val="2982434139"/>
-                  </a:ext>
-                </a:extLst>
-              </a:tr>
-            </a:tbl>
-          </a:graphicData>
-        </a:graphic>
-      </p:graphicFrame>
+        </p:nvSpPr>
+        <p:spPr/>
+        <p:txBody>
+          <a:bodyPr/>
+          <a:lstStyle/>
+          <a:p>
+            <a:r>
+              <a:rPr lang="en-US" dirty="0"/>
+              <a:t>Benchmark from "Lambda Calculus Cooked 4 Ways"</a:t>
+            </a:r>
+          </a:p>
+          <a:p>
+            <a:r>
+              <a:rPr lang="en-US" dirty="0"/>
+              <a:t>Church encoding of: </a:t>
+            </a:r>
+          </a:p>
+          <a:p>
+            <a:pPr marL="342900" lvl="1" indent="0">
+              <a:buNone/>
+            </a:pPr>
+            <a:r>
+              <a:rPr lang="en-US" dirty="0"/>
+              <a:t>6! == sum [1 .. 37] + ((3 + 3) + ((3 + 3) + (2 + 3))</a:t>
+            </a:r>
+          </a:p>
+          <a:p>
+            <a:pPr marL="342900" lvl="1" indent="0">
+              <a:buNone/>
+            </a:pPr>
+            <a:r>
+              <a:rPr lang="en-US" dirty="0"/>
+              <a:t>i.e.  720 == 719</a:t>
+            </a:r>
+          </a:p>
+          <a:p>
+            <a:pPr marL="342900" lvl="1" indent="0">
+              <a:buNone/>
+            </a:pPr>
+            <a:r>
+              <a:rPr lang="en-US" dirty="0"/>
+              <a:t>i.e.  False</a:t>
+            </a:r>
+          </a:p>
+          <a:p>
+            <a:r>
+              <a:rPr lang="en-US" dirty="0"/>
+              <a:t>bind depth: 25</a:t>
+            </a:r>
+          </a:p>
+          <a:p>
+            <a:r>
+              <a:rPr lang="en-US" dirty="0"/>
+              <a:t>depth: 53</a:t>
+            </a:r>
+          </a:p>
+          <a:p>
+            <a:r>
+              <a:rPr lang="en-US" dirty="0"/>
+              <a:t>num </a:t>
+            </a:r>
+            <a:r>
+              <a:rPr lang="en-US" dirty="0" err="1"/>
+              <a:t>substs</a:t>
+            </a:r>
+            <a:r>
+              <a:rPr lang="en-US" dirty="0"/>
+              <a:t> required for normalization: 119,697</a:t>
+            </a:r>
+          </a:p>
+          <a:p>
+            <a:r>
+              <a:rPr lang="en-US" dirty="0" err="1"/>
+              <a:t>subst</a:t>
+            </a:r>
+            <a:r>
+              <a:rPr lang="en-US" dirty="0"/>
+              <a:t>  b { a / x }  averages </a:t>
+            </a:r>
+            <a:br>
+              <a:rPr lang="en-US" dirty="0"/>
+            </a:br>
+            <a:r>
+              <a:rPr lang="en-US" dirty="0"/>
+              <a:t>occurrences of x in a = 1.15,  |a| = 300,  |b| = 362</a:t>
+            </a:r>
+          </a:p>
+        </p:txBody>
+      </p:sp>
     </p:spTree>
     <p:extLst>
       <p:ext uri="{BB962C8B-B14F-4D97-AF65-F5344CB8AC3E}">
-        <p14:creationId xmlns:p14="http://schemas.microsoft.com/office/powerpoint/2010/main" val="3259098118"/>
+        <p14:creationId xmlns:p14="http://schemas.microsoft.com/office/powerpoint/2010/main" val="1604477744"/>
       </p:ext>
     </p:extLst>
   </p:cSld>
@@ -25348,6 +24737,286 @@
       </p:grpSpPr>
       <p:sp>
         <p:nvSpPr>
+          <p:cNvPr id="2" name="Title 1">
+            <a:extLst>
+              <a:ext uri="{FF2B5EF4-FFF2-40B4-BE49-F238E27FC236}">
+                <a16:creationId xmlns:a16="http://schemas.microsoft.com/office/drawing/2014/main" id="{94F32DAA-5F46-7C45-9BEB-5E380510A4B8}"/>
+              </a:ext>
+            </a:extLst>
+          </p:cNvPr>
+          <p:cNvSpPr>
+            <a:spLocks noGrp="1"/>
+          </p:cNvSpPr>
+          <p:nvPr>
+            <p:ph type="title"/>
+          </p:nvPr>
+        </p:nvSpPr>
+        <p:spPr/>
+        <p:txBody>
+          <a:bodyPr/>
+          <a:lstStyle/>
+          <a:p>
+            <a:r>
+              <a:rPr lang="en-US" dirty="0"/>
+              <a:t>General Form </a:t>
+            </a:r>
+          </a:p>
+        </p:txBody>
+      </p:sp>
+      <p:sp>
+        <p:nvSpPr>
+          <p:cNvPr id="3" name="Content Placeholder 2">
+            <a:extLst>
+              <a:ext uri="{FF2B5EF4-FFF2-40B4-BE49-F238E27FC236}">
+                <a16:creationId xmlns:a16="http://schemas.microsoft.com/office/drawing/2014/main" id="{70C3A6F2-93C8-8748-B392-904F7F2525F4}"/>
+              </a:ext>
+            </a:extLst>
+          </p:cNvPr>
+          <p:cNvSpPr>
+            <a:spLocks noGrp="1"/>
+          </p:cNvSpPr>
+          <p:nvPr>
+            <p:ph idx="1"/>
+          </p:nvPr>
+        </p:nvSpPr>
+        <p:spPr>
+          <a:xfrm>
+            <a:off x="375152" y="1168924"/>
+            <a:ext cx="8561457" cy="3273767"/>
+          </a:xfrm>
+        </p:spPr>
+        <p:txBody>
+          <a:bodyPr/>
+          <a:lstStyle/>
+          <a:p>
+            <a:pPr marL="0" indent="0">
+              <a:spcBef>
+                <a:spcPts val="300"/>
+              </a:spcBef>
+              <a:buNone/>
+            </a:pPr>
+            <a:r>
+              <a:rPr lang="en-US" dirty="0">
+                <a:solidFill>
+                  <a:srgbClr val="4B69C6"/>
+                </a:solidFill>
+                <a:latin typeface="Menlo" panose="020B0609030804020204" pitchFamily="49" charset="0"/>
+              </a:rPr>
+              <a:t>data</a:t>
+            </a:r>
+            <a:r>
+              <a:rPr lang="en-US" dirty="0">
+                <a:solidFill>
+                  <a:srgbClr val="333333"/>
+                </a:solidFill>
+                <a:latin typeface="Menlo" panose="020B0609030804020204" pitchFamily="49" charset="0"/>
+              </a:rPr>
+              <a:t> </a:t>
+            </a:r>
+            <a:r>
+              <a:rPr lang="en-US" dirty="0">
+                <a:solidFill>
+                  <a:srgbClr val="7A3E9D"/>
+                </a:solidFill>
+                <a:latin typeface="Menlo" panose="020B0609030804020204" pitchFamily="49" charset="0"/>
+              </a:rPr>
+              <a:t>Exp</a:t>
+            </a:r>
+            <a:r>
+              <a:rPr lang="en-US" dirty="0">
+                <a:solidFill>
+                  <a:srgbClr val="333333"/>
+                </a:solidFill>
+                <a:latin typeface="Menlo" panose="020B0609030804020204" pitchFamily="49" charset="0"/>
+              </a:rPr>
+              <a:t> = Var Var           </a:t>
+            </a:r>
+          </a:p>
+          <a:p>
+            <a:pPr marL="0" indent="0">
+              <a:spcBef>
+                <a:spcPts val="300"/>
+              </a:spcBef>
+              <a:buNone/>
+            </a:pPr>
+            <a:r>
+              <a:rPr lang="en-US" dirty="0">
+                <a:solidFill>
+                  <a:srgbClr val="333333"/>
+                </a:solidFill>
+                <a:latin typeface="Menlo" panose="020B0609030804020204" pitchFamily="49" charset="0"/>
+              </a:rPr>
+              <a:t>         | Lam (Bind Exp) </a:t>
+            </a:r>
+          </a:p>
+          <a:p>
+            <a:pPr marL="0" indent="0">
+              <a:spcBef>
+                <a:spcPts val="300"/>
+              </a:spcBef>
+              <a:buNone/>
+            </a:pPr>
+            <a:r>
+              <a:rPr lang="en-US" dirty="0">
+                <a:solidFill>
+                  <a:srgbClr val="333333"/>
+                </a:solidFill>
+                <a:latin typeface="Menlo" panose="020B0609030804020204" pitchFamily="49" charset="0"/>
+              </a:rPr>
+              <a:t>         | App Exp Exp</a:t>
+            </a:r>
+          </a:p>
+          <a:p>
+            <a:pPr marL="0" indent="0">
+              <a:spcBef>
+                <a:spcPts val="300"/>
+              </a:spcBef>
+              <a:buNone/>
+            </a:pPr>
+            <a:endParaRPr lang="en-US" dirty="0">
+              <a:solidFill>
+                <a:srgbClr val="333333"/>
+              </a:solidFill>
+              <a:latin typeface="Menlo" panose="020B0609030804020204" pitchFamily="49" charset="0"/>
+            </a:endParaRPr>
+          </a:p>
+          <a:p>
+            <a:pPr marL="0" indent="0">
+              <a:buNone/>
+            </a:pPr>
+            <a:r>
+              <a:rPr lang="en-US" dirty="0">
+                <a:solidFill>
+                  <a:srgbClr val="4B69C6"/>
+                </a:solidFill>
+                <a:latin typeface="Menlo" panose="020B0609030804020204" pitchFamily="49" charset="0"/>
+              </a:rPr>
+              <a:t>type</a:t>
+            </a:r>
+            <a:r>
+              <a:rPr lang="en-US" dirty="0">
+                <a:latin typeface="Menlo" panose="020B0609030804020204" pitchFamily="49" charset="0"/>
+                <a:ea typeface="Menlo" panose="020B0609030804020204" pitchFamily="49" charset="0"/>
+                <a:cs typeface="Menlo" panose="020B0609030804020204" pitchFamily="49" charset="0"/>
+              </a:rPr>
+              <a:t> Var  -- some way to represent variables</a:t>
+            </a:r>
+          </a:p>
+          <a:p>
+            <a:pPr marL="0" indent="0">
+              <a:buNone/>
+            </a:pPr>
+            <a:r>
+              <a:rPr lang="en-US" dirty="0">
+                <a:solidFill>
+                  <a:srgbClr val="4B69C6"/>
+                </a:solidFill>
+                <a:latin typeface="Menlo" panose="020B0609030804020204" pitchFamily="49" charset="0"/>
+              </a:rPr>
+              <a:t>type</a:t>
+            </a:r>
+            <a:r>
+              <a:rPr lang="en-US" dirty="0">
+                <a:latin typeface="Menlo" panose="020B0609030804020204" pitchFamily="49" charset="0"/>
+                <a:ea typeface="Menlo" panose="020B0609030804020204" pitchFamily="49" charset="0"/>
+                <a:cs typeface="Menlo" panose="020B0609030804020204" pitchFamily="49" charset="0"/>
+              </a:rPr>
+              <a:t> Bind t -- some way to represent binding/scope</a:t>
+            </a:r>
+          </a:p>
+          <a:p>
+            <a:pPr marL="0" indent="0">
+              <a:buNone/>
+            </a:pPr>
+            <a:endParaRPr lang="en-US" dirty="0">
+              <a:latin typeface="Menlo" panose="020B0609030804020204" pitchFamily="49" charset="0"/>
+              <a:ea typeface="Menlo" panose="020B0609030804020204" pitchFamily="49" charset="0"/>
+              <a:cs typeface="Menlo" panose="020B0609030804020204" pitchFamily="49" charset="0"/>
+            </a:endParaRPr>
+          </a:p>
+          <a:p>
+            <a:pPr marL="0" indent="0">
+              <a:buNone/>
+            </a:pPr>
+            <a:r>
+              <a:rPr lang="en-US" dirty="0" err="1">
+                <a:latin typeface="Menlo" panose="020B0609030804020204" pitchFamily="49" charset="0"/>
+                <a:ea typeface="Menlo" panose="020B0609030804020204" pitchFamily="49" charset="0"/>
+                <a:cs typeface="Menlo" panose="020B0609030804020204" pitchFamily="49" charset="0"/>
+              </a:rPr>
+              <a:t>aeq</a:t>
+            </a:r>
+            <a:r>
+              <a:rPr lang="en-US" dirty="0">
+                <a:latin typeface="Menlo" panose="020B0609030804020204" pitchFamily="49" charset="0"/>
+                <a:ea typeface="Menlo" panose="020B0609030804020204" pitchFamily="49" charset="0"/>
+                <a:cs typeface="Menlo" panose="020B0609030804020204" pitchFamily="49" charset="0"/>
+              </a:rPr>
+              <a:t> :: Exp -&gt; Exp -&gt; Bool</a:t>
+            </a:r>
+          </a:p>
+          <a:p>
+            <a:pPr marL="0" indent="0">
+              <a:buNone/>
+            </a:pPr>
+            <a:r>
+              <a:rPr lang="en-US" dirty="0" err="1">
+                <a:latin typeface="Menlo" panose="020B0609030804020204" pitchFamily="49" charset="0"/>
+                <a:ea typeface="Menlo" panose="020B0609030804020204" pitchFamily="49" charset="0"/>
+                <a:cs typeface="Menlo" panose="020B0609030804020204" pitchFamily="49" charset="0"/>
+              </a:rPr>
+              <a:t>subst</a:t>
+            </a:r>
+            <a:r>
+              <a:rPr lang="en-US" dirty="0">
+                <a:latin typeface="Menlo" panose="020B0609030804020204" pitchFamily="49" charset="0"/>
+                <a:ea typeface="Menlo" panose="020B0609030804020204" pitchFamily="49" charset="0"/>
+                <a:cs typeface="Menlo" panose="020B0609030804020204" pitchFamily="49" charset="0"/>
+              </a:rPr>
+              <a:t> :: Var -&gt; Exp -&gt; Exp -&gt; Exp</a:t>
+            </a:r>
+            <a:endParaRPr lang="en-US" dirty="0"/>
+          </a:p>
+          <a:p>
+            <a:pPr marL="0" indent="0">
+              <a:buNone/>
+            </a:pPr>
+            <a:endParaRPr lang="en-US" dirty="0"/>
+          </a:p>
+        </p:txBody>
+      </p:sp>
+    </p:spTree>
+    <p:extLst>
+      <p:ext uri="{BB962C8B-B14F-4D97-AF65-F5344CB8AC3E}">
+        <p14:creationId xmlns:p14="http://schemas.microsoft.com/office/powerpoint/2010/main" val="3828990099"/>
+      </p:ext>
+    </p:extLst>
+  </p:cSld>
+  <p:clrMapOvr>
+    <a:masterClrMapping/>
+  </p:clrMapOvr>
+</p:sld>
+</file>
+
+<file path=ppt/slides/slide5.xml><?xml version="1.0" encoding="utf-8"?>
+<p:sld xmlns:a="http://schemas.openxmlformats.org/drawingml/2006/main" xmlns:r="http://schemas.openxmlformats.org/officeDocument/2006/relationships" xmlns:p="http://schemas.openxmlformats.org/presentationml/2006/main">
+  <p:cSld>
+    <p:spTree>
+      <p:nvGrpSpPr>
+        <p:cNvPr id="1" name=""/>
+        <p:cNvGrpSpPr/>
+        <p:nvPr/>
+      </p:nvGrpSpPr>
+      <p:grpSpPr>
+        <a:xfrm>
+          <a:off x="0" y="0"/>
+          <a:ext cx="0" cy="0"/>
+          <a:chOff x="0" y="0"/>
+          <a:chExt cx="0" cy="0"/>
+        </a:xfrm>
+      </p:grpSpPr>
+      <p:sp>
+        <p:nvSpPr>
           <p:cNvPr id="5" name="Title 4">
             <a:extLst>
               <a:ext uri="{FF2B5EF4-FFF2-40B4-BE49-F238E27FC236}">
@@ -25534,184 +25203,6 @@
     <p:extLst>
       <p:ext uri="{BB962C8B-B14F-4D97-AF65-F5344CB8AC3E}">
         <p14:creationId xmlns:p14="http://schemas.microsoft.com/office/powerpoint/2010/main" val="103363304"/>
-      </p:ext>
-    </p:extLst>
-  </p:cSld>
-  <p:clrMapOvr>
-    <a:masterClrMapping/>
-  </p:clrMapOvr>
-</p:sld>
-</file>
-
-<file path=ppt/slides/slide5.xml><?xml version="1.0" encoding="utf-8"?>
-<p:sld xmlns:a="http://schemas.openxmlformats.org/drawingml/2006/main" xmlns:r="http://schemas.openxmlformats.org/officeDocument/2006/relationships" xmlns:p="http://schemas.openxmlformats.org/presentationml/2006/main">
-  <p:cSld>
-    <p:spTree>
-      <p:nvGrpSpPr>
-        <p:cNvPr id="1" name=""/>
-        <p:cNvGrpSpPr/>
-        <p:nvPr/>
-      </p:nvGrpSpPr>
-      <p:grpSpPr>
-        <a:xfrm>
-          <a:off x="0" y="0"/>
-          <a:ext cx="0" cy="0"/>
-          <a:chOff x="0" y="0"/>
-          <a:chExt cx="0" cy="0"/>
-        </a:xfrm>
-      </p:grpSpPr>
-      <p:sp>
-        <p:nvSpPr>
-          <p:cNvPr id="4" name="Title 3">
-            <a:extLst>
-              <a:ext uri="{FF2B5EF4-FFF2-40B4-BE49-F238E27FC236}">
-                <a16:creationId xmlns:a16="http://schemas.microsoft.com/office/drawing/2014/main" id="{433A13B1-8BA1-C642-9161-244BF4A0D424}"/>
-              </a:ext>
-            </a:extLst>
-          </p:cNvPr>
-          <p:cNvSpPr>
-            <a:spLocks noGrp="1"/>
-          </p:cNvSpPr>
-          <p:nvPr>
-            <p:ph type="title"/>
-          </p:nvPr>
-        </p:nvSpPr>
-        <p:spPr/>
-        <p:txBody>
-          <a:bodyPr>
-            <a:normAutofit/>
-          </a:bodyPr>
-          <a:lstStyle/>
-          <a:p>
-            <a:r>
-              <a:rPr lang="en-US" dirty="0"/>
-              <a:t>What makes a good implementation?</a:t>
-            </a:r>
-          </a:p>
-        </p:txBody>
-      </p:sp>
-      <p:sp>
-        <p:nvSpPr>
-          <p:cNvPr id="5" name="Content Placeholder 4">
-            <a:extLst>
-              <a:ext uri="{FF2B5EF4-FFF2-40B4-BE49-F238E27FC236}">
-                <a16:creationId xmlns:a16="http://schemas.microsoft.com/office/drawing/2014/main" id="{18B28975-1768-A543-9D02-1BB9329C7767}"/>
-              </a:ext>
-            </a:extLst>
-          </p:cNvPr>
-          <p:cNvSpPr>
-            <a:spLocks noGrp="1"/>
-          </p:cNvSpPr>
-          <p:nvPr>
-            <p:ph idx="1"/>
-          </p:nvPr>
-        </p:nvSpPr>
-        <p:spPr>
-          <a:xfrm>
-            <a:off x="375152" y="1168924"/>
-            <a:ext cx="7703723" cy="3463799"/>
-          </a:xfrm>
-        </p:spPr>
-        <p:txBody>
-          <a:bodyPr/>
-          <a:lstStyle/>
-          <a:p>
-            <a:r>
-              <a:rPr lang="en-US" dirty="0"/>
-              <a:t>Quick implementation of key operations, </a:t>
-            </a:r>
-            <a:r>
-              <a:rPr lang="en-US"/>
-              <a:t>with high confidence</a:t>
-            </a:r>
-            <a:endParaRPr lang="en-US" dirty="0"/>
-          </a:p>
-          <a:p>
-            <a:pPr lvl="1"/>
-            <a:r>
-              <a:rPr lang="en-US" dirty="0"/>
-              <a:t>No matter what our language really is, because it is probably not actually the untyped lambda calculus</a:t>
-            </a:r>
-          </a:p>
-          <a:p>
-            <a:pPr lvl="1"/>
-            <a:r>
-              <a:rPr lang="en-US" dirty="0"/>
-              <a:t>i.e. could have multiple binders, patterns, </a:t>
-            </a:r>
-            <a:r>
-              <a:rPr lang="en-US" dirty="0" err="1"/>
-              <a:t>etc</a:t>
-            </a:r>
-            <a:endParaRPr lang="en-US" dirty="0"/>
-          </a:p>
-          <a:p>
-            <a:r>
-              <a:rPr lang="en-US" dirty="0"/>
-              <a:t>Minimal invariants to keep track of</a:t>
-            </a:r>
-          </a:p>
-          <a:p>
-            <a:pPr lvl="1"/>
-            <a:r>
-              <a:rPr lang="en-US" dirty="0"/>
-              <a:t>Or at least help with them</a:t>
-            </a:r>
-          </a:p>
-          <a:p>
-            <a:pPr lvl="1"/>
-            <a:r>
-              <a:rPr lang="en-US" dirty="0"/>
-              <a:t>example invariants:  BVC, shifting indices when changing scopes, </a:t>
-            </a:r>
-          </a:p>
-          <a:p>
-            <a:r>
-              <a:rPr lang="en-US" dirty="0"/>
-              <a:t>Reasonably fast runtime execution</a:t>
-            </a:r>
-          </a:p>
-          <a:p>
-            <a:pPr lvl="1"/>
-            <a:r>
-              <a:rPr lang="en-US" dirty="0"/>
-              <a:t>Very easy to end up with quadratic execution times</a:t>
-            </a:r>
-          </a:p>
-          <a:p>
-            <a:pPr lvl="1"/>
-            <a:r>
-              <a:rPr lang="en-US" dirty="0"/>
-              <a:t>Opportunity for early cut-off  (\</a:t>
-            </a:r>
-            <a:r>
-              <a:rPr lang="en-US" dirty="0" err="1"/>
-              <a:t>x.a</a:t>
-            </a:r>
-            <a:r>
-              <a:rPr lang="en-US" dirty="0"/>
-              <a:t>) {b/x}</a:t>
-            </a:r>
-          </a:p>
-          <a:p>
-            <a:pPr lvl="1"/>
-            <a:r>
-              <a:rPr lang="en-US" dirty="0"/>
-              <a:t>Constant factors dominate though</a:t>
-            </a:r>
-          </a:p>
-          <a:p>
-            <a:pPr marL="342900" lvl="1" indent="0">
-              <a:buNone/>
-            </a:pPr>
-            <a:endParaRPr lang="en-US" dirty="0"/>
-          </a:p>
-        </p:txBody>
-      </p:sp>
-    </p:spTree>
-    <p:extLst>
-      <p:ext uri="{BB962C8B-B14F-4D97-AF65-F5344CB8AC3E}">
-        <p14:creationId xmlns:p14="http://schemas.microsoft.com/office/powerpoint/2010/main" val="1257689365"/>
       </p:ext>
     </p:extLst>
   </p:cSld>
@@ -25761,7 +25252,7 @@
           <a:p>
             <a:r>
               <a:rPr lang="en-US" dirty="0"/>
-              <a:t>Why so many? Why is this difficult?</a:t>
+              <a:t>Why so many? </a:t>
             </a:r>
           </a:p>
         </p:txBody>
@@ -25785,7 +25276,7 @@
         <p:spPr>
           <a:xfrm>
             <a:off x="375152" y="1168924"/>
-            <a:ext cx="7533937" cy="3463799"/>
+            <a:ext cx="8353212" cy="3463799"/>
           </a:xfrm>
         </p:spPr>
         <p:txBody>
@@ -25794,13 +25285,37 @@
           <a:p>
             <a:r>
               <a:rPr lang="en-US" dirty="0"/>
-              <a:t>Different goals: implementation vs. proofs</a:t>
-            </a:r>
-          </a:p>
-          <a:p>
+              <a:t>Different goals: compiler vs. type checker vs. didactic explanation vs. proofs</a:t>
+            </a:r>
+          </a:p>
+          <a:p>
+            <a:pPr lvl="1"/>
             <a:r>
               <a:rPr lang="en-US" dirty="0"/>
-              <a:t>Subtle bugs in alpha-equivalence and capture-avoiding substitution are common, some designed to be "easier" </a:t>
+              <a:t>Subtle bugs are common, some designed to be "easier to use"</a:t>
+            </a:r>
+          </a:p>
+          <a:p>
+            <a:pPr lvl="1"/>
+            <a:r>
+              <a:rPr lang="en-US" dirty="0"/>
+              <a:t>Proofs are important, some designed to be "easier to reason about" </a:t>
+            </a:r>
+          </a:p>
+          <a:p>
+            <a:pPr lvl="1"/>
+            <a:r>
+              <a:rPr lang="en-US" dirty="0"/>
+              <a:t>Performance is important, some designed to be "faster"</a:t>
+            </a:r>
+          </a:p>
+          <a:p>
+            <a:pPr marL="0" indent="0">
+              <a:buNone/>
+            </a:pPr>
+            <a:r>
+              <a:rPr lang="en-US" dirty="0"/>
+              <a:t>But …</a:t>
             </a:r>
           </a:p>
           <a:p>
@@ -25813,20 +25328,6 @@
             <a:r>
               <a:rPr lang="en-US" dirty="0"/>
               <a:t>Benchmarking is challenging: every language is used for a different purpose, so no common benchmark suites</a:t>
-            </a:r>
-          </a:p>
-          <a:p>
-            <a:r>
-              <a:rPr lang="en-US" dirty="0"/>
-              <a:t>Performance of substitution operation often tangled with "optimal reduction</a:t>
-            </a:r>
-            <a:r>
-              <a:rPr lang="en-US"/>
-              <a:t>" (a </a:t>
-            </a:r>
-            <a:r>
-              <a:rPr lang="en-US" dirty="0"/>
-              <a:t>separate problem)</a:t>
             </a:r>
           </a:p>
         </p:txBody>
@@ -25917,6 +25418,12 @@
           <a:p>
             <a:r>
               <a:rPr lang="en-US" dirty="0"/>
+              <a:t>Focus on "pure" and "natural" implementations</a:t>
+            </a:r>
+          </a:p>
+          <a:p>
+            <a:r>
+              <a:rPr lang="en-US" dirty="0"/>
               <a:t>Gather implementations &amp; variations for comparison</a:t>
             </a:r>
           </a:p>
@@ -25958,7 +25465,7 @@
             <a:pPr lvl="1"/>
             <a:r>
               <a:rPr lang="en-US" dirty="0"/>
-              <a:t>Project opportunity: use mutation testing to evaluate QC properties and shrink the unit test suite</a:t>
+              <a:t>(Project opportunity: use mutation testing to evaluate QC properties and shrink the unit test suite)</a:t>
             </a:r>
           </a:p>
           <a:p>
@@ -25972,6 +25479,13 @@
             <a:r>
               <a:rPr lang="en-US" dirty="0"/>
               <a:t>Identify trade-offs (not based on "real world" applications)</a:t>
+            </a:r>
+          </a:p>
+          <a:p>
+            <a:pPr lvl="1"/>
+            <a:r>
+              <a:rPr lang="en-US" dirty="0"/>
+              <a:t>Not a benchmark for reduction, or abstract machines, etc.</a:t>
             </a:r>
           </a:p>
           <a:p>
@@ -26014,10 +25528,10 @@
       </p:grpSpPr>
       <p:sp>
         <p:nvSpPr>
-          <p:cNvPr id="2" name="Title 1">
+          <p:cNvPr id="4" name="Title 3">
             <a:extLst>
               <a:ext uri="{FF2B5EF4-FFF2-40B4-BE49-F238E27FC236}">
-                <a16:creationId xmlns:a16="http://schemas.microsoft.com/office/drawing/2014/main" id="{7A474519-AB07-354B-89FF-A89A018A4CB5}"/>
+                <a16:creationId xmlns:a16="http://schemas.microsoft.com/office/drawing/2014/main" id="{433A13B1-8BA1-C642-9161-244BF4A0D424}"/>
               </a:ext>
             </a:extLst>
           </p:cNvPr>
@@ -26030,22 +25544,24 @@
         </p:nvSpPr>
         <p:spPr/>
         <p:txBody>
-          <a:bodyPr/>
+          <a:bodyPr>
+            <a:normAutofit/>
+          </a:bodyPr>
           <a:lstStyle/>
           <a:p>
             <a:r>
               <a:rPr lang="en-US" dirty="0"/>
-              <a:t>Benchmarks</a:t>
+              <a:t>What makes a good implementation?</a:t>
             </a:r>
           </a:p>
         </p:txBody>
       </p:sp>
       <p:sp>
         <p:nvSpPr>
-          <p:cNvPr id="3" name="Content Placeholder 2">
+          <p:cNvPr id="5" name="Content Placeholder 4">
             <a:extLst>
               <a:ext uri="{FF2B5EF4-FFF2-40B4-BE49-F238E27FC236}">
-                <a16:creationId xmlns:a16="http://schemas.microsoft.com/office/drawing/2014/main" id="{88F9C340-EB43-9B4C-B963-C8EBCA72AA95}"/>
+                <a16:creationId xmlns:a16="http://schemas.microsoft.com/office/drawing/2014/main" id="{18B28975-1768-A543-9D02-1BB9329C7767}"/>
               </a:ext>
             </a:extLst>
           </p:cNvPr>
@@ -26056,80 +25572,107 @@
             <p:ph idx="1"/>
           </p:nvPr>
         </p:nvSpPr>
-        <p:spPr/>
+        <p:spPr>
+          <a:xfrm>
+            <a:off x="375152" y="1168924"/>
+            <a:ext cx="7703723" cy="3463799"/>
+          </a:xfrm>
+        </p:spPr>
         <p:txBody>
           <a:bodyPr/>
           <a:lstStyle/>
           <a:p>
-            <a:pPr marL="0" indent="0">
+            <a:r>
+              <a:rPr lang="en-US" dirty="0"/>
+              <a:t>Quick implementation of key operations, with high confidence</a:t>
+            </a:r>
+          </a:p>
+          <a:p>
+            <a:pPr lvl="1"/>
+            <a:r>
+              <a:rPr lang="en-US" dirty="0"/>
+              <a:t>No matter what our language really is, because it is probably not actually the untyped lambda calculus</a:t>
+            </a:r>
+          </a:p>
+          <a:p>
+            <a:pPr lvl="1"/>
+            <a:r>
+              <a:rPr lang="en-US" dirty="0"/>
+              <a:t>i.e. could have multiple binders, patterns, </a:t>
+            </a:r>
+            <a:r>
+              <a:rPr lang="en-US" dirty="0" err="1"/>
+              <a:t>etc</a:t>
+            </a:r>
+            <a:endParaRPr lang="en-US" dirty="0"/>
+          </a:p>
+          <a:p>
+            <a:r>
+              <a:rPr lang="en-US" dirty="0"/>
+              <a:t>Minimal invariants to keep track of</a:t>
+            </a:r>
+          </a:p>
+          <a:p>
+            <a:pPr lvl="1"/>
+            <a:r>
+              <a:rPr lang="en-US" dirty="0"/>
+              <a:t>Or at least help with them</a:t>
+            </a:r>
+          </a:p>
+          <a:p>
+            <a:pPr lvl="1"/>
+            <a:r>
+              <a:rPr lang="en-US" dirty="0"/>
+              <a:t>example invariants:  BVC, shifting indices when changing scopes, </a:t>
+            </a:r>
+          </a:p>
+          <a:p>
+            <a:r>
+              <a:rPr lang="en-US" dirty="0"/>
+              <a:t>Reasonably fast runtime execution</a:t>
+            </a:r>
+          </a:p>
+          <a:p>
+            <a:pPr lvl="1"/>
+            <a:r>
+              <a:rPr lang="en-US" dirty="0"/>
+              <a:t>Very easy to end up with quadratic execution times</a:t>
+            </a:r>
+          </a:p>
+          <a:p>
+            <a:pPr lvl="1"/>
+            <a:r>
+              <a:rPr lang="en-US" dirty="0"/>
+              <a:t>Opportunity for early cut-off  (\</a:t>
+            </a:r>
+            <a:r>
+              <a:rPr lang="en-US" dirty="0" err="1"/>
+              <a:t>x.a</a:t>
+            </a:r>
+            <a:r>
+              <a:rPr lang="en-US" dirty="0"/>
+              <a:t>) {b/x}</a:t>
+            </a:r>
+          </a:p>
+          <a:p>
+            <a:pPr lvl="1"/>
+            <a:r>
+              <a:rPr lang="en-US" dirty="0"/>
+              <a:t>Constant factors dominate though</a:t>
+            </a:r>
+          </a:p>
+          <a:p>
+            <a:pPr marL="342900" lvl="1" indent="0">
               <a:buNone/>
             </a:pPr>
-            <a:r>
-              <a:rPr lang="en-US" dirty="0"/>
-              <a:t>Alpha-equivalence</a:t>
-            </a:r>
-          </a:p>
-          <a:p>
-            <a:pPr lvl="1"/>
-            <a:r>
-              <a:rPr lang="en-US" dirty="0"/>
-              <a:t>compare a large term with itself</a:t>
-            </a:r>
-          </a:p>
-          <a:p>
-            <a:pPr lvl="1"/>
-            <a:r>
-              <a:rPr lang="en-US" dirty="0"/>
-              <a:t>compare a large term with its "freshened" version</a:t>
-            </a:r>
-          </a:p>
-          <a:p>
-            <a:pPr lvl="1"/>
-            <a:r>
-              <a:rPr lang="en-US" dirty="0"/>
-              <a:t>TODO: compare a large term with a randomly freshened version (what percentage of binders)?</a:t>
-            </a:r>
-          </a:p>
-          <a:p>
-            <a:pPr lvl="1"/>
             <a:endParaRPr lang="en-US" dirty="0"/>
-          </a:p>
-          <a:p>
-            <a:pPr marL="0" indent="0">
-              <a:buNone/>
-            </a:pPr>
-            <a:r>
-              <a:rPr lang="en-US" dirty="0"/>
-              <a:t>Substitution --- use normal-order reduction of terms to generate many calls to substitution operation</a:t>
-            </a:r>
-          </a:p>
-          <a:p>
-            <a:pPr lvl="1"/>
-            <a:r>
-              <a:rPr lang="en-US" dirty="0"/>
-              <a:t>random terms (careful with generation)</a:t>
-            </a:r>
-          </a:p>
-          <a:p>
-            <a:pPr lvl="1"/>
-            <a:r>
-              <a:rPr lang="en-US" dirty="0"/>
-              <a:t>constructed terms (catch linear/quadratic behavior)</a:t>
-            </a:r>
-          </a:p>
-          <a:p>
-            <a:pPr lvl="1"/>
-            <a:r>
-              <a:rPr lang="en-US" dirty="0"/>
-              <a:t>Lennart's term</a:t>
-            </a:r>
           </a:p>
         </p:txBody>
       </p:sp>
     </p:spTree>
     <p:extLst>
       <p:ext uri="{BB962C8B-B14F-4D97-AF65-F5344CB8AC3E}">
-        <p14:creationId xmlns:p14="http://schemas.microsoft.com/office/powerpoint/2010/main" val="91782942"/>
+        <p14:creationId xmlns:p14="http://schemas.microsoft.com/office/powerpoint/2010/main" val="1257689365"/>
       </p:ext>
     </p:extLst>
   </p:cSld>
@@ -26158,10 +25701,68 @@
       </p:grpSpPr>
       <p:sp>
         <p:nvSpPr>
+          <p:cNvPr id="4" name="Rectangle 3">
+            <a:extLst>
+              <a:ext uri="{FF2B5EF4-FFF2-40B4-BE49-F238E27FC236}">
+                <a16:creationId xmlns:a16="http://schemas.microsoft.com/office/drawing/2014/main" id="{6B3F4FAE-19D2-DA47-9236-0FABB005904C}"/>
+              </a:ext>
+            </a:extLst>
+          </p:cNvPr>
+          <p:cNvSpPr/>
+          <p:nvPr/>
+        </p:nvSpPr>
+        <p:spPr>
+          <a:xfrm>
+            <a:off x="375152" y="1123950"/>
+            <a:ext cx="8473284" cy="2352780"/>
+          </a:xfrm>
+          <a:prstGeom prst="rect">
+            <a:avLst/>
+          </a:prstGeom>
+          <a:solidFill>
+            <a:schemeClr val="accent1">
+              <a:lumMod val="20000"/>
+              <a:lumOff val="80000"/>
+            </a:schemeClr>
+          </a:solidFill>
+          <a:ln>
+            <a:noFill/>
+          </a:ln>
+        </p:spPr>
+        <p:style>
+          <a:lnRef idx="2">
+            <a:schemeClr val="accent1">
+              <a:shade val="50000"/>
+            </a:schemeClr>
+          </a:lnRef>
+          <a:fillRef idx="1">
+            <a:schemeClr val="accent1"/>
+          </a:fillRef>
+          <a:effectRef idx="0">
+            <a:schemeClr val="accent1"/>
+          </a:effectRef>
+          <a:fontRef idx="minor">
+            <a:schemeClr val="lt1"/>
+          </a:fontRef>
+        </p:style>
+        <p:txBody>
+          <a:bodyPr rtlCol="0" anchor="ctr"/>
+          <a:lstStyle/>
+          <a:p>
+            <a:pPr algn="ctr"/>
+            <a:r>
+              <a:rPr lang="en-US" dirty="0"/>
+              <a:t> </a:t>
+            </a:r>
+          </a:p>
+        </p:txBody>
+      </p:sp>
+      <p:sp>
+        <p:nvSpPr>
           <p:cNvPr id="2" name="Title 1">
             <a:extLst>
               <a:ext uri="{FF2B5EF4-FFF2-40B4-BE49-F238E27FC236}">
-                <a16:creationId xmlns:a16="http://schemas.microsoft.com/office/drawing/2014/main" id="{94F32DAA-5F46-7C45-9BEB-5E380510A4B8}"/>
+                <a16:creationId xmlns:a16="http://schemas.microsoft.com/office/drawing/2014/main" id="{268DEB66-8E44-A74C-8209-8B66DAA8E8AC}"/>
               </a:ext>
             </a:extLst>
           </p:cNvPr>
@@ -26179,7 +25780,7 @@
           <a:p>
             <a:r>
               <a:rPr lang="en-US" dirty="0"/>
-              <a:t>General Datatype</a:t>
+              <a:t>15 different de Bruijn implementations?</a:t>
             </a:r>
           </a:p>
         </p:txBody>
@@ -26189,7 +25790,7 @@
           <p:cNvPr id="3" name="Content Placeholder 2">
             <a:extLst>
               <a:ext uri="{FF2B5EF4-FFF2-40B4-BE49-F238E27FC236}">
-                <a16:creationId xmlns:a16="http://schemas.microsoft.com/office/drawing/2014/main" id="{70C3A6F2-93C8-8748-B392-904F7F2525F4}"/>
+                <a16:creationId xmlns:a16="http://schemas.microsoft.com/office/drawing/2014/main" id="{7061582F-65C4-7F40-A366-C68B938232E4}"/>
               </a:ext>
             </a:extLst>
           </p:cNvPr>
@@ -26202,12 +25803,14 @@
         </p:nvSpPr>
         <p:spPr>
           <a:xfrm>
-            <a:off x="375152" y="1168924"/>
-            <a:ext cx="8561457" cy="3273767"/>
+            <a:off x="387929" y="1123950"/>
+            <a:ext cx="8768848" cy="3463799"/>
           </a:xfrm>
         </p:spPr>
         <p:txBody>
-          <a:bodyPr/>
+          <a:bodyPr>
+            <a:normAutofit/>
+          </a:bodyPr>
           <a:lstStyle/>
           <a:p>
             <a:pPr marL="0" indent="0">
@@ -26250,7 +25853,7 @@
                 </a:solidFill>
                 <a:latin typeface="Menlo" panose="020B0609030804020204" pitchFamily="49" charset="0"/>
               </a:rPr>
-              <a:t> = Var Var           </a:t>
+              <a:t> = Var Var </a:t>
             </a:r>
           </a:p>
           <a:p>
@@ -26285,6 +25888,23 @@
                 <a:latin typeface="Menlo" panose="020B0609030804020204" pitchFamily="49" charset="0"/>
               </a:rPr>
               <a:t>         | App Exp Exp</a:t>
+            </a:r>
+          </a:p>
+          <a:p>
+            <a:pPr marL="0" indent="0">
+              <a:spcBef>
+                <a:spcPts val="300"/>
+              </a:spcBef>
+              <a:buNone/>
+            </a:pPr>
+            <a:r>
+              <a:rPr lang="en-US" dirty="0">
+                <a:solidFill>
+                  <a:srgbClr val="333333"/>
+                </a:solidFill>
+                <a:latin typeface="Menlo" panose="020B0609030804020204" pitchFamily="49" charset="0"/>
+              </a:rPr>
+              <a:t>	deriving (Eq)</a:t>
             </a:r>
           </a:p>
           <a:p>
@@ -26303,30 +25923,338 @@
           </a:p>
           <a:p>
             <a:pPr marL="0" indent="0">
+              <a:spcBef>
+                <a:spcPts val="300"/>
+              </a:spcBef>
               <a:buNone/>
             </a:pPr>
             <a:r>
               <a:rPr lang="en-US" dirty="0">
-                <a:latin typeface="Menlo" panose="020B0609030804020204" pitchFamily="49" charset="0"/>
-                <a:ea typeface="Menlo" panose="020B0609030804020204" pitchFamily="49" charset="0"/>
-                <a:cs typeface="Menlo" panose="020B0609030804020204" pitchFamily="49" charset="0"/>
-              </a:rPr>
-              <a:t>type Var  -- some way to represent variables</a:t>
+                <a:solidFill>
+                  <a:srgbClr val="4B69C6"/>
+                </a:solidFill>
+                <a:latin typeface="Menlo" panose="020B0609030804020204" pitchFamily="49" charset="0"/>
+              </a:rPr>
+              <a:t>type</a:t>
+            </a:r>
+            <a:r>
+              <a:rPr lang="en-US" dirty="0">
+                <a:solidFill>
+                  <a:srgbClr val="333333"/>
+                </a:solidFill>
+                <a:latin typeface="Menlo" panose="020B0609030804020204" pitchFamily="49" charset="0"/>
+              </a:rPr>
+              <a:t> Var = Int      -- variables are indices</a:t>
+            </a:r>
+            <a:br>
+              <a:rPr lang="en-US" dirty="0">
+                <a:solidFill>
+                  <a:srgbClr val="333333"/>
+                </a:solidFill>
+                <a:latin typeface="Menlo" panose="020B0609030804020204" pitchFamily="49" charset="0"/>
+              </a:rPr>
+            </a:br>
+            <a:r>
+              <a:rPr lang="en-US" dirty="0">
+                <a:solidFill>
+                  <a:srgbClr val="4B69C6"/>
+                </a:solidFill>
+                <a:latin typeface="Menlo" panose="020B0609030804020204" pitchFamily="49" charset="0"/>
+              </a:rPr>
+              <a:t>type </a:t>
+            </a:r>
+            <a:r>
+              <a:rPr lang="en-US" dirty="0">
+                <a:solidFill>
+                  <a:srgbClr val="333333"/>
+                </a:solidFill>
+                <a:latin typeface="Menlo" panose="020B0609030804020204" pitchFamily="49" charset="0"/>
+              </a:rPr>
+              <a:t>Bind t = t     -- no info at binders</a:t>
             </a:r>
           </a:p>
           <a:p>
             <a:pPr marL="0" indent="0">
+              <a:spcBef>
+                <a:spcPts val="300"/>
+              </a:spcBef>
               <a:buNone/>
             </a:pPr>
+            <a:endParaRPr lang="en-US" dirty="0">
+              <a:solidFill>
+                <a:srgbClr val="333333"/>
+              </a:solidFill>
+              <a:latin typeface="Menlo" panose="020B0609030804020204" pitchFamily="49" charset="0"/>
+            </a:endParaRPr>
+          </a:p>
+          <a:p>
+            <a:pPr marL="0" indent="0">
+              <a:spcBef>
+                <a:spcPts val="300"/>
+              </a:spcBef>
+              <a:buNone/>
+            </a:pPr>
+            <a:endParaRPr lang="en-US" dirty="0">
+              <a:solidFill>
+                <a:srgbClr val="002060"/>
+              </a:solidFill>
+              <a:latin typeface="Menlo" panose="020B0609030804020204" pitchFamily="49" charset="0"/>
+            </a:endParaRPr>
+          </a:p>
+          <a:p>
+            <a:pPr marL="0" indent="0">
+              <a:buNone/>
+            </a:pPr>
             <a:r>
               <a:rPr lang="en-US" dirty="0">
-                <a:latin typeface="Menlo" panose="020B0609030804020204" pitchFamily="49" charset="0"/>
-                <a:ea typeface="Menlo" panose="020B0609030804020204" pitchFamily="49" charset="0"/>
-                <a:cs typeface="Menlo" panose="020B0609030804020204" pitchFamily="49" charset="0"/>
-              </a:rPr>
-              <a:t>type Bind t -- some way to represent binding/scope</a:t>
-            </a:r>
-            <a:endParaRPr lang="en-US" dirty="0"/>
+                <a:solidFill>
+                  <a:srgbClr val="002060"/>
+                </a:solidFill>
+                <a:latin typeface="Menlo" panose="020B0609030804020204" pitchFamily="49" charset="0"/>
+              </a:rPr>
+              <a:t>\x -&gt; </a:t>
+            </a:r>
+            <a:r>
+              <a:rPr lang="en-US" dirty="0">
+                <a:solidFill>
+                  <a:srgbClr val="FF0000"/>
+                </a:solidFill>
+                <a:latin typeface="Menlo" panose="020B0609030804020204" pitchFamily="49" charset="0"/>
+              </a:rPr>
+              <a:t>x</a:t>
+            </a:r>
+            <a:r>
+              <a:rPr lang="en-US" dirty="0">
+                <a:solidFill>
+                  <a:srgbClr val="002060"/>
+                </a:solidFill>
+                <a:latin typeface="Menlo" panose="020B0609030804020204" pitchFamily="49" charset="0"/>
+              </a:rPr>
+              <a:t> </a:t>
+            </a:r>
+            <a:r>
+              <a:rPr lang="en-US" dirty="0">
+                <a:solidFill>
+                  <a:srgbClr val="0070C0"/>
+                </a:solidFill>
+                <a:latin typeface="Menlo" panose="020B0609030804020204" pitchFamily="49" charset="0"/>
+              </a:rPr>
+              <a:t>(</a:t>
+            </a:r>
+            <a:r>
+              <a:rPr lang="en-US" dirty="0">
+                <a:solidFill>
+                  <a:srgbClr val="00B0F0"/>
+                </a:solidFill>
+                <a:latin typeface="Menlo" panose="020B0609030804020204" pitchFamily="49" charset="0"/>
+              </a:rPr>
+              <a:t>\y -&gt;</a:t>
+            </a:r>
+            <a:r>
+              <a:rPr lang="en-US" dirty="0">
+                <a:solidFill>
+                  <a:srgbClr val="9C5D27"/>
+                </a:solidFill>
+                <a:latin typeface="Menlo" panose="020B0609030804020204" pitchFamily="49" charset="0"/>
+              </a:rPr>
+              <a:t> </a:t>
+            </a:r>
+            <a:r>
+              <a:rPr lang="en-US" dirty="0">
+                <a:solidFill>
+                  <a:srgbClr val="00B050"/>
+                </a:solidFill>
+                <a:latin typeface="Menlo" panose="020B0609030804020204" pitchFamily="49" charset="0"/>
+              </a:rPr>
+              <a:t>x</a:t>
+            </a:r>
+            <a:r>
+              <a:rPr lang="en-US" dirty="0">
+                <a:solidFill>
+                  <a:srgbClr val="9C5D27"/>
+                </a:solidFill>
+                <a:latin typeface="Menlo" panose="020B0609030804020204" pitchFamily="49" charset="0"/>
+              </a:rPr>
+              <a:t> </a:t>
+            </a:r>
+            <a:r>
+              <a:rPr lang="en-US" dirty="0">
+                <a:solidFill>
+                  <a:schemeClr val="accent2"/>
+                </a:solidFill>
+                <a:latin typeface="Menlo" panose="020B0609030804020204" pitchFamily="49" charset="0"/>
+              </a:rPr>
+              <a:t>y</a:t>
+            </a:r>
+            <a:r>
+              <a:rPr lang="en-US" dirty="0">
+                <a:solidFill>
+                  <a:srgbClr val="0070C0"/>
+                </a:solidFill>
+                <a:latin typeface="Menlo" panose="020B0609030804020204" pitchFamily="49" charset="0"/>
+              </a:rPr>
+              <a:t>)</a:t>
+            </a:r>
+            <a:r>
+              <a:rPr lang="en-US" dirty="0">
+                <a:solidFill>
+                  <a:srgbClr val="9C5D27"/>
+                </a:solidFill>
+                <a:latin typeface="Menlo" panose="020B0609030804020204" pitchFamily="49" charset="0"/>
+              </a:rPr>
+              <a:t> </a:t>
+            </a:r>
+          </a:p>
+          <a:p>
+            <a:pPr marL="0" indent="0">
+              <a:buNone/>
+            </a:pPr>
+            <a:r>
+              <a:rPr lang="en-US" sz="1800" dirty="0">
+                <a:solidFill>
+                  <a:srgbClr val="002060"/>
+                </a:solidFill>
+                <a:latin typeface="Menlo" panose="020B0609030804020204" pitchFamily="49" charset="0"/>
+              </a:rPr>
+              <a:t>Lam </a:t>
+            </a:r>
+            <a:r>
+              <a:rPr lang="en-US" sz="1800" dirty="0">
+                <a:solidFill>
+                  <a:srgbClr val="0070C0"/>
+                </a:solidFill>
+                <a:latin typeface="Menlo" panose="020B0609030804020204" pitchFamily="49" charset="0"/>
+              </a:rPr>
+              <a:t>(</a:t>
+            </a:r>
+            <a:r>
+              <a:rPr lang="en-US" sz="1800" dirty="0">
+                <a:solidFill>
+                  <a:srgbClr val="9C5D27"/>
+                </a:solidFill>
+                <a:latin typeface="Menlo" panose="020B0609030804020204" pitchFamily="49" charset="0"/>
+              </a:rPr>
+              <a:t>App</a:t>
+            </a:r>
+            <a:r>
+              <a:rPr lang="en-US" sz="1800" dirty="0">
+                <a:solidFill>
+                  <a:srgbClr val="0070C0"/>
+                </a:solidFill>
+                <a:latin typeface="Menlo" panose="020B0609030804020204" pitchFamily="49" charset="0"/>
+              </a:rPr>
+              <a:t> </a:t>
+            </a:r>
+            <a:r>
+              <a:rPr lang="en-US" sz="1800" dirty="0">
+                <a:solidFill>
+                  <a:srgbClr val="FF0000"/>
+                </a:solidFill>
+                <a:latin typeface="Menlo" panose="020B0609030804020204" pitchFamily="49" charset="0"/>
+              </a:rPr>
+              <a:t>(Var 0) </a:t>
+            </a:r>
+            <a:r>
+              <a:rPr lang="en-US" sz="1800" dirty="0">
+                <a:solidFill>
+                  <a:srgbClr val="0070C0"/>
+                </a:solidFill>
+                <a:latin typeface="Menlo" panose="020B0609030804020204" pitchFamily="49" charset="0"/>
+              </a:rPr>
+              <a:t>(</a:t>
+            </a:r>
+            <a:r>
+              <a:rPr lang="en-US" sz="1800" dirty="0">
+                <a:solidFill>
+                  <a:srgbClr val="00B0F0"/>
+                </a:solidFill>
+                <a:latin typeface="Menlo" panose="020B0609030804020204" pitchFamily="49" charset="0"/>
+              </a:rPr>
+              <a:t>Lam </a:t>
+            </a:r>
+            <a:r>
+              <a:rPr lang="en-US" sz="1800" dirty="0">
+                <a:solidFill>
+                  <a:srgbClr val="777777"/>
+                </a:solidFill>
+                <a:latin typeface="Menlo" panose="020B0609030804020204" pitchFamily="49" charset="0"/>
+              </a:rPr>
+              <a:t>(</a:t>
+            </a:r>
+            <a:r>
+              <a:rPr lang="en-US" sz="1800" dirty="0">
+                <a:solidFill>
+                  <a:srgbClr val="9C5D27"/>
+                </a:solidFill>
+                <a:latin typeface="Menlo" panose="020B0609030804020204" pitchFamily="49" charset="0"/>
+              </a:rPr>
+              <a:t>App</a:t>
+            </a:r>
+            <a:r>
+              <a:rPr lang="en-US" sz="1800" dirty="0">
+                <a:solidFill>
+                  <a:srgbClr val="333333"/>
+                </a:solidFill>
+                <a:latin typeface="Menlo" panose="020B0609030804020204" pitchFamily="49" charset="0"/>
+              </a:rPr>
+              <a:t> </a:t>
+            </a:r>
+            <a:r>
+              <a:rPr lang="en-US" sz="1800" dirty="0">
+                <a:solidFill>
+                  <a:srgbClr val="00B050"/>
+                </a:solidFill>
+                <a:latin typeface="Menlo" panose="020B0609030804020204" pitchFamily="49" charset="0"/>
+              </a:rPr>
+              <a:t>(Var 1)</a:t>
+            </a:r>
+            <a:r>
+              <a:rPr lang="en-US" sz="1800" dirty="0">
+                <a:solidFill>
+                  <a:srgbClr val="333333"/>
+                </a:solidFill>
+                <a:latin typeface="Menlo" panose="020B0609030804020204" pitchFamily="49" charset="0"/>
+              </a:rPr>
+              <a:t> </a:t>
+            </a:r>
+            <a:r>
+              <a:rPr lang="en-US" sz="1800" dirty="0">
+                <a:solidFill>
+                  <a:schemeClr val="accent2"/>
+                </a:solidFill>
+                <a:latin typeface="Menlo" panose="020B0609030804020204" pitchFamily="49" charset="0"/>
+              </a:rPr>
+              <a:t>(Var 0)</a:t>
+            </a:r>
+            <a:r>
+              <a:rPr lang="en-US" sz="1800" dirty="0">
+                <a:solidFill>
+                  <a:srgbClr val="777777"/>
+                </a:solidFill>
+                <a:latin typeface="Menlo" panose="020B0609030804020204" pitchFamily="49" charset="0"/>
+              </a:rPr>
+              <a:t>)</a:t>
+            </a:r>
+            <a:r>
+              <a:rPr lang="en-US" sz="1800" dirty="0">
+                <a:solidFill>
+                  <a:srgbClr val="0070C0"/>
+                </a:solidFill>
+                <a:latin typeface="Menlo" panose="020B0609030804020204" pitchFamily="49" charset="0"/>
+              </a:rPr>
+              <a:t>))</a:t>
+            </a:r>
+          </a:p>
+          <a:p>
+            <a:pPr marL="0" indent="0">
+              <a:buNone/>
+            </a:pPr>
+            <a:endParaRPr lang="en-US" dirty="0">
+              <a:solidFill>
+                <a:srgbClr val="333333"/>
+              </a:solidFill>
+              <a:latin typeface="Menlo" panose="020B0609030804020204" pitchFamily="49" charset="0"/>
+            </a:endParaRPr>
           </a:p>
           <a:p>
             <a:pPr marL="0" indent="0">
@@ -26339,13 +26267,356 @@
     </p:spTree>
     <p:extLst>
       <p:ext uri="{BB962C8B-B14F-4D97-AF65-F5344CB8AC3E}">
-        <p14:creationId xmlns:p14="http://schemas.microsoft.com/office/powerpoint/2010/main" val="3828990099"/>
+        <p14:creationId xmlns:p14="http://schemas.microsoft.com/office/powerpoint/2010/main" val="2213290743"/>
       </p:ext>
     </p:extLst>
   </p:cSld>
   <p:clrMapOvr>
     <a:masterClrMapping/>
   </p:clrMapOvr>
+  <p:timing>
+    <p:tnLst>
+      <p:par>
+        <p:cTn id="1" dur="indefinite" restart="never" nodeType="tmRoot">
+          <p:childTnLst>
+            <p:seq concurrent="1" nextAc="seek">
+              <p:cTn id="2" dur="indefinite" nodeType="mainSeq">
+                <p:childTnLst>
+                  <p:par>
+                    <p:cTn id="3" fill="hold">
+                      <p:stCondLst>
+                        <p:cond delay="indefinite"/>
+                        <p:cond evt="onBegin" delay="0">
+                          <p:tn val="2"/>
+                        </p:cond>
+                      </p:stCondLst>
+                      <p:childTnLst>
+                        <p:par>
+                          <p:cTn id="4" fill="hold">
+                            <p:stCondLst>
+                              <p:cond delay="0"/>
+                            </p:stCondLst>
+                            <p:childTnLst>
+                              <p:par>
+                                <p:cTn id="5" presetID="1" presetClass="entr" presetSubtype="0" fill="hold" grpId="0" nodeType="withEffect">
+                                  <p:stCondLst>
+                                    <p:cond delay="0"/>
+                                  </p:stCondLst>
+                                  <p:childTnLst>
+                                    <p:set>
+                                      <p:cBhvr>
+                                        <p:cTn id="6" dur="1" fill="hold">
+                                          <p:stCondLst>
+                                            <p:cond delay="0"/>
+                                          </p:stCondLst>
+                                        </p:cTn>
+                                        <p:tgtEl>
+                                          <p:spTgt spid="3">
+                                            <p:txEl>
+                                              <p:pRg st="0" end="0"/>
+                                            </p:txEl>
+                                          </p:spTgt>
+                                        </p:tgtEl>
+                                        <p:attrNameLst>
+                                          <p:attrName>style.visibility</p:attrName>
+                                        </p:attrNameLst>
+                                      </p:cBhvr>
+                                      <p:to>
+                                        <p:strVal val="visible"/>
+                                      </p:to>
+                                    </p:set>
+                                  </p:childTnLst>
+                                </p:cTn>
+                              </p:par>
+                              <p:par>
+                                <p:cTn id="7" presetID="1" presetClass="entr" presetSubtype="0" fill="hold" grpId="0" nodeType="withEffect">
+                                  <p:stCondLst>
+                                    <p:cond delay="0"/>
+                                  </p:stCondLst>
+                                  <p:childTnLst>
+                                    <p:set>
+                                      <p:cBhvr>
+                                        <p:cTn id="8" dur="1" fill="hold">
+                                          <p:stCondLst>
+                                            <p:cond delay="0"/>
+                                          </p:stCondLst>
+                                        </p:cTn>
+                                        <p:tgtEl>
+                                          <p:spTgt spid="3">
+                                            <p:txEl>
+                                              <p:pRg st="1" end="1"/>
+                                            </p:txEl>
+                                          </p:spTgt>
+                                        </p:tgtEl>
+                                        <p:attrNameLst>
+                                          <p:attrName>style.visibility</p:attrName>
+                                        </p:attrNameLst>
+                                      </p:cBhvr>
+                                      <p:to>
+                                        <p:strVal val="visible"/>
+                                      </p:to>
+                                    </p:set>
+                                  </p:childTnLst>
+                                </p:cTn>
+                              </p:par>
+                              <p:par>
+                                <p:cTn id="9" presetID="1" presetClass="entr" presetSubtype="0" fill="hold" grpId="0" nodeType="withEffect">
+                                  <p:stCondLst>
+                                    <p:cond delay="0"/>
+                                  </p:stCondLst>
+                                  <p:childTnLst>
+                                    <p:set>
+                                      <p:cBhvr>
+                                        <p:cTn id="10" dur="1" fill="hold">
+                                          <p:stCondLst>
+                                            <p:cond delay="0"/>
+                                          </p:stCondLst>
+                                        </p:cTn>
+                                        <p:tgtEl>
+                                          <p:spTgt spid="3">
+                                            <p:txEl>
+                                              <p:pRg st="2" end="2"/>
+                                            </p:txEl>
+                                          </p:spTgt>
+                                        </p:tgtEl>
+                                        <p:attrNameLst>
+                                          <p:attrName>style.visibility</p:attrName>
+                                        </p:attrNameLst>
+                                      </p:cBhvr>
+                                      <p:to>
+                                        <p:strVal val="visible"/>
+                                      </p:to>
+                                    </p:set>
+                                  </p:childTnLst>
+                                </p:cTn>
+                              </p:par>
+                            </p:childTnLst>
+                          </p:cTn>
+                        </p:par>
+                      </p:childTnLst>
+                    </p:cTn>
+                  </p:par>
+                  <p:par>
+                    <p:cTn id="11" fill="hold">
+                      <p:stCondLst>
+                        <p:cond delay="indefinite"/>
+                      </p:stCondLst>
+                      <p:childTnLst>
+                        <p:par>
+                          <p:cTn id="12" fill="hold">
+                            <p:stCondLst>
+                              <p:cond delay="0"/>
+                            </p:stCondLst>
+                            <p:childTnLst>
+                              <p:par>
+                                <p:cTn id="13" presetID="1" presetClass="entr" presetSubtype="0" fill="hold" grpId="0" nodeType="clickEffect">
+                                  <p:stCondLst>
+                                    <p:cond delay="0"/>
+                                  </p:stCondLst>
+                                  <p:childTnLst>
+                                    <p:set>
+                                      <p:cBhvr>
+                                        <p:cTn id="14" dur="1" fill="hold">
+                                          <p:stCondLst>
+                                            <p:cond delay="0"/>
+                                          </p:stCondLst>
+                                        </p:cTn>
+                                        <p:tgtEl>
+                                          <p:spTgt spid="3">
+                                            <p:txEl>
+                                              <p:pRg st="3" end="3"/>
+                                            </p:txEl>
+                                          </p:spTgt>
+                                        </p:tgtEl>
+                                        <p:attrNameLst>
+                                          <p:attrName>style.visibility</p:attrName>
+                                        </p:attrNameLst>
+                                      </p:cBhvr>
+                                      <p:to>
+                                        <p:strVal val="visible"/>
+                                      </p:to>
+                                    </p:set>
+                                  </p:childTnLst>
+                                </p:cTn>
+                              </p:par>
+                            </p:childTnLst>
+                          </p:cTn>
+                        </p:par>
+                      </p:childTnLst>
+                    </p:cTn>
+                  </p:par>
+                  <p:par>
+                    <p:cTn id="15" fill="hold">
+                      <p:stCondLst>
+                        <p:cond delay="indefinite"/>
+                      </p:stCondLst>
+                      <p:childTnLst>
+                        <p:par>
+                          <p:cTn id="16" fill="hold">
+                            <p:stCondLst>
+                              <p:cond delay="0"/>
+                            </p:stCondLst>
+                            <p:childTnLst>
+                              <p:par>
+                                <p:cTn id="17" presetID="1" presetClass="entr" presetSubtype="0" fill="hold" grpId="0" nodeType="clickEffect">
+                                  <p:stCondLst>
+                                    <p:cond delay="0"/>
+                                  </p:stCondLst>
+                                  <p:childTnLst>
+                                    <p:set>
+                                      <p:cBhvr>
+                                        <p:cTn id="18" dur="1" fill="hold">
+                                          <p:stCondLst>
+                                            <p:cond delay="0"/>
+                                          </p:stCondLst>
+                                        </p:cTn>
+                                        <p:tgtEl>
+                                          <p:spTgt spid="3">
+                                            <p:txEl>
+                                              <p:pRg st="5" end="5"/>
+                                            </p:txEl>
+                                          </p:spTgt>
+                                        </p:tgtEl>
+                                        <p:attrNameLst>
+                                          <p:attrName>style.visibility</p:attrName>
+                                        </p:attrNameLst>
+                                      </p:cBhvr>
+                                      <p:to>
+                                        <p:strVal val="visible"/>
+                                      </p:to>
+                                    </p:set>
+                                  </p:childTnLst>
+                                </p:cTn>
+                              </p:par>
+                            </p:childTnLst>
+                          </p:cTn>
+                        </p:par>
+                      </p:childTnLst>
+                    </p:cTn>
+                  </p:par>
+                  <p:par>
+                    <p:cTn id="19" fill="hold">
+                      <p:stCondLst>
+                        <p:cond delay="indefinite"/>
+                      </p:stCondLst>
+                      <p:childTnLst>
+                        <p:par>
+                          <p:cTn id="20" fill="hold">
+                            <p:stCondLst>
+                              <p:cond delay="0"/>
+                            </p:stCondLst>
+                            <p:childTnLst>
+                              <p:par>
+                                <p:cTn id="21" presetID="1" presetClass="entr" presetSubtype="0" fill="hold" grpId="0" nodeType="clickEffect">
+                                  <p:stCondLst>
+                                    <p:cond delay="0"/>
+                                  </p:stCondLst>
+                                  <p:childTnLst>
+                                    <p:set>
+                                      <p:cBhvr>
+                                        <p:cTn id="22" dur="1" fill="hold">
+                                          <p:stCondLst>
+                                            <p:cond delay="0"/>
+                                          </p:stCondLst>
+                                        </p:cTn>
+                                        <p:tgtEl>
+                                          <p:spTgt spid="3">
+                                            <p:txEl>
+                                              <p:pRg st="8" end="8"/>
+                                            </p:txEl>
+                                          </p:spTgt>
+                                        </p:tgtEl>
+                                        <p:attrNameLst>
+                                          <p:attrName>style.visibility</p:attrName>
+                                        </p:attrNameLst>
+                                      </p:cBhvr>
+                                      <p:to>
+                                        <p:strVal val="visible"/>
+                                      </p:to>
+                                    </p:set>
+                                  </p:childTnLst>
+                                </p:cTn>
+                              </p:par>
+                            </p:childTnLst>
+                          </p:cTn>
+                        </p:par>
+                      </p:childTnLst>
+                    </p:cTn>
+                  </p:par>
+                  <p:par>
+                    <p:cTn id="23" fill="hold">
+                      <p:stCondLst>
+                        <p:cond delay="indefinite"/>
+                      </p:stCondLst>
+                      <p:childTnLst>
+                        <p:par>
+                          <p:cTn id="24" fill="hold">
+                            <p:stCondLst>
+                              <p:cond delay="0"/>
+                            </p:stCondLst>
+                            <p:childTnLst>
+                              <p:par>
+                                <p:cTn id="25" presetID="1" presetClass="entr" presetSubtype="0" fill="hold" grpId="0" nodeType="clickEffect">
+                                  <p:stCondLst>
+                                    <p:cond delay="0"/>
+                                  </p:stCondLst>
+                                  <p:childTnLst>
+                                    <p:set>
+                                      <p:cBhvr>
+                                        <p:cTn id="26" dur="1" fill="hold">
+                                          <p:stCondLst>
+                                            <p:cond delay="0"/>
+                                          </p:stCondLst>
+                                        </p:cTn>
+                                        <p:tgtEl>
+                                          <p:spTgt spid="3">
+                                            <p:txEl>
+                                              <p:pRg st="9" end="9"/>
+                                            </p:txEl>
+                                          </p:spTgt>
+                                        </p:tgtEl>
+                                        <p:attrNameLst>
+                                          <p:attrName>style.visibility</p:attrName>
+                                        </p:attrNameLst>
+                                      </p:cBhvr>
+                                      <p:to>
+                                        <p:strVal val="visible"/>
+                                      </p:to>
+                                    </p:set>
+                                  </p:childTnLst>
+                                </p:cTn>
+                              </p:par>
+                            </p:childTnLst>
+                          </p:cTn>
+                        </p:par>
+                      </p:childTnLst>
+                    </p:cTn>
+                  </p:par>
+                </p:childTnLst>
+              </p:cTn>
+              <p:prevCondLst>
+                <p:cond evt="onPrev" delay="0">
+                  <p:tgtEl>
+                    <p:sldTgt/>
+                  </p:tgtEl>
+                </p:cond>
+              </p:prevCondLst>
+              <p:nextCondLst>
+                <p:cond evt="onNext" delay="0">
+                  <p:tgtEl>
+                    <p:sldTgt/>
+                  </p:tgtEl>
+                </p:cond>
+              </p:nextCondLst>
+            </p:seq>
+          </p:childTnLst>
+        </p:cTn>
+      </p:par>
+    </p:tnLst>
+    <p:bldLst>
+      <p:bldP spid="3" grpId="0" uiExpand="1" build="p"/>
+    </p:bldLst>
+  </p:timing>
 </p:sld>
 </file>
 

--- a/plclub-2021.pptx
+++ b/plclub-2021.pptx
@@ -5,17 +5,17 @@
     <p:sldMasterId id="2147483737" r:id="rId1"/>
   </p:sldMasterIdLst>
   <p:notesMasterIdLst>
-    <p:notesMasterId r:id="rId39"/>
+    <p:notesMasterId r:id="rId40"/>
   </p:notesMasterIdLst>
   <p:sldIdLst>
     <p:sldId id="256" r:id="rId2"/>
     <p:sldId id="310" r:id="rId3"/>
     <p:sldId id="362" r:id="rId4"/>
-    <p:sldId id="370" r:id="rId5"/>
-    <p:sldId id="363" r:id="rId6"/>
-    <p:sldId id="364" r:id="rId7"/>
+    <p:sldId id="363" r:id="rId5"/>
+    <p:sldId id="364" r:id="rId6"/>
+    <p:sldId id="370" r:id="rId7"/>
     <p:sldId id="365" r:id="rId8"/>
-    <p:sldId id="361" r:id="rId9"/>
+    <p:sldId id="380" r:id="rId9"/>
     <p:sldId id="291" r:id="rId10"/>
     <p:sldId id="360" r:id="rId11"/>
     <p:sldId id="294" r:id="rId12"/>
@@ -31,20 +31,21 @@
     <p:sldId id="371" r:id="rId22"/>
     <p:sldId id="369" r:id="rId23"/>
     <p:sldId id="368" r:id="rId24"/>
-    <p:sldId id="378" r:id="rId25"/>
-    <p:sldId id="295" r:id="rId26"/>
-    <p:sldId id="330" r:id="rId27"/>
-    <p:sldId id="350" r:id="rId28"/>
-    <p:sldId id="351" r:id="rId29"/>
-    <p:sldId id="352" r:id="rId30"/>
-    <p:sldId id="316" r:id="rId31"/>
-    <p:sldId id="326" r:id="rId32"/>
-    <p:sldId id="332" r:id="rId33"/>
-    <p:sldId id="331" r:id="rId34"/>
-    <p:sldId id="353" r:id="rId35"/>
-    <p:sldId id="345" r:id="rId36"/>
-    <p:sldId id="346" r:id="rId37"/>
-    <p:sldId id="359" r:id="rId38"/>
+    <p:sldId id="361" r:id="rId25"/>
+    <p:sldId id="378" r:id="rId26"/>
+    <p:sldId id="295" r:id="rId27"/>
+    <p:sldId id="330" r:id="rId28"/>
+    <p:sldId id="350" r:id="rId29"/>
+    <p:sldId id="351" r:id="rId30"/>
+    <p:sldId id="352" r:id="rId31"/>
+    <p:sldId id="316" r:id="rId32"/>
+    <p:sldId id="326" r:id="rId33"/>
+    <p:sldId id="332" r:id="rId34"/>
+    <p:sldId id="331" r:id="rId35"/>
+    <p:sldId id="353" r:id="rId36"/>
+    <p:sldId id="345" r:id="rId37"/>
+    <p:sldId id="346" r:id="rId38"/>
+    <p:sldId id="359" r:id="rId39"/>
   </p:sldIdLst>
   <p:sldSz cx="9144000" cy="5143500" type="screen16x9"/>
   <p:notesSz cx="6858000" cy="9144000"/>
@@ -244,7 +245,7 @@
           <a:p>
             <a:fld id="{F4FDCA05-7818-8249-9B7A-72DA32C1DFB1}" type="datetimeFigureOut">
               <a:rPr lang="en-US" smtClean="0"/>
-              <a:t>7/28/21</a:t>
+              <a:t>7/30/21</a:t>
             </a:fld>
             <a:endParaRPr lang="en-US"/>
           </a:p>
@@ -1083,7 +1084,7 @@
           <a:p>
             <a:fld id="{A180D43F-ACE1-D140-AD95-9AB5F0193656}" type="slidenum">
               <a:rPr lang="en-US" smtClean="0"/>
-              <a:t>26</a:t>
+              <a:t>27</a:t>
             </a:fld>
             <a:endParaRPr lang="en-US"/>
           </a:p>
@@ -1175,7 +1176,7 @@
           <a:p>
             <a:fld id="{A180D43F-ACE1-D140-AD95-9AB5F0193656}" type="slidenum">
               <a:rPr lang="en-US" smtClean="0"/>
-              <a:t>27</a:t>
+              <a:t>28</a:t>
             </a:fld>
             <a:endParaRPr lang="en-US"/>
           </a:p>
@@ -1262,7 +1263,7 @@
           <a:p>
             <a:fld id="{A180D43F-ACE1-D140-AD95-9AB5F0193656}" type="slidenum">
               <a:rPr lang="en-US" smtClean="0"/>
-              <a:t>29</a:t>
+              <a:t>30</a:t>
             </a:fld>
             <a:endParaRPr lang="en-US"/>
           </a:p>
@@ -1536,7 +1537,7 @@
           <a:p>
             <a:fld id="{A180D43F-ACE1-D140-AD95-9AB5F0193656}" type="slidenum">
               <a:rPr lang="en-US" smtClean="0"/>
-              <a:t>30</a:t>
+              <a:t>31</a:t>
             </a:fld>
             <a:endParaRPr lang="en-US"/>
           </a:p>
@@ -1620,7 +1621,7 @@
           <a:p>
             <a:fld id="{A180D43F-ACE1-D140-AD95-9AB5F0193656}" type="slidenum">
               <a:rPr lang="en-US" smtClean="0"/>
-              <a:t>31</a:t>
+              <a:t>32</a:t>
             </a:fld>
             <a:endParaRPr lang="en-US"/>
           </a:p>
@@ -1791,7 +1792,7 @@
           <a:p>
             <a:fld id="{A180D43F-ACE1-D140-AD95-9AB5F0193656}" type="slidenum">
               <a:rPr lang="en-US" smtClean="0"/>
-              <a:t>32</a:t>
+              <a:t>33</a:t>
             </a:fld>
             <a:endParaRPr lang="en-US"/>
           </a:p>
@@ -1883,7 +1884,7 @@
           <a:p>
             <a:fld id="{A180D43F-ACE1-D140-AD95-9AB5F0193656}" type="slidenum">
               <a:rPr lang="en-US" smtClean="0"/>
-              <a:t>34</a:t>
+              <a:t>35</a:t>
             </a:fld>
             <a:endParaRPr lang="en-US"/>
           </a:p>
@@ -1967,7 +1968,7 @@
           <a:p>
             <a:fld id="{A180D43F-ACE1-D140-AD95-9AB5F0193656}" type="slidenum">
               <a:rPr lang="en-US" smtClean="0"/>
-              <a:t>35</a:t>
+              <a:t>36</a:t>
             </a:fld>
             <a:endParaRPr lang="en-US"/>
           </a:p>
@@ -2051,7 +2052,7 @@
           <a:p>
             <a:fld id="{A180D43F-ACE1-D140-AD95-9AB5F0193656}" type="slidenum">
               <a:rPr lang="en-US" smtClean="0"/>
-              <a:t>36</a:t>
+              <a:t>37</a:t>
             </a:fld>
             <a:endParaRPr lang="en-US"/>
           </a:p>
@@ -2135,7 +2136,7 @@
           <a:p>
             <a:fld id="{A180D43F-ACE1-D140-AD95-9AB5F0193656}" type="slidenum">
               <a:rPr lang="en-US" smtClean="0"/>
-              <a:t>5</a:t>
+              <a:t>4</a:t>
             </a:fld>
             <a:endParaRPr lang="en-US"/>
           </a:p>
@@ -2219,7 +2220,7 @@
           <a:p>
             <a:fld id="{A180D43F-ACE1-D140-AD95-9AB5F0193656}" type="slidenum">
               <a:rPr lang="en-US" smtClean="0"/>
-              <a:t>6</a:t>
+              <a:t>5</a:t>
             </a:fld>
             <a:endParaRPr lang="en-US"/>
           </a:p>
@@ -2816,7 +2817,7 @@
           <a:p>
             <a:fld id="{4AAD347D-5ACD-4C99-B74B-A9C85AD731AF}" type="datetimeFigureOut">
               <a:rPr lang="en-US" smtClean="0"/>
-              <a:t>7/28/21</a:t>
+              <a:t>7/30/21</a:t>
             </a:fld>
             <a:endParaRPr lang="en-US" dirty="0"/>
           </a:p>
@@ -2986,7 +2987,7 @@
           <a:p>
             <a:fld id="{4509A250-FF31-4206-8172-F9D3106AACB1}" type="datetimeFigureOut">
               <a:rPr lang="en-US" smtClean="0"/>
-              <a:t>7/28/21</a:t>
+              <a:t>7/30/21</a:t>
             </a:fld>
             <a:endParaRPr lang="en-US" dirty="0"/>
           </a:p>
@@ -3166,7 +3167,7 @@
           <a:p>
             <a:fld id="{4509A250-FF31-4206-8172-F9D3106AACB1}" type="datetimeFigureOut">
               <a:rPr lang="en-US" smtClean="0"/>
-              <a:t>7/28/21</a:t>
+              <a:t>7/30/21</a:t>
             </a:fld>
             <a:endParaRPr lang="en-US" dirty="0"/>
           </a:p>
@@ -3355,7 +3356,7 @@
           <a:p>
             <a:fld id="{4509A250-FF31-4206-8172-F9D3106AACB1}" type="datetimeFigureOut">
               <a:rPr lang="en-US" smtClean="0"/>
-              <a:t>7/28/21</a:t>
+              <a:t>7/30/21</a:t>
             </a:fld>
             <a:endParaRPr lang="en-US" dirty="0"/>
           </a:p>
@@ -3600,7 +3601,7 @@
           <a:p>
             <a:fld id="{9796027F-7875-4030-9381-8BD8C4F21935}" type="datetimeFigureOut">
               <a:rPr lang="en-US" smtClean="0"/>
-              <a:t>7/28/21</a:t>
+              <a:t>7/30/21</a:t>
             </a:fld>
             <a:endParaRPr lang="en-US" dirty="0"/>
           </a:p>
@@ -3832,7 +3833,7 @@
           <a:p>
             <a:fld id="{9796027F-7875-4030-9381-8BD8C4F21935}" type="datetimeFigureOut">
               <a:rPr lang="en-US" smtClean="0"/>
-              <a:t>7/28/21</a:t>
+              <a:t>7/30/21</a:t>
             </a:fld>
             <a:endParaRPr lang="en-US" dirty="0"/>
           </a:p>
@@ -4199,7 +4200,7 @@
           <a:p>
             <a:fld id="{9796027F-7875-4030-9381-8BD8C4F21935}" type="datetimeFigureOut">
               <a:rPr lang="en-US" smtClean="0"/>
-              <a:t>7/28/21</a:t>
+              <a:t>7/30/21</a:t>
             </a:fld>
             <a:endParaRPr lang="en-US" dirty="0"/>
           </a:p>
@@ -4317,7 +4318,7 @@
           <a:p>
             <a:fld id="{4509A250-FF31-4206-8172-F9D3106AACB1}" type="datetimeFigureOut">
               <a:rPr lang="en-US" smtClean="0"/>
-              <a:t>7/28/21</a:t>
+              <a:t>7/30/21</a:t>
             </a:fld>
             <a:endParaRPr lang="en-US" dirty="0"/>
           </a:p>
@@ -4412,7 +4413,7 @@
           <a:p>
             <a:fld id="{4509A250-FF31-4206-8172-F9D3106AACB1}" type="datetimeFigureOut">
               <a:rPr lang="en-US" smtClean="0"/>
-              <a:t>7/28/21</a:t>
+              <a:t>7/30/21</a:t>
             </a:fld>
             <a:endParaRPr lang="en-US" dirty="0"/>
           </a:p>
@@ -4689,7 +4690,7 @@
           <a:p>
             <a:fld id="{4509A250-FF31-4206-8172-F9D3106AACB1}" type="datetimeFigureOut">
               <a:rPr lang="en-US" smtClean="0"/>
-              <a:t>7/28/21</a:t>
+              <a:t>7/30/21</a:t>
             </a:fld>
             <a:endParaRPr lang="en-US" dirty="0"/>
           </a:p>
@@ -4946,7 +4947,7 @@
           <a:p>
             <a:fld id="{4509A250-FF31-4206-8172-F9D3106AACB1}" type="datetimeFigureOut">
               <a:rPr lang="en-US" smtClean="0"/>
-              <a:t>7/28/21</a:t>
+              <a:t>7/30/21</a:t>
             </a:fld>
             <a:endParaRPr lang="en-US" dirty="0"/>
           </a:p>
@@ -5159,7 +5160,7 @@
           <a:p>
             <a:fld id="{4AAD347D-5ACD-4C99-B74B-A9C85AD731AF}" type="datetimeFigureOut">
               <a:rPr lang="en-US" smtClean="0"/>
-              <a:t>7/28/21</a:t>
+              <a:t>7/30/21</a:t>
             </a:fld>
             <a:endParaRPr lang="en-US" dirty="0"/>
           </a:p>
@@ -7867,42 +7868,6 @@
           </a:p>
         </p:txBody>
       </p:sp>
-      <p:sp>
-        <p:nvSpPr>
-          <p:cNvPr id="4" name="TextBox 3">
-            <a:extLst>
-              <a:ext uri="{FF2B5EF4-FFF2-40B4-BE49-F238E27FC236}">
-                <a16:creationId xmlns:a16="http://schemas.microsoft.com/office/drawing/2014/main" id="{B52175FF-6858-7943-9792-43905E39BB21}"/>
-              </a:ext>
-            </a:extLst>
-          </p:cNvPr>
-          <p:cNvSpPr txBox="1"/>
-          <p:nvPr/>
-        </p:nvSpPr>
-        <p:spPr>
-          <a:xfrm>
-            <a:off x="0" y="4866501"/>
-            <a:ext cx="694421" cy="248209"/>
-          </a:xfrm>
-          <a:prstGeom prst="rect">
-            <a:avLst/>
-          </a:prstGeom>
-          <a:noFill/>
-        </p:spPr>
-        <p:txBody>
-          <a:bodyPr wrap="none" rtlCol="0">
-            <a:spAutoFit/>
-          </a:bodyPr>
-          <a:lstStyle/>
-          <a:p>
-            <a:r>
-              <a:rPr lang="en-US" sz="1013" dirty="0" err="1"/>
-              <a:t>Simple.hs</a:t>
-            </a:r>
-            <a:endParaRPr lang="en-US" sz="1013" dirty="0"/>
-          </a:p>
-        </p:txBody>
-      </p:sp>
       <p:cxnSp>
         <p:nvCxnSpPr>
           <p:cNvPr id="7" name="Straight Connector 6">
@@ -10040,7 +10005,7 @@
           <a:p>
             <a:r>
               <a:rPr lang="en-US" dirty="0" err="1"/>
-              <a:t>L.hs</a:t>
+              <a:t>Par.L.hs</a:t>
             </a:r>
             <a:r>
               <a:rPr lang="en-US" dirty="0"/>
@@ -10050,7 +10015,7 @@
           <a:p>
             <a:r>
               <a:rPr lang="en-US" dirty="0" err="1"/>
-              <a:t>F.hs</a:t>
+              <a:t>Par.Fun.hs</a:t>
             </a:r>
             <a:r>
               <a:rPr lang="en-US" dirty="0"/>
@@ -10060,7 +10025,7 @@
           <a:p>
             <a:r>
               <a:rPr lang="en-US" dirty="0" err="1"/>
-              <a:t>P.hs</a:t>
+              <a:t>Par.P.hs</a:t>
             </a:r>
             <a:r>
               <a:rPr lang="en-US" dirty="0"/>
@@ -10070,7 +10035,7 @@
           <a:p>
             <a:r>
               <a:rPr lang="en-US" dirty="0" err="1"/>
-              <a:t>B.hs</a:t>
+              <a:t>Par.B.hs</a:t>
             </a:r>
             <a:r>
               <a:rPr lang="en-US" dirty="0"/>
@@ -10397,20 +10362,17 @@
             </a:r>
             <a:r>
               <a:rPr lang="en-US" dirty="0" err="1"/>
-              <a:t>GHC.Generics</a:t>
+              <a:t>TemplateHaskell</a:t>
             </a:r>
             <a:r>
               <a:rPr lang="en-US" dirty="0"/>
-              <a:t> or </a:t>
-            </a:r>
-            <a:r>
-              <a:rPr lang="en-US" dirty="0" err="1"/>
-              <a:t>TemplateHaskell</a:t>
-            </a:r>
-            <a:r>
-              <a:rPr lang="en-US" dirty="0"/>
-              <a:t> to derive the appropriate mapping operation (similar to unbound library)</a:t>
-            </a:r>
+              <a:t> to derive the appropriate </a:t>
+            </a:r>
+            <a:r>
+              <a:rPr lang="en-US"/>
+              <a:t>mapping operation</a:t>
+            </a:r>
+            <a:endParaRPr lang="en-US" dirty="0"/>
           </a:p>
         </p:txBody>
       </p:sp>
@@ -10489,7 +10451,7 @@
           <p:nvPr>
             <p:extLst>
               <p:ext uri="{D42A27DB-BD31-4B8C-83A1-F6EECF244321}">
-                <p14:modId xmlns:p14="http://schemas.microsoft.com/office/powerpoint/2010/main" val="4208171352"/>
+                <p14:modId xmlns:p14="http://schemas.microsoft.com/office/powerpoint/2010/main" val="596147727"/>
               </p:ext>
             </p:extLst>
           </p:nvPr>
@@ -10637,7 +10599,7 @@
                     <a:p>
                       <a:r>
                         <a:rPr lang="en-US" sz="2400" dirty="0"/>
-                        <a:t>L, F, P, B</a:t>
+                        <a:t>L, Fun, P, B</a:t>
                       </a:r>
                     </a:p>
                   </a:txBody>
@@ -10650,7 +10612,7 @@
                     <a:p>
                       <a:r>
                         <a:rPr lang="en-US" sz="2400" dirty="0"/>
-                        <a:t>Kit (like F), Scoped (like B)</a:t>
+                        <a:t>Kit, Scoped</a:t>
                       </a:r>
                     </a:p>
                   </a:txBody>
@@ -12530,6 +12492,179 @@
       </p:grpSpPr>
       <p:sp>
         <p:nvSpPr>
+          <p:cNvPr id="4" name="Title 3">
+            <a:extLst>
+              <a:ext uri="{FF2B5EF4-FFF2-40B4-BE49-F238E27FC236}">
+                <a16:creationId xmlns:a16="http://schemas.microsoft.com/office/drawing/2014/main" id="{433A13B1-8BA1-C642-9161-244BF4A0D424}"/>
+              </a:ext>
+            </a:extLst>
+          </p:cNvPr>
+          <p:cNvSpPr>
+            <a:spLocks noGrp="1"/>
+          </p:cNvSpPr>
+          <p:nvPr>
+            <p:ph type="title"/>
+          </p:nvPr>
+        </p:nvSpPr>
+        <p:spPr/>
+        <p:txBody>
+          <a:bodyPr>
+            <a:normAutofit/>
+          </a:bodyPr>
+          <a:lstStyle/>
+          <a:p>
+            <a:r>
+              <a:rPr lang="en-US" dirty="0"/>
+              <a:t>What makes a good implementation?</a:t>
+            </a:r>
+          </a:p>
+        </p:txBody>
+      </p:sp>
+      <p:sp>
+        <p:nvSpPr>
+          <p:cNvPr id="5" name="Content Placeholder 4">
+            <a:extLst>
+              <a:ext uri="{FF2B5EF4-FFF2-40B4-BE49-F238E27FC236}">
+                <a16:creationId xmlns:a16="http://schemas.microsoft.com/office/drawing/2014/main" id="{18B28975-1768-A543-9D02-1BB9329C7767}"/>
+              </a:ext>
+            </a:extLst>
+          </p:cNvPr>
+          <p:cNvSpPr>
+            <a:spLocks noGrp="1"/>
+          </p:cNvSpPr>
+          <p:nvPr>
+            <p:ph idx="1"/>
+          </p:nvPr>
+        </p:nvSpPr>
+        <p:spPr>
+          <a:xfrm>
+            <a:off x="375152" y="1168924"/>
+            <a:ext cx="7703723" cy="3463799"/>
+          </a:xfrm>
+        </p:spPr>
+        <p:txBody>
+          <a:bodyPr/>
+          <a:lstStyle/>
+          <a:p>
+            <a:r>
+              <a:rPr lang="en-US" dirty="0"/>
+              <a:t>Quick implementation of key operations, with high confidence</a:t>
+            </a:r>
+          </a:p>
+          <a:p>
+            <a:pPr lvl="1"/>
+            <a:r>
+              <a:rPr lang="en-US" dirty="0"/>
+              <a:t>No matter what language, because we are probably not actually implementing the untyped lambda calculus</a:t>
+            </a:r>
+          </a:p>
+          <a:p>
+            <a:pPr lvl="1"/>
+            <a:r>
+              <a:rPr lang="en-US" dirty="0"/>
+              <a:t>i.e. could have multiple binders, patterns, </a:t>
+            </a:r>
+            <a:r>
+              <a:rPr lang="en-US" dirty="0" err="1"/>
+              <a:t>etc</a:t>
+            </a:r>
+            <a:endParaRPr lang="en-US" dirty="0"/>
+          </a:p>
+          <a:p>
+            <a:r>
+              <a:rPr lang="en-US" dirty="0"/>
+              <a:t>Minimal invariants to keep track of</a:t>
+            </a:r>
+          </a:p>
+          <a:p>
+            <a:pPr lvl="1"/>
+            <a:r>
+              <a:rPr lang="en-US" dirty="0"/>
+              <a:t>Or at least help with them</a:t>
+            </a:r>
+          </a:p>
+          <a:p>
+            <a:pPr lvl="1"/>
+            <a:r>
+              <a:rPr lang="en-US" dirty="0"/>
+              <a:t>example invariants:  BVC, shifting indices when changing scopes, </a:t>
+            </a:r>
+          </a:p>
+          <a:p>
+            <a:r>
+              <a:rPr lang="en-US" dirty="0"/>
+              <a:t>Reasonably fast runtime execution</a:t>
+            </a:r>
+          </a:p>
+          <a:p>
+            <a:pPr lvl="1"/>
+            <a:r>
+              <a:rPr lang="en-US" dirty="0"/>
+              <a:t>Very easy to end up with quadratic execution times</a:t>
+            </a:r>
+          </a:p>
+          <a:p>
+            <a:pPr lvl="1"/>
+            <a:r>
+              <a:rPr lang="en-US" dirty="0"/>
+              <a:t>Opportunity for early cut-off  (\</a:t>
+            </a:r>
+            <a:r>
+              <a:rPr lang="en-US" dirty="0" err="1"/>
+              <a:t>x.a</a:t>
+            </a:r>
+            <a:r>
+              <a:rPr lang="en-US" dirty="0"/>
+              <a:t>) {b/x}</a:t>
+            </a:r>
+          </a:p>
+          <a:p>
+            <a:pPr lvl="1"/>
+            <a:r>
+              <a:rPr lang="en-US" dirty="0"/>
+              <a:t>Constant factors dominate</a:t>
+            </a:r>
+          </a:p>
+          <a:p>
+            <a:pPr marL="342900" lvl="1" indent="0">
+              <a:buNone/>
+            </a:pPr>
+            <a:endParaRPr lang="en-US" dirty="0"/>
+          </a:p>
+        </p:txBody>
+      </p:sp>
+    </p:spTree>
+    <p:extLst>
+      <p:ext uri="{BB962C8B-B14F-4D97-AF65-F5344CB8AC3E}">
+        <p14:creationId xmlns:p14="http://schemas.microsoft.com/office/powerpoint/2010/main" val="1257689365"/>
+      </p:ext>
+    </p:extLst>
+  </p:cSld>
+  <p:clrMapOvr>
+    <a:masterClrMapping/>
+  </p:clrMapOvr>
+</p:sld>
+</file>
+
+<file path=ppt/slides/slide25.xml><?xml version="1.0" encoding="utf-8"?>
+<p:sld xmlns:a="http://schemas.openxmlformats.org/drawingml/2006/main" xmlns:r="http://schemas.openxmlformats.org/officeDocument/2006/relationships" xmlns:p="http://schemas.openxmlformats.org/presentationml/2006/main">
+  <p:cSld>
+    <p:spTree>
+      <p:nvGrpSpPr>
+        <p:cNvPr id="1" name=""/>
+        <p:cNvGrpSpPr/>
+        <p:nvPr/>
+      </p:nvGrpSpPr>
+      <p:grpSpPr>
+        <a:xfrm>
+          <a:off x="0" y="0"/>
+          <a:ext cx="0" cy="0"/>
+          <a:chOff x="0" y="0"/>
+          <a:chExt cx="0" cy="0"/>
+        </a:xfrm>
+      </p:grpSpPr>
+      <p:sp>
+        <p:nvSpPr>
           <p:cNvPr id="2" name="Title 1">
             <a:extLst>
               <a:ext uri="{FF2B5EF4-FFF2-40B4-BE49-F238E27FC236}">
@@ -12594,7 +12729,7 @@
 </p:sld>
 </file>
 
-<file path=ppt/slides/slide25.xml><?xml version="1.0" encoding="utf-8"?>
+<file path=ppt/slides/slide26.xml><?xml version="1.0" encoding="utf-8"?>
 <p:sld xmlns:a="http://schemas.openxmlformats.org/drawingml/2006/main" xmlns:r="http://schemas.openxmlformats.org/officeDocument/2006/relationships" xmlns:p="http://schemas.openxmlformats.org/presentationml/2006/main" show="0">
   <p:cSld>
     <p:spTree>
@@ -13373,7 +13508,7 @@
 </p:sld>
 </file>
 
-<file path=ppt/slides/slide26.xml><?xml version="1.0" encoding="utf-8"?>
+<file path=ppt/slides/slide27.xml><?xml version="1.0" encoding="utf-8"?>
 <p:sld xmlns:a="http://schemas.openxmlformats.org/drawingml/2006/main" xmlns:r="http://schemas.openxmlformats.org/officeDocument/2006/relationships" xmlns:p="http://schemas.openxmlformats.org/presentationml/2006/main" show="0">
   <p:cSld>
     <p:spTree>
@@ -14011,7 +14146,7 @@
 </p:sld>
 </file>
 
-<file path=ppt/slides/slide27.xml><?xml version="1.0" encoding="utf-8"?>
+<file path=ppt/slides/slide28.xml><?xml version="1.0" encoding="utf-8"?>
 <p:sld xmlns:a="http://schemas.openxmlformats.org/drawingml/2006/main" xmlns:r="http://schemas.openxmlformats.org/officeDocument/2006/relationships" xmlns:p="http://schemas.openxmlformats.org/presentationml/2006/main">
   <p:cSld>
     <p:spTree>
@@ -15501,7 +15636,7 @@
 </p:sld>
 </file>
 
-<file path=ppt/slides/slide28.xml><?xml version="1.0" encoding="utf-8"?>
+<file path=ppt/slides/slide29.xml><?xml version="1.0" encoding="utf-8"?>
 <p:sld xmlns:a="http://schemas.openxmlformats.org/drawingml/2006/main" xmlns:r="http://schemas.openxmlformats.org/officeDocument/2006/relationships" xmlns:p="http://schemas.openxmlformats.org/presentationml/2006/main">
   <p:cSld>
     <p:spTree>
@@ -16289,7 +16424,252 @@
 </p:sld>
 </file>
 
-<file path=ppt/slides/slide29.xml><?xml version="1.0" encoding="utf-8"?>
+<file path=ppt/slides/slide3.xml><?xml version="1.0" encoding="utf-8"?>
+<p:sld xmlns:a="http://schemas.openxmlformats.org/drawingml/2006/main" xmlns:r="http://schemas.openxmlformats.org/officeDocument/2006/relationships" xmlns:p="http://schemas.openxmlformats.org/presentationml/2006/main">
+  <p:cSld>
+    <p:spTree>
+      <p:nvGrpSpPr>
+        <p:cNvPr id="1" name=""/>
+        <p:cNvGrpSpPr/>
+        <p:nvPr/>
+      </p:nvGrpSpPr>
+      <p:grpSpPr>
+        <a:xfrm>
+          <a:off x="0" y="0"/>
+          <a:ext cx="0" cy="0"/>
+          <a:chOff x="0" y="0"/>
+          <a:chExt cx="0" cy="0"/>
+        </a:xfrm>
+      </p:grpSpPr>
+      <p:sp>
+        <p:nvSpPr>
+          <p:cNvPr id="4" name="Title 3">
+            <a:extLst>
+              <a:ext uri="{FF2B5EF4-FFF2-40B4-BE49-F238E27FC236}">
+                <a16:creationId xmlns:a16="http://schemas.microsoft.com/office/drawing/2014/main" id="{54AD2B03-A1DD-9048-886F-02DAC75169C7}"/>
+              </a:ext>
+            </a:extLst>
+          </p:cNvPr>
+          <p:cNvSpPr>
+            <a:spLocks noGrp="1"/>
+          </p:cNvSpPr>
+          <p:nvPr>
+            <p:ph type="title"/>
+          </p:nvPr>
+        </p:nvSpPr>
+        <p:spPr/>
+        <p:txBody>
+          <a:bodyPr>
+            <a:normAutofit/>
+          </a:bodyPr>
+          <a:lstStyle/>
+          <a:p>
+            <a:r>
+              <a:rPr lang="en-US" dirty="0"/>
+              <a:t>Key Operations on Lambda Calculus Terms</a:t>
+            </a:r>
+          </a:p>
+        </p:txBody>
+      </p:sp>
+      <p:sp>
+        <p:nvSpPr>
+          <p:cNvPr id="5" name="Content Placeholder 4">
+            <a:extLst>
+              <a:ext uri="{FF2B5EF4-FFF2-40B4-BE49-F238E27FC236}">
+                <a16:creationId xmlns:a16="http://schemas.microsoft.com/office/drawing/2014/main" id="{7BD33DFE-A792-7145-9E38-1B9D9ED8076A}"/>
+              </a:ext>
+            </a:extLst>
+          </p:cNvPr>
+          <p:cNvSpPr>
+            <a:spLocks noGrp="1"/>
+          </p:cNvSpPr>
+          <p:nvPr>
+            <p:ph sz="half" idx="1"/>
+          </p:nvPr>
+        </p:nvSpPr>
+        <p:spPr/>
+        <p:txBody>
+          <a:bodyPr/>
+          <a:lstStyle/>
+          <a:p>
+            <a:pPr marL="0" indent="0">
+              <a:buNone/>
+            </a:pPr>
+            <a:r>
+              <a:rPr lang="en-US" b="1" dirty="0"/>
+              <a:t>Alpha-equivalence     </a:t>
+            </a:r>
+          </a:p>
+          <a:p>
+            <a:pPr marL="0" indent="0">
+              <a:buNone/>
+            </a:pPr>
+            <a:r>
+              <a:rPr lang="en-US" b="1" dirty="0"/>
+              <a:t> </a:t>
+            </a:r>
+          </a:p>
+          <a:p>
+            <a:pPr marL="0" indent="0" algn="ctr">
+              <a:buNone/>
+            </a:pPr>
+            <a:r>
+              <a:rPr lang="en-US" dirty="0"/>
+              <a:t>a == b</a:t>
+            </a:r>
+            <a:endParaRPr lang="en-US" b="1" dirty="0"/>
+          </a:p>
+          <a:p>
+            <a:pPr marL="0" indent="0">
+              <a:buNone/>
+            </a:pPr>
+            <a:endParaRPr lang="en-US" dirty="0"/>
+          </a:p>
+          <a:p>
+            <a:pPr marL="0" indent="0">
+              <a:buNone/>
+            </a:pPr>
+            <a:r>
+              <a:rPr lang="en-US" dirty="0"/>
+              <a:t>Example</a:t>
+            </a:r>
+          </a:p>
+          <a:p>
+            <a:pPr marL="0" indent="0" algn="ctr">
+              <a:buNone/>
+            </a:pPr>
+            <a:r>
+              <a:rPr lang="en-US" dirty="0"/>
+              <a:t>\</a:t>
+            </a:r>
+            <a:r>
+              <a:rPr lang="en-US" dirty="0" err="1"/>
+              <a:t>x.x</a:t>
+            </a:r>
+            <a:r>
+              <a:rPr lang="en-US" dirty="0"/>
+              <a:t> == \</a:t>
+            </a:r>
+            <a:r>
+              <a:rPr lang="en-US" dirty="0" err="1"/>
+              <a:t>y.y</a:t>
+            </a:r>
+            <a:r>
+              <a:rPr lang="en-US" dirty="0"/>
+              <a:t>  =&gt; True</a:t>
+            </a:r>
+          </a:p>
+          <a:p>
+            <a:pPr marL="0" indent="0">
+              <a:buNone/>
+            </a:pPr>
+            <a:endParaRPr lang="en-US" dirty="0"/>
+          </a:p>
+        </p:txBody>
+      </p:sp>
+      <p:sp>
+        <p:nvSpPr>
+          <p:cNvPr id="6" name="Content Placeholder 5">
+            <a:extLst>
+              <a:ext uri="{FF2B5EF4-FFF2-40B4-BE49-F238E27FC236}">
+                <a16:creationId xmlns:a16="http://schemas.microsoft.com/office/drawing/2014/main" id="{FA4CC830-BBFE-ED40-867F-B6491F338E54}"/>
+              </a:ext>
+            </a:extLst>
+          </p:cNvPr>
+          <p:cNvSpPr>
+            <a:spLocks noGrp="1"/>
+          </p:cNvSpPr>
+          <p:nvPr>
+            <p:ph sz="half" idx="2"/>
+          </p:nvPr>
+        </p:nvSpPr>
+        <p:spPr>
+          <a:xfrm>
+            <a:off x="4629149" y="1369219"/>
+            <a:ext cx="4364125" cy="3263504"/>
+          </a:xfrm>
+        </p:spPr>
+        <p:txBody>
+          <a:bodyPr/>
+          <a:lstStyle/>
+          <a:p>
+            <a:pPr marL="0" indent="0">
+              <a:buNone/>
+            </a:pPr>
+            <a:r>
+              <a:rPr lang="en-US" b="1" dirty="0"/>
+              <a:t>Capture-avoiding substitution</a:t>
+            </a:r>
+          </a:p>
+          <a:p>
+            <a:pPr marL="0" indent="0">
+              <a:buNone/>
+            </a:pPr>
+            <a:endParaRPr lang="en-US" b="1" dirty="0"/>
+          </a:p>
+          <a:p>
+            <a:pPr marL="0" indent="0" algn="ctr">
+              <a:buNone/>
+            </a:pPr>
+            <a:r>
+              <a:rPr lang="en-US" dirty="0"/>
+              <a:t>a { b / x }</a:t>
+            </a:r>
+          </a:p>
+          <a:p>
+            <a:pPr marL="0" indent="0">
+              <a:buNone/>
+            </a:pPr>
+            <a:endParaRPr lang="en-US" dirty="0"/>
+          </a:p>
+          <a:p>
+            <a:pPr marL="0" indent="0">
+              <a:buNone/>
+            </a:pPr>
+            <a:r>
+              <a:rPr lang="en-US" dirty="0"/>
+              <a:t>Example</a:t>
+            </a:r>
+          </a:p>
+          <a:p>
+            <a:pPr marL="0" indent="0" algn="ctr">
+              <a:buNone/>
+            </a:pPr>
+            <a:r>
+              <a:rPr lang="en-US" dirty="0"/>
+              <a:t>(\</a:t>
+            </a:r>
+            <a:r>
+              <a:rPr lang="en-US" dirty="0" err="1"/>
+              <a:t>y.z</a:t>
+            </a:r>
+            <a:r>
+              <a:rPr lang="en-US" dirty="0"/>
+              <a:t>) { y / z }  =&gt; \w. y</a:t>
+            </a:r>
+          </a:p>
+          <a:p>
+            <a:pPr marL="0" indent="0">
+              <a:buNone/>
+            </a:pPr>
+            <a:endParaRPr lang="en-US" dirty="0"/>
+          </a:p>
+        </p:txBody>
+      </p:sp>
+    </p:spTree>
+    <p:extLst>
+      <p:ext uri="{BB962C8B-B14F-4D97-AF65-F5344CB8AC3E}">
+        <p14:creationId xmlns:p14="http://schemas.microsoft.com/office/powerpoint/2010/main" val="3893342088"/>
+      </p:ext>
+    </p:extLst>
+  </p:cSld>
+  <p:clrMapOvr>
+    <a:masterClrMapping/>
+  </p:clrMapOvr>
+</p:sld>
+</file>
+
+<file path=ppt/slides/slide30.xml><?xml version="1.0" encoding="utf-8"?>
 <p:sld xmlns:a="http://schemas.openxmlformats.org/drawingml/2006/main" xmlns:r="http://schemas.openxmlformats.org/officeDocument/2006/relationships" xmlns:p="http://schemas.openxmlformats.org/presentationml/2006/main">
   <p:cSld>
     <p:spTree>
@@ -16918,281 +17298,7 @@
 </p:sld>
 </file>
 
-<file path=ppt/slides/slide3.xml><?xml version="1.0" encoding="utf-8"?>
-<p:sld xmlns:a="http://schemas.openxmlformats.org/drawingml/2006/main" xmlns:r="http://schemas.openxmlformats.org/officeDocument/2006/relationships" xmlns:p="http://schemas.openxmlformats.org/presentationml/2006/main">
-  <p:cSld>
-    <p:spTree>
-      <p:nvGrpSpPr>
-        <p:cNvPr id="1" name=""/>
-        <p:cNvGrpSpPr/>
-        <p:nvPr/>
-      </p:nvGrpSpPr>
-      <p:grpSpPr>
-        <a:xfrm>
-          <a:off x="0" y="0"/>
-          <a:ext cx="0" cy="0"/>
-          <a:chOff x="0" y="0"/>
-          <a:chExt cx="0" cy="0"/>
-        </a:xfrm>
-      </p:grpSpPr>
-      <p:sp>
-        <p:nvSpPr>
-          <p:cNvPr id="4" name="Title 3">
-            <a:extLst>
-              <a:ext uri="{FF2B5EF4-FFF2-40B4-BE49-F238E27FC236}">
-                <a16:creationId xmlns:a16="http://schemas.microsoft.com/office/drawing/2014/main" id="{54AD2B03-A1DD-9048-886F-02DAC75169C7}"/>
-              </a:ext>
-            </a:extLst>
-          </p:cNvPr>
-          <p:cNvSpPr>
-            <a:spLocks noGrp="1"/>
-          </p:cNvSpPr>
-          <p:nvPr>
-            <p:ph type="title"/>
-          </p:nvPr>
-        </p:nvSpPr>
-        <p:spPr/>
-        <p:txBody>
-          <a:bodyPr>
-            <a:normAutofit/>
-          </a:bodyPr>
-          <a:lstStyle/>
-          <a:p>
-            <a:r>
-              <a:rPr lang="en-US" dirty="0"/>
-              <a:t>Key Operations on Lambda Calculus Terms</a:t>
-            </a:r>
-          </a:p>
-        </p:txBody>
-      </p:sp>
-      <p:sp>
-        <p:nvSpPr>
-          <p:cNvPr id="5" name="Content Placeholder 4">
-            <a:extLst>
-              <a:ext uri="{FF2B5EF4-FFF2-40B4-BE49-F238E27FC236}">
-                <a16:creationId xmlns:a16="http://schemas.microsoft.com/office/drawing/2014/main" id="{7BD33DFE-A792-7145-9E38-1B9D9ED8076A}"/>
-              </a:ext>
-            </a:extLst>
-          </p:cNvPr>
-          <p:cNvSpPr>
-            <a:spLocks noGrp="1"/>
-          </p:cNvSpPr>
-          <p:nvPr>
-            <p:ph sz="half" idx="1"/>
-          </p:nvPr>
-        </p:nvSpPr>
-        <p:spPr/>
-        <p:txBody>
-          <a:bodyPr/>
-          <a:lstStyle/>
-          <a:p>
-            <a:pPr marL="0" indent="0">
-              <a:buNone/>
-            </a:pPr>
-            <a:r>
-              <a:rPr lang="en-US" b="1" dirty="0"/>
-              <a:t>Alpha-equivalence     </a:t>
-            </a:r>
-          </a:p>
-          <a:p>
-            <a:pPr marL="0" indent="0">
-              <a:buNone/>
-            </a:pPr>
-            <a:r>
-              <a:rPr lang="en-US" b="1" dirty="0"/>
-              <a:t> </a:t>
-            </a:r>
-          </a:p>
-          <a:p>
-            <a:pPr marL="0" indent="0" algn="ctr">
-              <a:buNone/>
-            </a:pPr>
-            <a:r>
-              <a:rPr lang="en-US" dirty="0"/>
-              <a:t>a == b</a:t>
-            </a:r>
-            <a:endParaRPr lang="en-US" b="1" dirty="0"/>
-          </a:p>
-          <a:p>
-            <a:endParaRPr lang="en-US" dirty="0"/>
-          </a:p>
-          <a:p>
-            <a:pPr marL="0" indent="0" algn="ctr">
-              <a:buNone/>
-            </a:pPr>
-            <a:r>
-              <a:rPr lang="en-US" dirty="0"/>
-              <a:t>\</a:t>
-            </a:r>
-            <a:r>
-              <a:rPr lang="en-US" dirty="0" err="1"/>
-              <a:t>x.x</a:t>
-            </a:r>
-            <a:r>
-              <a:rPr lang="en-US" dirty="0"/>
-              <a:t> == \</a:t>
-            </a:r>
-            <a:r>
-              <a:rPr lang="en-US" dirty="0" err="1"/>
-              <a:t>y.y</a:t>
-            </a:r>
-            <a:r>
-              <a:rPr lang="en-US" dirty="0"/>
-              <a:t>  =&gt; True</a:t>
-            </a:r>
-          </a:p>
-          <a:p>
-            <a:pPr marL="0" indent="0">
-              <a:buNone/>
-            </a:pPr>
-            <a:endParaRPr lang="en-US" dirty="0"/>
-          </a:p>
-          <a:p>
-            <a:pPr marL="0" indent="0">
-              <a:buNone/>
-            </a:pPr>
-            <a:r>
-              <a:rPr lang="en-US" dirty="0" err="1"/>
-              <a:t>aeq</a:t>
-            </a:r>
-            <a:r>
-              <a:rPr lang="en-US" dirty="0"/>
-              <a:t> :: Exp -&gt; Exp -&gt; Bool</a:t>
-            </a:r>
-          </a:p>
-          <a:p>
-            <a:pPr marL="0" indent="0">
-              <a:buNone/>
-            </a:pPr>
-            <a:r>
-              <a:rPr lang="en-US" dirty="0" err="1"/>
-              <a:t>aeq</a:t>
-            </a:r>
-            <a:r>
-              <a:rPr lang="en-US" dirty="0"/>
-              <a:t> a b = …</a:t>
-            </a:r>
-          </a:p>
-        </p:txBody>
-      </p:sp>
-      <p:sp>
-        <p:nvSpPr>
-          <p:cNvPr id="6" name="Content Placeholder 5">
-            <a:extLst>
-              <a:ext uri="{FF2B5EF4-FFF2-40B4-BE49-F238E27FC236}">
-                <a16:creationId xmlns:a16="http://schemas.microsoft.com/office/drawing/2014/main" id="{FA4CC830-BBFE-ED40-867F-B6491F338E54}"/>
-              </a:ext>
-            </a:extLst>
-          </p:cNvPr>
-          <p:cNvSpPr>
-            <a:spLocks noGrp="1"/>
-          </p:cNvSpPr>
-          <p:nvPr>
-            <p:ph sz="half" idx="2"/>
-          </p:nvPr>
-        </p:nvSpPr>
-        <p:spPr>
-          <a:xfrm>
-            <a:off x="4629149" y="1369219"/>
-            <a:ext cx="4364125" cy="3263504"/>
-          </a:xfrm>
-        </p:spPr>
-        <p:txBody>
-          <a:bodyPr/>
-          <a:lstStyle/>
-          <a:p>
-            <a:pPr marL="0" indent="0">
-              <a:buNone/>
-            </a:pPr>
-            <a:r>
-              <a:rPr lang="en-US" b="1" dirty="0"/>
-              <a:t>Capture-avoiding substitution</a:t>
-            </a:r>
-          </a:p>
-          <a:p>
-            <a:pPr marL="0" indent="0">
-              <a:buNone/>
-            </a:pPr>
-            <a:endParaRPr lang="en-US" b="1" dirty="0"/>
-          </a:p>
-          <a:p>
-            <a:pPr marL="0" indent="0" algn="ctr">
-              <a:buNone/>
-            </a:pPr>
-            <a:r>
-              <a:rPr lang="en-US" dirty="0"/>
-              <a:t>a { b / x }</a:t>
-            </a:r>
-          </a:p>
-          <a:p>
-            <a:pPr marL="0" indent="0">
-              <a:buNone/>
-            </a:pPr>
-            <a:endParaRPr lang="en-US" dirty="0"/>
-          </a:p>
-          <a:p>
-            <a:pPr marL="0" indent="0" algn="ctr">
-              <a:buNone/>
-            </a:pPr>
-            <a:r>
-              <a:rPr lang="en-US" dirty="0"/>
-              <a:t>(\</a:t>
-            </a:r>
-            <a:r>
-              <a:rPr lang="en-US" dirty="0" err="1"/>
-              <a:t>y.z</a:t>
-            </a:r>
-            <a:r>
-              <a:rPr lang="en-US" dirty="0"/>
-              <a:t>) { y / z }  =&gt; \w. y</a:t>
-            </a:r>
-          </a:p>
-          <a:p>
-            <a:pPr marL="0" indent="0">
-              <a:buNone/>
-            </a:pPr>
-            <a:endParaRPr lang="en-US" dirty="0"/>
-          </a:p>
-          <a:p>
-            <a:pPr marL="0" indent="0">
-              <a:buNone/>
-            </a:pPr>
-            <a:r>
-              <a:rPr lang="en-US" dirty="0" err="1"/>
-              <a:t>subst</a:t>
-            </a:r>
-            <a:r>
-              <a:rPr lang="en-US" dirty="0"/>
-              <a:t> :: Var -&gt; Exp -&gt; Exp -&gt; Exp</a:t>
-            </a:r>
-            <a:br>
-              <a:rPr lang="en-US" dirty="0"/>
-            </a:br>
-            <a:r>
-              <a:rPr lang="en-US" dirty="0" err="1"/>
-              <a:t>subst</a:t>
-            </a:r>
-            <a:r>
-              <a:rPr lang="en-US" dirty="0"/>
-              <a:t> x a b = …</a:t>
-            </a:r>
-          </a:p>
-        </p:txBody>
-      </p:sp>
-    </p:spTree>
-    <p:extLst>
-      <p:ext uri="{BB962C8B-B14F-4D97-AF65-F5344CB8AC3E}">
-        <p14:creationId xmlns:p14="http://schemas.microsoft.com/office/powerpoint/2010/main" val="3893342088"/>
-      </p:ext>
-    </p:extLst>
-  </p:cSld>
-  <p:clrMapOvr>
-    <a:masterClrMapping/>
-  </p:clrMapOvr>
-</p:sld>
-</file>
-
-<file path=ppt/slides/slide30.xml><?xml version="1.0" encoding="utf-8"?>
+<file path=ppt/slides/slide31.xml><?xml version="1.0" encoding="utf-8"?>
 <p:sld xmlns:a="http://schemas.openxmlformats.org/drawingml/2006/main" xmlns:r="http://schemas.openxmlformats.org/officeDocument/2006/relationships" xmlns:p="http://schemas.openxmlformats.org/presentationml/2006/main">
   <p:cSld>
     <p:spTree>
@@ -18737,7 +18843,7 @@
 </p:sld>
 </file>
 
-<file path=ppt/slides/slide31.xml><?xml version="1.0" encoding="utf-8"?>
+<file path=ppt/slides/slide32.xml><?xml version="1.0" encoding="utf-8"?>
 <p:sld xmlns:a="http://schemas.openxmlformats.org/drawingml/2006/main" xmlns:r="http://schemas.openxmlformats.org/officeDocument/2006/relationships" xmlns:p="http://schemas.openxmlformats.org/presentationml/2006/main">
   <p:cSld>
     <p:spTree>
@@ -20161,7 +20267,7 @@
 </p:sld>
 </file>
 
-<file path=ppt/slides/slide32.xml><?xml version="1.0" encoding="utf-8"?>
+<file path=ppt/slides/slide33.xml><?xml version="1.0" encoding="utf-8"?>
 <p:sld xmlns:a="http://schemas.openxmlformats.org/drawingml/2006/main" xmlns:r="http://schemas.openxmlformats.org/officeDocument/2006/relationships" xmlns:p="http://schemas.openxmlformats.org/presentationml/2006/main">
   <p:cSld>
     <p:spTree>
@@ -21171,7 +21277,7 @@
 </p:sld>
 </file>
 
-<file path=ppt/slides/slide33.xml><?xml version="1.0" encoding="utf-8"?>
+<file path=ppt/slides/slide34.xml><?xml version="1.0" encoding="utf-8"?>
 <p:sld xmlns:a="http://schemas.openxmlformats.org/drawingml/2006/main" xmlns:r="http://schemas.openxmlformats.org/officeDocument/2006/relationships" xmlns:p="http://schemas.openxmlformats.org/presentationml/2006/main" show="0">
   <p:cSld>
     <p:spTree>
@@ -22607,7 +22713,7 @@
 </p:sld>
 </file>
 
-<file path=ppt/slides/slide34.xml><?xml version="1.0" encoding="utf-8"?>
+<file path=ppt/slides/slide35.xml><?xml version="1.0" encoding="utf-8"?>
 <p:sld xmlns:a="http://schemas.openxmlformats.org/drawingml/2006/main" xmlns:r="http://schemas.openxmlformats.org/officeDocument/2006/relationships" xmlns:p="http://schemas.openxmlformats.org/presentationml/2006/main">
   <p:cSld>
     <p:spTree>
@@ -24032,7 +24138,7 @@
 </p:sld>
 </file>
 
-<file path=ppt/slides/slide35.xml><?xml version="1.0" encoding="utf-8"?>
+<file path=ppt/slides/slide36.xml><?xml version="1.0" encoding="utf-8"?>
 <p:sld xmlns:a="http://schemas.openxmlformats.org/drawingml/2006/main" xmlns:r="http://schemas.openxmlformats.org/officeDocument/2006/relationships" xmlns:p="http://schemas.openxmlformats.org/presentationml/2006/main">
   <p:cSld>
     <p:spTree>
@@ -24320,7 +24426,7 @@
 </p:sld>
 </file>
 
-<file path=ppt/slides/slide36.xml><?xml version="1.0" encoding="utf-8"?>
+<file path=ppt/slides/slide37.xml><?xml version="1.0" encoding="utf-8"?>
 <p:sld xmlns:a="http://schemas.openxmlformats.org/drawingml/2006/main" xmlns:r="http://schemas.openxmlformats.org/officeDocument/2006/relationships" xmlns:p="http://schemas.openxmlformats.org/presentationml/2006/main">
   <p:cSld>
     <p:spTree>
@@ -24638,7 +24744,7 @@
 </p:sld>
 </file>
 
-<file path=ppt/slides/slide37.xml><?xml version="1.0" encoding="utf-8"?>
+<file path=ppt/slides/slide38.xml><?xml version="1.0" encoding="utf-8"?>
 <p:sld xmlns:a="http://schemas.openxmlformats.org/drawingml/2006/main" xmlns:r="http://schemas.openxmlformats.org/officeDocument/2006/relationships" xmlns:p="http://schemas.openxmlformats.org/presentationml/2006/main">
   <p:cSld>
     <p:spTree>
@@ -24719,286 +24825,6 @@
 </file>
 
 <file path=ppt/slides/slide4.xml><?xml version="1.0" encoding="utf-8"?>
-<p:sld xmlns:a="http://schemas.openxmlformats.org/drawingml/2006/main" xmlns:r="http://schemas.openxmlformats.org/officeDocument/2006/relationships" xmlns:p="http://schemas.openxmlformats.org/presentationml/2006/main">
-  <p:cSld>
-    <p:spTree>
-      <p:nvGrpSpPr>
-        <p:cNvPr id="1" name=""/>
-        <p:cNvGrpSpPr/>
-        <p:nvPr/>
-      </p:nvGrpSpPr>
-      <p:grpSpPr>
-        <a:xfrm>
-          <a:off x="0" y="0"/>
-          <a:ext cx="0" cy="0"/>
-          <a:chOff x="0" y="0"/>
-          <a:chExt cx="0" cy="0"/>
-        </a:xfrm>
-      </p:grpSpPr>
-      <p:sp>
-        <p:nvSpPr>
-          <p:cNvPr id="2" name="Title 1">
-            <a:extLst>
-              <a:ext uri="{FF2B5EF4-FFF2-40B4-BE49-F238E27FC236}">
-                <a16:creationId xmlns:a16="http://schemas.microsoft.com/office/drawing/2014/main" id="{94F32DAA-5F46-7C45-9BEB-5E380510A4B8}"/>
-              </a:ext>
-            </a:extLst>
-          </p:cNvPr>
-          <p:cNvSpPr>
-            <a:spLocks noGrp="1"/>
-          </p:cNvSpPr>
-          <p:nvPr>
-            <p:ph type="title"/>
-          </p:nvPr>
-        </p:nvSpPr>
-        <p:spPr/>
-        <p:txBody>
-          <a:bodyPr/>
-          <a:lstStyle/>
-          <a:p>
-            <a:r>
-              <a:rPr lang="en-US" dirty="0"/>
-              <a:t>General Form </a:t>
-            </a:r>
-          </a:p>
-        </p:txBody>
-      </p:sp>
-      <p:sp>
-        <p:nvSpPr>
-          <p:cNvPr id="3" name="Content Placeholder 2">
-            <a:extLst>
-              <a:ext uri="{FF2B5EF4-FFF2-40B4-BE49-F238E27FC236}">
-                <a16:creationId xmlns:a16="http://schemas.microsoft.com/office/drawing/2014/main" id="{70C3A6F2-93C8-8748-B392-904F7F2525F4}"/>
-              </a:ext>
-            </a:extLst>
-          </p:cNvPr>
-          <p:cNvSpPr>
-            <a:spLocks noGrp="1"/>
-          </p:cNvSpPr>
-          <p:nvPr>
-            <p:ph idx="1"/>
-          </p:nvPr>
-        </p:nvSpPr>
-        <p:spPr>
-          <a:xfrm>
-            <a:off x="375152" y="1168924"/>
-            <a:ext cx="8561457" cy="3273767"/>
-          </a:xfrm>
-        </p:spPr>
-        <p:txBody>
-          <a:bodyPr/>
-          <a:lstStyle/>
-          <a:p>
-            <a:pPr marL="0" indent="0">
-              <a:spcBef>
-                <a:spcPts val="300"/>
-              </a:spcBef>
-              <a:buNone/>
-            </a:pPr>
-            <a:r>
-              <a:rPr lang="en-US" dirty="0">
-                <a:solidFill>
-                  <a:srgbClr val="4B69C6"/>
-                </a:solidFill>
-                <a:latin typeface="Menlo" panose="020B0609030804020204" pitchFamily="49" charset="0"/>
-              </a:rPr>
-              <a:t>data</a:t>
-            </a:r>
-            <a:r>
-              <a:rPr lang="en-US" dirty="0">
-                <a:solidFill>
-                  <a:srgbClr val="333333"/>
-                </a:solidFill>
-                <a:latin typeface="Menlo" panose="020B0609030804020204" pitchFamily="49" charset="0"/>
-              </a:rPr>
-              <a:t> </a:t>
-            </a:r>
-            <a:r>
-              <a:rPr lang="en-US" dirty="0">
-                <a:solidFill>
-                  <a:srgbClr val="7A3E9D"/>
-                </a:solidFill>
-                <a:latin typeface="Menlo" panose="020B0609030804020204" pitchFamily="49" charset="0"/>
-              </a:rPr>
-              <a:t>Exp</a:t>
-            </a:r>
-            <a:r>
-              <a:rPr lang="en-US" dirty="0">
-                <a:solidFill>
-                  <a:srgbClr val="333333"/>
-                </a:solidFill>
-                <a:latin typeface="Menlo" panose="020B0609030804020204" pitchFamily="49" charset="0"/>
-              </a:rPr>
-              <a:t> = Var Var           </a:t>
-            </a:r>
-          </a:p>
-          <a:p>
-            <a:pPr marL="0" indent="0">
-              <a:spcBef>
-                <a:spcPts val="300"/>
-              </a:spcBef>
-              <a:buNone/>
-            </a:pPr>
-            <a:r>
-              <a:rPr lang="en-US" dirty="0">
-                <a:solidFill>
-                  <a:srgbClr val="333333"/>
-                </a:solidFill>
-                <a:latin typeface="Menlo" panose="020B0609030804020204" pitchFamily="49" charset="0"/>
-              </a:rPr>
-              <a:t>         | Lam (Bind Exp) </a:t>
-            </a:r>
-          </a:p>
-          <a:p>
-            <a:pPr marL="0" indent="0">
-              <a:spcBef>
-                <a:spcPts val="300"/>
-              </a:spcBef>
-              <a:buNone/>
-            </a:pPr>
-            <a:r>
-              <a:rPr lang="en-US" dirty="0">
-                <a:solidFill>
-                  <a:srgbClr val="333333"/>
-                </a:solidFill>
-                <a:latin typeface="Menlo" panose="020B0609030804020204" pitchFamily="49" charset="0"/>
-              </a:rPr>
-              <a:t>         | App Exp Exp</a:t>
-            </a:r>
-          </a:p>
-          <a:p>
-            <a:pPr marL="0" indent="0">
-              <a:spcBef>
-                <a:spcPts val="300"/>
-              </a:spcBef>
-              <a:buNone/>
-            </a:pPr>
-            <a:endParaRPr lang="en-US" dirty="0">
-              <a:solidFill>
-                <a:srgbClr val="333333"/>
-              </a:solidFill>
-              <a:latin typeface="Menlo" panose="020B0609030804020204" pitchFamily="49" charset="0"/>
-            </a:endParaRPr>
-          </a:p>
-          <a:p>
-            <a:pPr marL="0" indent="0">
-              <a:buNone/>
-            </a:pPr>
-            <a:r>
-              <a:rPr lang="en-US" dirty="0">
-                <a:solidFill>
-                  <a:srgbClr val="4B69C6"/>
-                </a:solidFill>
-                <a:latin typeface="Menlo" panose="020B0609030804020204" pitchFamily="49" charset="0"/>
-              </a:rPr>
-              <a:t>type</a:t>
-            </a:r>
-            <a:r>
-              <a:rPr lang="en-US" dirty="0">
-                <a:latin typeface="Menlo" panose="020B0609030804020204" pitchFamily="49" charset="0"/>
-                <a:ea typeface="Menlo" panose="020B0609030804020204" pitchFamily="49" charset="0"/>
-                <a:cs typeface="Menlo" panose="020B0609030804020204" pitchFamily="49" charset="0"/>
-              </a:rPr>
-              <a:t> Var  -- some way to represent variables</a:t>
-            </a:r>
-          </a:p>
-          <a:p>
-            <a:pPr marL="0" indent="0">
-              <a:buNone/>
-            </a:pPr>
-            <a:r>
-              <a:rPr lang="en-US" dirty="0">
-                <a:solidFill>
-                  <a:srgbClr val="4B69C6"/>
-                </a:solidFill>
-                <a:latin typeface="Menlo" panose="020B0609030804020204" pitchFamily="49" charset="0"/>
-              </a:rPr>
-              <a:t>type</a:t>
-            </a:r>
-            <a:r>
-              <a:rPr lang="en-US" dirty="0">
-                <a:latin typeface="Menlo" panose="020B0609030804020204" pitchFamily="49" charset="0"/>
-                <a:ea typeface="Menlo" panose="020B0609030804020204" pitchFamily="49" charset="0"/>
-                <a:cs typeface="Menlo" panose="020B0609030804020204" pitchFamily="49" charset="0"/>
-              </a:rPr>
-              <a:t> Bind t -- some way to represent binding/scope</a:t>
-            </a:r>
-          </a:p>
-          <a:p>
-            <a:pPr marL="0" indent="0">
-              <a:buNone/>
-            </a:pPr>
-            <a:endParaRPr lang="en-US" dirty="0">
-              <a:latin typeface="Menlo" panose="020B0609030804020204" pitchFamily="49" charset="0"/>
-              <a:ea typeface="Menlo" panose="020B0609030804020204" pitchFamily="49" charset="0"/>
-              <a:cs typeface="Menlo" panose="020B0609030804020204" pitchFamily="49" charset="0"/>
-            </a:endParaRPr>
-          </a:p>
-          <a:p>
-            <a:pPr marL="0" indent="0">
-              <a:buNone/>
-            </a:pPr>
-            <a:r>
-              <a:rPr lang="en-US" dirty="0" err="1">
-                <a:latin typeface="Menlo" panose="020B0609030804020204" pitchFamily="49" charset="0"/>
-                <a:ea typeface="Menlo" panose="020B0609030804020204" pitchFamily="49" charset="0"/>
-                <a:cs typeface="Menlo" panose="020B0609030804020204" pitchFamily="49" charset="0"/>
-              </a:rPr>
-              <a:t>aeq</a:t>
-            </a:r>
-            <a:r>
-              <a:rPr lang="en-US" dirty="0">
-                <a:latin typeface="Menlo" panose="020B0609030804020204" pitchFamily="49" charset="0"/>
-                <a:ea typeface="Menlo" panose="020B0609030804020204" pitchFamily="49" charset="0"/>
-                <a:cs typeface="Menlo" panose="020B0609030804020204" pitchFamily="49" charset="0"/>
-              </a:rPr>
-              <a:t> :: Exp -&gt; Exp -&gt; Bool</a:t>
-            </a:r>
-          </a:p>
-          <a:p>
-            <a:pPr marL="0" indent="0">
-              <a:buNone/>
-            </a:pPr>
-            <a:r>
-              <a:rPr lang="en-US" dirty="0" err="1">
-                <a:latin typeface="Menlo" panose="020B0609030804020204" pitchFamily="49" charset="0"/>
-                <a:ea typeface="Menlo" panose="020B0609030804020204" pitchFamily="49" charset="0"/>
-                <a:cs typeface="Menlo" panose="020B0609030804020204" pitchFamily="49" charset="0"/>
-              </a:rPr>
-              <a:t>subst</a:t>
-            </a:r>
-            <a:r>
-              <a:rPr lang="en-US" dirty="0">
-                <a:latin typeface="Menlo" panose="020B0609030804020204" pitchFamily="49" charset="0"/>
-                <a:ea typeface="Menlo" panose="020B0609030804020204" pitchFamily="49" charset="0"/>
-                <a:cs typeface="Menlo" panose="020B0609030804020204" pitchFamily="49" charset="0"/>
-              </a:rPr>
-              <a:t> :: Var -&gt; Exp -&gt; Exp -&gt; Exp</a:t>
-            </a:r>
-            <a:endParaRPr lang="en-US" dirty="0"/>
-          </a:p>
-          <a:p>
-            <a:pPr marL="0" indent="0">
-              <a:buNone/>
-            </a:pPr>
-            <a:endParaRPr lang="en-US" dirty="0"/>
-          </a:p>
-        </p:txBody>
-      </p:sp>
-    </p:spTree>
-    <p:extLst>
-      <p:ext uri="{BB962C8B-B14F-4D97-AF65-F5344CB8AC3E}">
-        <p14:creationId xmlns:p14="http://schemas.microsoft.com/office/powerpoint/2010/main" val="3828990099"/>
-      </p:ext>
-    </p:extLst>
-  </p:cSld>
-  <p:clrMapOvr>
-    <a:masterClrMapping/>
-  </p:clrMapOvr>
-</p:sld>
-</file>
-
-<file path=ppt/slides/slide5.xml><?xml version="1.0" encoding="utf-8"?>
 <p:sld xmlns:a="http://schemas.openxmlformats.org/drawingml/2006/main" xmlns:r="http://schemas.openxmlformats.org/officeDocument/2006/relationships" xmlns:p="http://schemas.openxmlformats.org/presentationml/2006/main">
   <p:cSld>
     <p:spTree>
@@ -25082,17 +24908,13 @@
           <a:p>
             <a:r>
               <a:rPr lang="en-US" sz="2000" dirty="0"/>
-              <a:t>Simple Names</a:t>
-            </a:r>
-          </a:p>
-          <a:p>
-            <a:r>
-              <a:rPr lang="en-US" sz="2000" dirty="0" err="1"/>
-              <a:t>Barandregt</a:t>
-            </a:r>
+              <a:t>Names: avoidance, BVC </a:t>
+            </a:r>
+          </a:p>
+          <a:p>
             <a:r>
               <a:rPr lang="en-US" sz="2000" dirty="0"/>
-              <a:t> Convention</a:t>
+              <a:t>Names: nominal approach</a:t>
             </a:r>
           </a:p>
           <a:p>
@@ -25212,7 +25034,7 @@
 </p:sld>
 </file>
 
-<file path=ppt/slides/slide6.xml><?xml version="1.0" encoding="utf-8"?>
+<file path=ppt/slides/slide5.xml><?xml version="1.0" encoding="utf-8"?>
 <p:sld xmlns:a="http://schemas.openxmlformats.org/drawingml/2006/main" xmlns:r="http://schemas.openxmlformats.org/officeDocument/2006/relationships" xmlns:p="http://schemas.openxmlformats.org/presentationml/2006/main">
   <p:cSld>
     <p:spTree>
@@ -25280,54 +25102,60 @@
           </a:xfrm>
         </p:spPr>
         <p:txBody>
-          <a:bodyPr/>
+          <a:bodyPr>
+            <a:normAutofit/>
+          </a:bodyPr>
           <a:lstStyle/>
           <a:p>
             <a:r>
-              <a:rPr lang="en-US" dirty="0"/>
+              <a:rPr lang="en-US" sz="2400" dirty="0"/>
               <a:t>Different goals: compiler vs. type checker vs. didactic explanation vs. proofs</a:t>
             </a:r>
           </a:p>
           <a:p>
             <a:pPr lvl="1"/>
             <a:r>
-              <a:rPr lang="en-US" dirty="0"/>
+              <a:rPr lang="en-US" sz="2000" dirty="0"/>
               <a:t>Subtle bugs are common, some designed to be "easier to use"</a:t>
             </a:r>
           </a:p>
           <a:p>
             <a:pPr lvl="1"/>
             <a:r>
-              <a:rPr lang="en-US" dirty="0"/>
+              <a:rPr lang="en-US" sz="2000" dirty="0"/>
               <a:t>Proofs are important, some designed to be "easier to reason about" </a:t>
             </a:r>
           </a:p>
           <a:p>
             <a:pPr lvl="1"/>
             <a:r>
-              <a:rPr lang="en-US" dirty="0"/>
+              <a:rPr lang="en-US" sz="2000" dirty="0"/>
               <a:t>Performance is important, some designed to be "faster"</a:t>
             </a:r>
           </a:p>
           <a:p>
+            <a:pPr lvl="1"/>
+            <a:endParaRPr lang="en-US" sz="2000" dirty="0"/>
+          </a:p>
+          <a:p>
             <a:pPr marL="0" indent="0">
               <a:buNone/>
             </a:pPr>
             <a:r>
-              <a:rPr lang="en-US" dirty="0"/>
+              <a:rPr lang="en-US" sz="2400" dirty="0"/>
               <a:t>But …</a:t>
             </a:r>
           </a:p>
           <a:p>
             <a:r>
-              <a:rPr lang="en-US" dirty="0"/>
-              <a:t>Testing is challenging: every language is different, so no common test suites</a:t>
-            </a:r>
-          </a:p>
-          <a:p>
-            <a:r>
-              <a:rPr lang="en-US" dirty="0"/>
-              <a:t>Benchmarking is challenging: every language is used for a different purpose, so no common benchmark suites</a:t>
+              <a:rPr lang="en-US" sz="2400" dirty="0"/>
+              <a:t>Which is the fastest?  (caveat: of the "pure" implementations)</a:t>
+            </a:r>
+          </a:p>
+          <a:p>
+            <a:r>
+              <a:rPr lang="en-US" sz="2400" dirty="0"/>
+              <a:t>pure means looks something like this…</a:t>
             </a:r>
           </a:p>
         </p:txBody>
@@ -25336,6 +25164,286 @@
     <p:extLst>
       <p:ext uri="{BB962C8B-B14F-4D97-AF65-F5344CB8AC3E}">
         <p14:creationId xmlns:p14="http://schemas.microsoft.com/office/powerpoint/2010/main" val="3526415357"/>
+      </p:ext>
+    </p:extLst>
+  </p:cSld>
+  <p:clrMapOvr>
+    <a:masterClrMapping/>
+  </p:clrMapOvr>
+</p:sld>
+</file>
+
+<file path=ppt/slides/slide6.xml><?xml version="1.0" encoding="utf-8"?>
+<p:sld xmlns:a="http://schemas.openxmlformats.org/drawingml/2006/main" xmlns:r="http://schemas.openxmlformats.org/officeDocument/2006/relationships" xmlns:p="http://schemas.openxmlformats.org/presentationml/2006/main">
+  <p:cSld>
+    <p:spTree>
+      <p:nvGrpSpPr>
+        <p:cNvPr id="1" name=""/>
+        <p:cNvGrpSpPr/>
+        <p:nvPr/>
+      </p:nvGrpSpPr>
+      <p:grpSpPr>
+        <a:xfrm>
+          <a:off x="0" y="0"/>
+          <a:ext cx="0" cy="0"/>
+          <a:chOff x="0" y="0"/>
+          <a:chExt cx="0" cy="0"/>
+        </a:xfrm>
+      </p:grpSpPr>
+      <p:sp>
+        <p:nvSpPr>
+          <p:cNvPr id="2" name="Title 1">
+            <a:extLst>
+              <a:ext uri="{FF2B5EF4-FFF2-40B4-BE49-F238E27FC236}">
+                <a16:creationId xmlns:a16="http://schemas.microsoft.com/office/drawing/2014/main" id="{94F32DAA-5F46-7C45-9BEB-5E380510A4B8}"/>
+              </a:ext>
+            </a:extLst>
+          </p:cNvPr>
+          <p:cNvSpPr>
+            <a:spLocks noGrp="1"/>
+          </p:cNvSpPr>
+          <p:nvPr>
+            <p:ph type="title"/>
+          </p:nvPr>
+        </p:nvSpPr>
+        <p:spPr/>
+        <p:txBody>
+          <a:bodyPr/>
+          <a:lstStyle/>
+          <a:p>
+            <a:r>
+              <a:rPr lang="en-US" dirty="0"/>
+              <a:t>General Form </a:t>
+            </a:r>
+          </a:p>
+        </p:txBody>
+      </p:sp>
+      <p:sp>
+        <p:nvSpPr>
+          <p:cNvPr id="3" name="Content Placeholder 2">
+            <a:extLst>
+              <a:ext uri="{FF2B5EF4-FFF2-40B4-BE49-F238E27FC236}">
+                <a16:creationId xmlns:a16="http://schemas.microsoft.com/office/drawing/2014/main" id="{70C3A6F2-93C8-8748-B392-904F7F2525F4}"/>
+              </a:ext>
+            </a:extLst>
+          </p:cNvPr>
+          <p:cNvSpPr>
+            <a:spLocks noGrp="1"/>
+          </p:cNvSpPr>
+          <p:nvPr>
+            <p:ph idx="1"/>
+          </p:nvPr>
+        </p:nvSpPr>
+        <p:spPr>
+          <a:xfrm>
+            <a:off x="375152" y="1168924"/>
+            <a:ext cx="8561457" cy="3273767"/>
+          </a:xfrm>
+        </p:spPr>
+        <p:txBody>
+          <a:bodyPr/>
+          <a:lstStyle/>
+          <a:p>
+            <a:pPr marL="0" indent="0">
+              <a:spcBef>
+                <a:spcPts val="300"/>
+              </a:spcBef>
+              <a:buNone/>
+            </a:pPr>
+            <a:r>
+              <a:rPr lang="en-US" dirty="0">
+                <a:solidFill>
+                  <a:srgbClr val="4B69C6"/>
+                </a:solidFill>
+                <a:latin typeface="Menlo" panose="020B0609030804020204" pitchFamily="49" charset="0"/>
+              </a:rPr>
+              <a:t>data</a:t>
+            </a:r>
+            <a:r>
+              <a:rPr lang="en-US" dirty="0">
+                <a:solidFill>
+                  <a:srgbClr val="333333"/>
+                </a:solidFill>
+                <a:latin typeface="Menlo" panose="020B0609030804020204" pitchFamily="49" charset="0"/>
+              </a:rPr>
+              <a:t> </a:t>
+            </a:r>
+            <a:r>
+              <a:rPr lang="en-US" dirty="0">
+                <a:solidFill>
+                  <a:srgbClr val="7A3E9D"/>
+                </a:solidFill>
+                <a:latin typeface="Menlo" panose="020B0609030804020204" pitchFamily="49" charset="0"/>
+              </a:rPr>
+              <a:t>Exp</a:t>
+            </a:r>
+            <a:r>
+              <a:rPr lang="en-US" dirty="0">
+                <a:solidFill>
+                  <a:srgbClr val="333333"/>
+                </a:solidFill>
+                <a:latin typeface="Menlo" panose="020B0609030804020204" pitchFamily="49" charset="0"/>
+              </a:rPr>
+              <a:t> = Var Var           </a:t>
+            </a:r>
+          </a:p>
+          <a:p>
+            <a:pPr marL="0" indent="0">
+              <a:spcBef>
+                <a:spcPts val="300"/>
+              </a:spcBef>
+              <a:buNone/>
+            </a:pPr>
+            <a:r>
+              <a:rPr lang="en-US" dirty="0">
+                <a:solidFill>
+                  <a:srgbClr val="333333"/>
+                </a:solidFill>
+                <a:latin typeface="Menlo" panose="020B0609030804020204" pitchFamily="49" charset="0"/>
+              </a:rPr>
+              <a:t>         | Lam (Bind Exp) </a:t>
+            </a:r>
+          </a:p>
+          <a:p>
+            <a:pPr marL="0" indent="0">
+              <a:spcBef>
+                <a:spcPts val="300"/>
+              </a:spcBef>
+              <a:buNone/>
+            </a:pPr>
+            <a:r>
+              <a:rPr lang="en-US" dirty="0">
+                <a:solidFill>
+                  <a:srgbClr val="333333"/>
+                </a:solidFill>
+                <a:latin typeface="Menlo" panose="020B0609030804020204" pitchFamily="49" charset="0"/>
+              </a:rPr>
+              <a:t>         | App Exp Exp</a:t>
+            </a:r>
+          </a:p>
+          <a:p>
+            <a:pPr marL="0" indent="0">
+              <a:spcBef>
+                <a:spcPts val="300"/>
+              </a:spcBef>
+              <a:buNone/>
+            </a:pPr>
+            <a:endParaRPr lang="en-US" dirty="0">
+              <a:solidFill>
+                <a:srgbClr val="333333"/>
+              </a:solidFill>
+              <a:latin typeface="Menlo" panose="020B0609030804020204" pitchFamily="49" charset="0"/>
+            </a:endParaRPr>
+          </a:p>
+          <a:p>
+            <a:pPr marL="0" indent="0">
+              <a:buNone/>
+            </a:pPr>
+            <a:r>
+              <a:rPr lang="en-US" dirty="0">
+                <a:solidFill>
+                  <a:srgbClr val="4B69C6"/>
+                </a:solidFill>
+                <a:latin typeface="Menlo" panose="020B0609030804020204" pitchFamily="49" charset="0"/>
+              </a:rPr>
+              <a:t>type</a:t>
+            </a:r>
+            <a:r>
+              <a:rPr lang="en-US" dirty="0">
+                <a:latin typeface="Menlo" panose="020B0609030804020204" pitchFamily="49" charset="0"/>
+                <a:ea typeface="Menlo" panose="020B0609030804020204" pitchFamily="49" charset="0"/>
+                <a:cs typeface="Menlo" panose="020B0609030804020204" pitchFamily="49" charset="0"/>
+              </a:rPr>
+              <a:t> Var  -- some way to represent variables</a:t>
+            </a:r>
+          </a:p>
+          <a:p>
+            <a:pPr marL="0" indent="0">
+              <a:buNone/>
+            </a:pPr>
+            <a:r>
+              <a:rPr lang="en-US" dirty="0">
+                <a:solidFill>
+                  <a:srgbClr val="4B69C6"/>
+                </a:solidFill>
+                <a:latin typeface="Menlo" panose="020B0609030804020204" pitchFamily="49" charset="0"/>
+              </a:rPr>
+              <a:t>type</a:t>
+            </a:r>
+            <a:r>
+              <a:rPr lang="en-US" dirty="0">
+                <a:latin typeface="Menlo" panose="020B0609030804020204" pitchFamily="49" charset="0"/>
+                <a:ea typeface="Menlo" panose="020B0609030804020204" pitchFamily="49" charset="0"/>
+                <a:cs typeface="Menlo" panose="020B0609030804020204" pitchFamily="49" charset="0"/>
+              </a:rPr>
+              <a:t> Bind t -- some way to represent binding/scope</a:t>
+            </a:r>
+          </a:p>
+          <a:p>
+            <a:pPr marL="0" indent="0">
+              <a:buNone/>
+            </a:pPr>
+            <a:endParaRPr lang="en-US" dirty="0">
+              <a:latin typeface="Menlo" panose="020B0609030804020204" pitchFamily="49" charset="0"/>
+              <a:ea typeface="Menlo" panose="020B0609030804020204" pitchFamily="49" charset="0"/>
+              <a:cs typeface="Menlo" panose="020B0609030804020204" pitchFamily="49" charset="0"/>
+            </a:endParaRPr>
+          </a:p>
+          <a:p>
+            <a:pPr marL="0" indent="0">
+              <a:buNone/>
+            </a:pPr>
+            <a:r>
+              <a:rPr lang="en-US" dirty="0" err="1">
+                <a:latin typeface="Menlo" panose="020B0609030804020204" pitchFamily="49" charset="0"/>
+                <a:ea typeface="Menlo" panose="020B0609030804020204" pitchFamily="49" charset="0"/>
+                <a:cs typeface="Menlo" panose="020B0609030804020204" pitchFamily="49" charset="0"/>
+              </a:rPr>
+              <a:t>aeq</a:t>
+            </a:r>
+            <a:r>
+              <a:rPr lang="en-US" dirty="0">
+                <a:latin typeface="Menlo" panose="020B0609030804020204" pitchFamily="49" charset="0"/>
+                <a:ea typeface="Menlo" panose="020B0609030804020204" pitchFamily="49" charset="0"/>
+                <a:cs typeface="Menlo" panose="020B0609030804020204" pitchFamily="49" charset="0"/>
+              </a:rPr>
+              <a:t> :: Exp -&gt; Exp -&gt; Bool</a:t>
+            </a:r>
+          </a:p>
+          <a:p>
+            <a:pPr marL="0" indent="0">
+              <a:buNone/>
+            </a:pPr>
+            <a:r>
+              <a:rPr lang="en-US" dirty="0" err="1">
+                <a:latin typeface="Menlo" panose="020B0609030804020204" pitchFamily="49" charset="0"/>
+                <a:ea typeface="Menlo" panose="020B0609030804020204" pitchFamily="49" charset="0"/>
+                <a:cs typeface="Menlo" panose="020B0609030804020204" pitchFamily="49" charset="0"/>
+              </a:rPr>
+              <a:t>subst</a:t>
+            </a:r>
+            <a:r>
+              <a:rPr lang="en-US" dirty="0">
+                <a:latin typeface="Menlo" panose="020B0609030804020204" pitchFamily="49" charset="0"/>
+                <a:ea typeface="Menlo" panose="020B0609030804020204" pitchFamily="49" charset="0"/>
+                <a:cs typeface="Menlo" panose="020B0609030804020204" pitchFamily="49" charset="0"/>
+              </a:rPr>
+              <a:t> :: Var -&gt; Exp -&gt; Exp -&gt; Exp</a:t>
+            </a:r>
+            <a:endParaRPr lang="en-US" dirty="0"/>
+          </a:p>
+          <a:p>
+            <a:pPr marL="0" indent="0">
+              <a:buNone/>
+            </a:pPr>
+            <a:endParaRPr lang="en-US" dirty="0"/>
+          </a:p>
+        </p:txBody>
+      </p:sp>
+    </p:spTree>
+    <p:extLst>
+      <p:ext uri="{BB962C8B-B14F-4D97-AF65-F5344CB8AC3E}">
+        <p14:creationId xmlns:p14="http://schemas.microsoft.com/office/powerpoint/2010/main" val="3828990099"/>
       </p:ext>
     </p:extLst>
   </p:cSld>
@@ -25418,12 +25526,6 @@
           <a:p>
             <a:r>
               <a:rPr lang="en-US" dirty="0"/>
-              <a:t>Focus on "pure" and "natural" implementations</a:t>
-            </a:r>
-          </a:p>
-          <a:p>
-            <a:r>
-              <a:rPr lang="en-US" dirty="0"/>
               <a:t>Gather implementations &amp; variations for comparison</a:t>
             </a:r>
           </a:p>
@@ -25458,7 +25560,14 @@
           <a:p>
             <a:r>
               <a:rPr lang="en-US" dirty="0"/>
-              <a:t>Extensive test suite </a:t>
+              <a:t>Test suite </a:t>
+            </a:r>
+          </a:p>
+          <a:p>
+            <a:pPr lvl="1"/>
+            <a:r>
+              <a:rPr lang="en-US" dirty="0"/>
+              <a:t>Testing is challenging: every language is different, so no common test suites</a:t>
             </a:r>
           </a:p>
           <a:p>
@@ -25472,6 +25581,13 @@
             <a:r>
               <a:rPr lang="en-US" dirty="0"/>
               <a:t>Benchmark suite &amp; harness</a:t>
+            </a:r>
+          </a:p>
+          <a:p>
+            <a:pPr lvl="1"/>
+            <a:r>
+              <a:rPr lang="en-US" dirty="0"/>
+              <a:t>Benchmarking is challenging: every language is used for a different purpose, so no common benchmark suites</a:t>
             </a:r>
           </a:p>
           <a:p>
@@ -25528,10 +25644,10 @@
       </p:grpSpPr>
       <p:sp>
         <p:nvSpPr>
-          <p:cNvPr id="4" name="Title 3">
+          <p:cNvPr id="2" name="Title 1">
             <a:extLst>
               <a:ext uri="{FF2B5EF4-FFF2-40B4-BE49-F238E27FC236}">
-                <a16:creationId xmlns:a16="http://schemas.microsoft.com/office/drawing/2014/main" id="{433A13B1-8BA1-C642-9161-244BF4A0D424}"/>
+                <a16:creationId xmlns:a16="http://schemas.microsoft.com/office/drawing/2014/main" id="{7D314583-AC43-0F4C-8287-12976AFF7637}"/>
               </a:ext>
             </a:extLst>
           </p:cNvPr>
@@ -25544,24 +25660,22 @@
         </p:nvSpPr>
         <p:spPr/>
         <p:txBody>
-          <a:bodyPr>
-            <a:normAutofit/>
-          </a:bodyPr>
+          <a:bodyPr/>
           <a:lstStyle/>
           <a:p>
             <a:r>
               <a:rPr lang="en-US" dirty="0"/>
-              <a:t>What makes a good implementation?</a:t>
+              <a:t>This talk</a:t>
             </a:r>
           </a:p>
         </p:txBody>
       </p:sp>
       <p:sp>
         <p:nvSpPr>
-          <p:cNvPr id="5" name="Content Placeholder 4">
+          <p:cNvPr id="3" name="Content Placeholder 2">
             <a:extLst>
               <a:ext uri="{FF2B5EF4-FFF2-40B4-BE49-F238E27FC236}">
-                <a16:creationId xmlns:a16="http://schemas.microsoft.com/office/drawing/2014/main" id="{18B28975-1768-A543-9D02-1BB9329C7767}"/>
+                <a16:creationId xmlns:a16="http://schemas.microsoft.com/office/drawing/2014/main" id="{2C7DADDB-77ED-E546-8F17-959DFE57D9D0}"/>
               </a:ext>
             </a:extLst>
           </p:cNvPr>
@@ -25572,107 +25686,40 @@
             <p:ph idx="1"/>
           </p:nvPr>
         </p:nvSpPr>
-        <p:spPr>
-          <a:xfrm>
-            <a:off x="375152" y="1168924"/>
-            <a:ext cx="7703723" cy="3463799"/>
-          </a:xfrm>
-        </p:spPr>
+        <p:spPr/>
         <p:txBody>
           <a:bodyPr/>
           <a:lstStyle/>
           <a:p>
             <a:r>
               <a:rPr lang="en-US" dirty="0"/>
-              <a:t>Quick implementation of key operations, with high confidence</a:t>
-            </a:r>
-          </a:p>
-          <a:p>
-            <a:pPr lvl="1"/>
+              <a:t>Overview of 3 most common approaches</a:t>
+            </a:r>
+          </a:p>
+          <a:p>
             <a:r>
               <a:rPr lang="en-US" dirty="0"/>
-              <a:t>No matter what our language really is, because it is probably not actually the untyped lambda calculus</a:t>
-            </a:r>
-          </a:p>
-          <a:p>
-            <a:pPr lvl="1"/>
+              <a:t>Discussion of benchmark results</a:t>
+            </a:r>
+          </a:p>
+          <a:p>
             <a:r>
               <a:rPr lang="en-US" dirty="0"/>
-              <a:t>i.e. could have multiple binders, patterns, </a:t>
-            </a:r>
-            <a:r>
-              <a:rPr lang="en-US" dirty="0" err="1"/>
-              <a:t>etc</a:t>
-            </a:r>
-            <a:endParaRPr lang="en-US" dirty="0"/>
+              <a:t>Spoiler alert --- variations overlap: </a:t>
+            </a:r>
           </a:p>
           <a:p>
             <a:r>
               <a:rPr lang="en-US" dirty="0"/>
-              <a:t>Minimal invariants to keep track of</a:t>
-            </a:r>
-          </a:p>
-          <a:p>
-            <a:pPr lvl="1"/>
-            <a:r>
-              <a:rPr lang="en-US" dirty="0"/>
-              <a:t>Or at least help with them</a:t>
-            </a:r>
-          </a:p>
-          <a:p>
-            <a:pPr lvl="1"/>
-            <a:r>
-              <a:rPr lang="en-US" dirty="0"/>
-              <a:t>example invariants:  BVC, shifting indices when changing scopes, </a:t>
-            </a:r>
-          </a:p>
-          <a:p>
-            <a:r>
-              <a:rPr lang="en-US" dirty="0"/>
-              <a:t>Reasonably fast runtime execution</a:t>
-            </a:r>
-          </a:p>
-          <a:p>
-            <a:pPr lvl="1"/>
-            <a:r>
-              <a:rPr lang="en-US" dirty="0"/>
-              <a:t>Very easy to end up with quadratic execution times</a:t>
-            </a:r>
-          </a:p>
-          <a:p>
-            <a:pPr lvl="1"/>
-            <a:r>
-              <a:rPr lang="en-US" dirty="0"/>
-              <a:t>Opportunity for early cut-off  (\</a:t>
-            </a:r>
-            <a:r>
-              <a:rPr lang="en-US" dirty="0" err="1"/>
-              <a:t>x.a</a:t>
-            </a:r>
-            <a:r>
-              <a:rPr lang="en-US" dirty="0"/>
-              <a:t>) {b/x}</a:t>
-            </a:r>
-          </a:p>
-          <a:p>
-            <a:pPr lvl="1"/>
-            <a:r>
-              <a:rPr lang="en-US" dirty="0"/>
-              <a:t>Constant factors dominate though</a:t>
-            </a:r>
-          </a:p>
-          <a:p>
-            <a:pPr marL="342900" lvl="1" indent="0">
-              <a:buNone/>
-            </a:pPr>
-            <a:endParaRPr lang="en-US" dirty="0"/>
+              <a:t>Common ways to optimize</a:t>
+            </a:r>
           </a:p>
         </p:txBody>
       </p:sp>
     </p:spTree>
     <p:extLst>
       <p:ext uri="{BB962C8B-B14F-4D97-AF65-F5344CB8AC3E}">
-        <p14:creationId xmlns:p14="http://schemas.microsoft.com/office/powerpoint/2010/main" val="1257689365"/>
+        <p14:creationId xmlns:p14="http://schemas.microsoft.com/office/powerpoint/2010/main" val="2148088719"/>
       </p:ext>
     </p:extLst>
   </p:cSld>
@@ -25780,7 +25827,7 @@
           <a:p>
             <a:r>
               <a:rPr lang="en-US" dirty="0"/>
-              <a:t>15 different de Bruijn implementations?</a:t>
+              <a:t>de Bruijn implementations</a:t>
             </a:r>
           </a:p>
         </p:txBody>
@@ -25944,7 +25991,25 @@
                 </a:solidFill>
                 <a:latin typeface="Menlo" panose="020B0609030804020204" pitchFamily="49" charset="0"/>
               </a:rPr>
-              <a:t> Var = Int      -- variables are indices</a:t>
+              <a:t> Var = </a:t>
+            </a:r>
+            <a:r>
+              <a:rPr lang="en-US" b="1" dirty="0">
+                <a:solidFill>
+                  <a:srgbClr val="333333"/>
+                </a:solidFill>
+                <a:latin typeface="Menlo" panose="020B0609030804020204" pitchFamily="49" charset="0"/>
+              </a:rPr>
+              <a:t>Int</a:t>
+            </a:r>
+            <a:r>
+              <a:rPr lang="en-US" dirty="0">
+                <a:solidFill>
+                  <a:srgbClr val="333333"/>
+                </a:solidFill>
+                <a:latin typeface="Menlo" panose="020B0609030804020204" pitchFamily="49" charset="0"/>
+              </a:rPr>
+              <a:t>      -- variables are indices</a:t>
             </a:r>
             <a:br>
               <a:rPr lang="en-US" dirty="0">
@@ -25970,7 +26035,25 @@
                 </a:solidFill>
                 <a:latin typeface="Menlo" panose="020B0609030804020204" pitchFamily="49" charset="0"/>
               </a:rPr>
-              <a:t>Bind t = t     -- no info at binders</a:t>
+              <a:t>Bind t = </a:t>
+            </a:r>
+            <a:r>
+              <a:rPr lang="en-US" b="1" dirty="0">
+                <a:solidFill>
+                  <a:srgbClr val="333333"/>
+                </a:solidFill>
+                <a:latin typeface="Menlo" panose="020B0609030804020204" pitchFamily="49" charset="0"/>
+              </a:rPr>
+              <a:t>t</a:t>
+            </a:r>
+            <a:r>
+              <a:rPr lang="en-US" dirty="0">
+                <a:solidFill>
+                  <a:srgbClr val="333333"/>
+                </a:solidFill>
+                <a:latin typeface="Menlo" panose="020B0609030804020204" pitchFamily="49" charset="0"/>
+              </a:rPr>
+              <a:t>     -- no info at binders</a:t>
             </a:r>
           </a:p>
           <a:p>
